--- a/Präsentation/LARC_Abschlusspräsentation.pptx
+++ b/Präsentation/LARC_Abschlusspräsentation.pptx
@@ -5,28 +5,23 @@
     <p:sldMasterId id="2147483660" r:id="rId1"/>
   </p:sldMasterIdLst>
   <p:notesMasterIdLst>
-    <p:notesMasterId r:id="rId21"/>
+    <p:notesMasterId r:id="rId16"/>
   </p:notesMasterIdLst>
   <p:sldIdLst>
     <p:sldId id="256" r:id="rId2"/>
-    <p:sldId id="257" r:id="rId3"/>
-    <p:sldId id="269" r:id="rId4"/>
-    <p:sldId id="271" r:id="rId5"/>
+    <p:sldId id="269" r:id="rId3"/>
+    <p:sldId id="271" r:id="rId4"/>
+    <p:sldId id="257" r:id="rId5"/>
     <p:sldId id="272" r:id="rId6"/>
     <p:sldId id="273" r:id="rId7"/>
     <p:sldId id="274" r:id="rId8"/>
     <p:sldId id="275" r:id="rId9"/>
     <p:sldId id="276" r:id="rId10"/>
-    <p:sldId id="264" r:id="rId11"/>
-    <p:sldId id="265" r:id="rId12"/>
-    <p:sldId id="266" r:id="rId13"/>
-    <p:sldId id="267" r:id="rId14"/>
-    <p:sldId id="268" r:id="rId15"/>
-    <p:sldId id="258" r:id="rId16"/>
-    <p:sldId id="259" r:id="rId17"/>
-    <p:sldId id="260" r:id="rId18"/>
-    <p:sldId id="261" r:id="rId19"/>
-    <p:sldId id="262" r:id="rId20"/>
+    <p:sldId id="258" r:id="rId11"/>
+    <p:sldId id="259" r:id="rId12"/>
+    <p:sldId id="260" r:id="rId13"/>
+    <p:sldId id="261" r:id="rId14"/>
+    <p:sldId id="262" r:id="rId15"/>
   </p:sldIdLst>
   <p:sldSz cx="9144000" cy="6858000" type="screen4x3"/>
   <p:notesSz cx="6858000" cy="9144000"/>
@@ -126,6 +121,40 @@
     </a:lvl9pPr>
   </p:defaultTextStyle>
   <p:extLst>
+    <p:ext uri="{521415D9-36F7-43E2-AB2F-B90AF26B5E84}">
+      <p14:sectionLst xmlns:p14="http://schemas.microsoft.com/office/powerpoint/2010/main">
+        <p14:section name="Standardabschnitt" id="{93A3F706-E6A2-4106-84B7-18F9DE66DCBF}">
+          <p14:sldIdLst>
+            <p14:sldId id="256"/>
+          </p14:sldIdLst>
+        </p14:section>
+        <p14:section name="Einführung" id="{34DF2153-C74B-46D6-8363-B426D295EC9C}">
+          <p14:sldIdLst>
+            <p14:sldId id="269"/>
+            <p14:sldId id="271"/>
+          </p14:sldIdLst>
+        </p14:section>
+        <p14:section name="Team1" id="{6EE2CD20-7B4B-4F57-AB03-9395E930CEC9}">
+          <p14:sldIdLst>
+            <p14:sldId id="257"/>
+            <p14:sldId id="272"/>
+            <p14:sldId id="273"/>
+            <p14:sldId id="274"/>
+            <p14:sldId id="275"/>
+            <p14:sldId id="276"/>
+          </p14:sldIdLst>
+        </p14:section>
+        <p14:section name="Team2" id="{BB2B7F09-B81A-4AEE-8AE9-9304B4197166}">
+          <p14:sldIdLst>
+            <p14:sldId id="258"/>
+            <p14:sldId id="259"/>
+            <p14:sldId id="260"/>
+            <p14:sldId id="261"/>
+            <p14:sldId id="262"/>
+          </p14:sldIdLst>
+        </p14:section>
+      </p14:sectionLst>
+    </p:ext>
     <p:ext uri="{EFAFB233-063F-42B5-8137-9DF3F51BA10A}">
       <p15:sldGuideLst xmlns:p15="http://schemas.microsoft.com/office/powerpoint/2012/main">
         <p15:guide id="1" orient="horz" pos="2160">
@@ -566,7 +595,7 @@
             <a:fld id="{18386D1E-F309-4B8F-B111-2DD54D228A85}" type="slidenum">
               <a:rPr lang="de-DE" smtClean="0"/>
               <a:pPr/>
-              <a:t>2</a:t>
+              <a:t>4</a:t>
             </a:fld>
             <a:endParaRPr lang="de-DE"/>
           </a:p>
@@ -626,186 +655,8 @@
         </p:nvSpPr>
         <p:spPr/>
         <p:txBody>
-          <a:bodyPr>
-            <a:normAutofit/>
-          </a:bodyPr>
-          <a:lstStyle/>
-          <a:p>
-            <a:pPr marL="430213" lvl="0" indent="-277813"/>
-            <a:r>
-              <a:rPr lang="de-DE" dirty="0" smtClean="0"/>
-              <a:t>2</a:t>
-            </a:r>
-            <a:r>
-              <a:rPr lang="de-DE" baseline="0" dirty="0" smtClean="0"/>
-              <a:t> – Potenziell Indirekt:</a:t>
-            </a:r>
-            <a:endParaRPr lang="de-DE" dirty="0" smtClean="0"/>
-          </a:p>
-          <a:p>
-            <a:pPr marL="430213" lvl="0" indent="-277813">
-              <a:buFont typeface="Arial" pitchFamily="34" charset="0"/>
-              <a:buChar char="•"/>
-            </a:pPr>
-            <a:r>
-              <a:rPr lang="de-DE" dirty="0" smtClean="0"/>
-              <a:t>Nicht gegen den Rand fahren</a:t>
-            </a:r>
-          </a:p>
-          <a:p>
-            <a:pPr marL="430213" lvl="0" indent="-277813">
-              <a:buFont typeface="Arial" pitchFamily="34" charset="0"/>
-              <a:buChar char="•"/>
-            </a:pPr>
-            <a:r>
-              <a:rPr lang="de-DE" dirty="0" smtClean="0"/>
-              <a:t>Feuern lohnt sich nur bei guter Trefferwahrscheinlichkeit</a:t>
-            </a:r>
-          </a:p>
-          <a:p>
-            <a:pPr marL="430213" lvl="0" indent="-277813">
-              <a:buFont typeface="Arial" pitchFamily="34" charset="0"/>
-              <a:buChar char="•"/>
-            </a:pPr>
-            <a:r>
-              <a:rPr lang="de-DE" dirty="0" smtClean="0"/>
-              <a:t>Rammen ist gut, gerammt werden nicht</a:t>
-            </a:r>
-          </a:p>
-          <a:p>
-            <a:pPr marL="430213" lvl="0" indent="-277813">
-              <a:buFont typeface="Arial" pitchFamily="34" charset="0"/>
-              <a:buChar char="•"/>
-            </a:pPr>
-            <a:r>
-              <a:rPr lang="de-DE" dirty="0" smtClean="0"/>
-              <a:t>Rammen ist schlecht wenn wir wenig Energie haben</a:t>
-            </a:r>
-          </a:p>
-          <a:p>
-            <a:pPr marL="430213" lvl="0" indent="-277813">
-              <a:buFont typeface="Arial" pitchFamily="34" charset="0"/>
-              <a:buChar char="•"/>
-            </a:pPr>
-            <a:r>
-              <a:rPr lang="de-DE" dirty="0" smtClean="0"/>
-              <a:t>Richtungswechsel reduzieren das Risiko getroffen zu werden</a:t>
-            </a:r>
-          </a:p>
-          <a:p>
-            <a:endParaRPr lang="de-DE" dirty="0"/>
-          </a:p>
-        </p:txBody>
-      </p:sp>
-      <p:sp>
-        <p:nvSpPr>
-          <p:cNvPr id="4" name="Foliennummernplatzhalter 3"/>
-          <p:cNvSpPr>
-            <a:spLocks noGrp="1"/>
-          </p:cNvSpPr>
-          <p:nvPr>
-            <p:ph type="sldNum" sz="quarter" idx="10"/>
-          </p:nvPr>
-        </p:nvSpPr>
-        <p:spPr/>
-        <p:txBody>
           <a:bodyPr/>
           <a:lstStyle/>
-          <a:p>
-            <a:fld id="{18386D1E-F309-4B8F-B111-2DD54D228A85}" type="slidenum">
-              <a:rPr lang="de-DE" smtClean="0"/>
-              <a:pPr/>
-              <a:t>10</a:t>
-            </a:fld>
-            <a:endParaRPr lang="de-DE"/>
-          </a:p>
-        </p:txBody>
-      </p:sp>
-    </p:spTree>
-    <p:extLst>
-      <p:ext uri="{BB962C8B-B14F-4D97-AF65-F5344CB8AC3E}">
-        <p14:creationId xmlns:p14="http://schemas.microsoft.com/office/powerpoint/2010/main" val="3878124507"/>
-      </p:ext>
-    </p:extLst>
-  </p:cSld>
-  <p:clrMapOvr>
-    <a:masterClrMapping/>
-  </p:clrMapOvr>
-</p:notes>
-</file>
-
-<file path=ppt/notesSlides/notesSlide3.xml><?xml version="1.0" encoding="utf-8"?>
-<p:notes xmlns:a="http://schemas.openxmlformats.org/drawingml/2006/main" xmlns:r="http://schemas.openxmlformats.org/officeDocument/2006/relationships" xmlns:p="http://schemas.openxmlformats.org/presentationml/2006/main">
-  <p:cSld>
-    <p:spTree>
-      <p:nvGrpSpPr>
-        <p:cNvPr id="1" name=""/>
-        <p:cNvGrpSpPr/>
-        <p:nvPr/>
-      </p:nvGrpSpPr>
-      <p:grpSpPr>
-        <a:xfrm>
-          <a:off x="0" y="0"/>
-          <a:ext cx="0" cy="0"/>
-          <a:chOff x="0" y="0"/>
-          <a:chExt cx="0" cy="0"/>
-        </a:xfrm>
-      </p:grpSpPr>
-      <p:sp>
-        <p:nvSpPr>
-          <p:cNvPr id="2" name="Folienbildplatzhalter 1"/>
-          <p:cNvSpPr>
-            <a:spLocks noGrp="1" noRot="1" noChangeAspect="1"/>
-          </p:cNvSpPr>
-          <p:nvPr>
-            <p:ph type="sldImg"/>
-          </p:nvPr>
-        </p:nvSpPr>
-        <p:spPr/>
-      </p:sp>
-      <p:sp>
-        <p:nvSpPr>
-          <p:cNvPr id="3" name="Notizenplatzhalter 2"/>
-          <p:cNvSpPr>
-            <a:spLocks noGrp="1"/>
-          </p:cNvSpPr>
-          <p:nvPr>
-            <p:ph type="body" idx="1"/>
-          </p:nvPr>
-        </p:nvSpPr>
-        <p:spPr/>
-        <p:txBody>
-          <a:bodyPr>
-            <a:normAutofit/>
-          </a:bodyPr>
-          <a:lstStyle/>
-          <a:p>
-            <a:pPr lvl="0"/>
-            <a:r>
-              <a:rPr lang="de-DE" dirty="0" smtClean="0"/>
-              <a:t>8 Himmelsrichtungen:</a:t>
-            </a:r>
-          </a:p>
-          <a:p>
-            <a:pPr lvl="0">
-              <a:buFont typeface="Arial" pitchFamily="34" charset="0"/>
-              <a:buChar char="•"/>
-            </a:pPr>
-            <a:r>
-              <a:rPr lang="de-DE" dirty="0" smtClean="0"/>
-              <a:t>Gegner Position</a:t>
-            </a:r>
-          </a:p>
-          <a:p>
-            <a:pPr lvl="0">
-              <a:buFont typeface="Arial" pitchFamily="34" charset="0"/>
-              <a:buChar char="•"/>
-            </a:pPr>
-            <a:r>
-              <a:rPr lang="de-DE" dirty="0" smtClean="0"/>
-              <a:t>Gegner Fahrtrichtung</a:t>
-            </a:r>
-          </a:p>
           <a:p>
             <a:endParaRPr lang="de-DE" dirty="0"/>
           </a:p>
@@ -830,91 +681,6 @@
               <a:rPr lang="de-DE" smtClean="0"/>
               <a:pPr/>
               <a:t>11</a:t>
-            </a:fld>
-            <a:endParaRPr lang="de-DE"/>
-          </a:p>
-        </p:txBody>
-      </p:sp>
-    </p:spTree>
-    <p:extLst>
-      <p:ext uri="{BB962C8B-B14F-4D97-AF65-F5344CB8AC3E}">
-        <p14:creationId xmlns:p14="http://schemas.microsoft.com/office/powerpoint/2010/main" val="104560203"/>
-      </p:ext>
-    </p:extLst>
-  </p:cSld>
-  <p:clrMapOvr>
-    <a:masterClrMapping/>
-  </p:clrMapOvr>
-</p:notes>
-</file>
-
-<file path=ppt/notesSlides/notesSlide4.xml><?xml version="1.0" encoding="utf-8"?>
-<p:notes xmlns:a="http://schemas.openxmlformats.org/drawingml/2006/main" xmlns:r="http://schemas.openxmlformats.org/officeDocument/2006/relationships" xmlns:p="http://schemas.openxmlformats.org/presentationml/2006/main">
-  <p:cSld>
-    <p:spTree>
-      <p:nvGrpSpPr>
-        <p:cNvPr id="1" name=""/>
-        <p:cNvGrpSpPr/>
-        <p:nvPr/>
-      </p:nvGrpSpPr>
-      <p:grpSpPr>
-        <a:xfrm>
-          <a:off x="0" y="0"/>
-          <a:ext cx="0" cy="0"/>
-          <a:chOff x="0" y="0"/>
-          <a:chExt cx="0" cy="0"/>
-        </a:xfrm>
-      </p:grpSpPr>
-      <p:sp>
-        <p:nvSpPr>
-          <p:cNvPr id="2" name="Folienbildplatzhalter 1"/>
-          <p:cNvSpPr>
-            <a:spLocks noGrp="1" noRot="1" noChangeAspect="1"/>
-          </p:cNvSpPr>
-          <p:nvPr>
-            <p:ph type="sldImg"/>
-          </p:nvPr>
-        </p:nvSpPr>
-        <p:spPr/>
-      </p:sp>
-      <p:sp>
-        <p:nvSpPr>
-          <p:cNvPr id="3" name="Notizenplatzhalter 2"/>
-          <p:cNvSpPr>
-            <a:spLocks noGrp="1"/>
-          </p:cNvSpPr>
-          <p:nvPr>
-            <p:ph type="body" idx="1"/>
-          </p:nvPr>
-        </p:nvSpPr>
-        <p:spPr/>
-        <p:txBody>
-          <a:bodyPr/>
-          <a:lstStyle/>
-          <a:p>
-            <a:endParaRPr lang="de-DE" dirty="0"/>
-          </a:p>
-        </p:txBody>
-      </p:sp>
-      <p:sp>
-        <p:nvSpPr>
-          <p:cNvPr id="4" name="Foliennummernplatzhalter 3"/>
-          <p:cNvSpPr>
-            <a:spLocks noGrp="1"/>
-          </p:cNvSpPr>
-          <p:nvPr>
-            <p:ph type="sldNum" sz="quarter" idx="10"/>
-          </p:nvPr>
-        </p:nvSpPr>
-        <p:spPr/>
-        <p:txBody>
-          <a:bodyPr/>
-          <a:lstStyle/>
-          <a:p>
-            <a:fld id="{18386D1E-F309-4B8F-B111-2DD54D228A85}" type="slidenum">
-              <a:rPr lang="de-DE" smtClean="0"/>
-              <a:pPr/>
-              <a:t>16</a:t>
             </a:fld>
             <a:endParaRPr lang="de-DE"/>
           </a:p>
@@ -6196,1208 +5962,6 @@
       </p:grpSpPr>
       <p:sp>
         <p:nvSpPr>
-          <p:cNvPr id="6" name="Gewitterblitz 5"/>
-          <p:cNvSpPr/>
-          <p:nvPr/>
-        </p:nvSpPr>
-        <p:spPr>
-          <a:xfrm>
-            <a:off x="1907704" y="116632"/>
-            <a:ext cx="4176464" cy="5832648"/>
-          </a:xfrm>
-          <a:prstGeom prst="lightningBolt">
-            <a:avLst/>
-          </a:prstGeom>
-          <a:solidFill>
-            <a:srgbClr val="FFFF00"/>
-          </a:solidFill>
-          <a:ln>
-            <a:noFill/>
-          </a:ln>
-        </p:spPr>
-        <p:style>
-          <a:lnRef idx="2">
-            <a:schemeClr val="accent1">
-              <a:shade val="50000"/>
-            </a:schemeClr>
-          </a:lnRef>
-          <a:fillRef idx="1">
-            <a:schemeClr val="accent1"/>
-          </a:fillRef>
-          <a:effectRef idx="0">
-            <a:schemeClr val="accent1"/>
-          </a:effectRef>
-          <a:fontRef idx="minor">
-            <a:schemeClr val="lt1"/>
-          </a:fontRef>
-        </p:style>
-        <p:txBody>
-          <a:bodyPr rtlCol="0" anchor="ctr"/>
-          <a:lstStyle/>
-          <a:p>
-            <a:pPr algn="ctr"/>
-            <a:endParaRPr lang="de-DE"/>
-          </a:p>
-        </p:txBody>
-      </p:sp>
-      <p:sp>
-        <p:nvSpPr>
-          <p:cNvPr id="3" name="Content Placeholder 2"/>
-          <p:cNvSpPr>
-            <a:spLocks noGrp="1"/>
-          </p:cNvSpPr>
-          <p:nvPr>
-            <p:ph idx="1"/>
-          </p:nvPr>
-        </p:nvSpPr>
-        <p:spPr/>
-        <p:txBody>
-          <a:bodyPr>
-            <a:normAutofit fontScale="92500" lnSpcReduction="20000"/>
-          </a:bodyPr>
-          <a:lstStyle/>
-          <a:p>
-            <a:pPr marL="358775" indent="-358775">
-              <a:buFont typeface="+mj-lt"/>
-              <a:buAutoNum type="arabicPeriod"/>
-            </a:pPr>
-            <a:r>
-              <a:rPr lang="de-DE" dirty="0" smtClean="0"/>
-              <a:t>Abstraktion: Position</a:t>
-            </a:r>
-          </a:p>
-          <a:p>
-            <a:pPr marL="971550" lvl="1" indent="-514350"/>
-            <a:r>
-              <a:rPr lang="de-DE" dirty="0" smtClean="0"/>
-              <a:t>Ungefähre Positionen reichen</a:t>
-            </a:r>
-          </a:p>
-          <a:p>
-            <a:pPr marL="971550" lvl="1" indent="-514350"/>
-            <a:r>
-              <a:rPr lang="de-DE" dirty="0" smtClean="0"/>
-              <a:t>Spielfeld Unterteilung in </a:t>
-            </a:r>
-            <a:r>
-              <a:rPr lang="de-DE" u="sng" dirty="0" smtClean="0"/>
-              <a:t>panzergroße Felder</a:t>
-            </a:r>
-          </a:p>
-          <a:p>
-            <a:pPr marL="358775" indent="-358775">
-              <a:buFont typeface="+mj-lt"/>
-              <a:buAutoNum type="arabicPeriod"/>
-            </a:pPr>
-            <a:r>
-              <a:rPr lang="de-DE" dirty="0" smtClean="0"/>
-              <a:t>Abstraktion: Energiehaushalt</a:t>
-            </a:r>
-          </a:p>
-          <a:p>
-            <a:pPr marL="971550" lvl="1" indent="-514350"/>
-            <a:r>
-              <a:rPr lang="de-DE" dirty="0" smtClean="0"/>
-              <a:t>Maximale Nutzung des intrinsischen Feedbacks</a:t>
-            </a:r>
-          </a:p>
-          <a:p>
-            <a:pPr marL="971550" lvl="1" indent="-514350"/>
-            <a:r>
-              <a:rPr lang="de-DE" dirty="0" smtClean="0"/>
-              <a:t>Zentrales Verhältnis: </a:t>
-            </a:r>
-            <a:r>
-              <a:rPr lang="de-DE" u="sng" dirty="0" smtClean="0"/>
-              <a:t>Unsere Energie / Gegner Energie</a:t>
-            </a:r>
-          </a:p>
-          <a:p>
-            <a:pPr marL="971550" lvl="1" indent="-514350"/>
-            <a:r>
-              <a:rPr lang="de-DE" dirty="0" smtClean="0"/>
-              <a:t>Potenziell indirekt enthaltene Informationen? </a:t>
-            </a:r>
-          </a:p>
-          <a:p>
-            <a:pPr marL="358775" indent="-358775">
-              <a:buFont typeface="+mj-lt"/>
-              <a:buAutoNum type="arabicPeriod"/>
-            </a:pPr>
-            <a:r>
-              <a:rPr lang="de-DE" dirty="0" smtClean="0"/>
-              <a:t>Abstraktion: Zielen</a:t>
-            </a:r>
-          </a:p>
-          <a:p>
-            <a:pPr marL="971550" lvl="1" indent="-514350"/>
-            <a:r>
-              <a:rPr lang="de-DE" dirty="0" smtClean="0"/>
-              <a:t>Richtung der </a:t>
-            </a:r>
-            <a:r>
-              <a:rPr lang="de-DE" dirty="0" err="1" smtClean="0"/>
-              <a:t>Gun</a:t>
-            </a:r>
-            <a:r>
-              <a:rPr lang="de-DE" dirty="0" smtClean="0"/>
-              <a:t> (in 10° Schritten)</a:t>
-            </a:r>
-          </a:p>
-        </p:txBody>
-      </p:sp>
-      <p:sp>
-        <p:nvSpPr>
-          <p:cNvPr id="2" name="Title 1"/>
-          <p:cNvSpPr>
-            <a:spLocks noGrp="1"/>
-          </p:cNvSpPr>
-          <p:nvPr>
-            <p:ph type="title"/>
-          </p:nvPr>
-        </p:nvSpPr>
-        <p:spPr/>
-        <p:txBody>
-          <a:bodyPr>
-            <a:normAutofit fontScale="90000"/>
-          </a:bodyPr>
-          <a:lstStyle/>
-          <a:p>
-            <a:r>
-              <a:rPr lang="de-DE" dirty="0" smtClean="0"/>
-              <a:t>Alte Zustandsraum-Modellierung</a:t>
-            </a:r>
-            <a:endParaRPr lang="de-DE" dirty="0"/>
-          </a:p>
-        </p:txBody>
-      </p:sp>
-      <p:sp>
-        <p:nvSpPr>
-          <p:cNvPr id="5" name="Rounded Rectangle 3"/>
-          <p:cNvSpPr/>
-          <p:nvPr/>
-        </p:nvSpPr>
-        <p:spPr>
-          <a:xfrm>
-            <a:off x="6084168" y="5013176"/>
-            <a:ext cx="2603801" cy="1224136"/>
-          </a:xfrm>
-          <a:prstGeom prst="roundRect">
-            <a:avLst/>
-          </a:prstGeom>
-          <a:solidFill>
-            <a:srgbClr val="FF0000"/>
-          </a:solidFill>
-          <a:ln>
-            <a:noFill/>
-          </a:ln>
-        </p:spPr>
-        <p:style>
-          <a:lnRef idx="2">
-            <a:schemeClr val="accent1">
-              <a:shade val="50000"/>
-            </a:schemeClr>
-          </a:lnRef>
-          <a:fillRef idx="1">
-            <a:schemeClr val="accent1"/>
-          </a:fillRef>
-          <a:effectRef idx="0">
-            <a:schemeClr val="accent1"/>
-          </a:effectRef>
-          <a:fontRef idx="minor">
-            <a:schemeClr val="lt1"/>
-          </a:fontRef>
-        </p:style>
-        <p:txBody>
-          <a:bodyPr rtlCol="0" anchor="ctr"/>
-          <a:lstStyle/>
-          <a:p>
-            <a:pPr algn="ctr"/>
-            <a:r>
-              <a:rPr lang="de-DE" sz="2400" b="1" dirty="0" smtClean="0"/>
-              <a:t>9,72 Millionen Zustände</a:t>
-            </a:r>
-            <a:endParaRPr lang="de-DE" sz="2400" b="1" dirty="0"/>
-          </a:p>
-        </p:txBody>
-      </p:sp>
-      <p:sp>
-        <p:nvSpPr>
-          <p:cNvPr id="7" name="Datumsplatzhalter 6"/>
-          <p:cNvSpPr>
-            <a:spLocks noGrp="1"/>
-          </p:cNvSpPr>
-          <p:nvPr>
-            <p:ph type="dt" sz="half" idx="10"/>
-          </p:nvPr>
-        </p:nvSpPr>
-        <p:spPr/>
-        <p:txBody>
-          <a:bodyPr/>
-          <a:lstStyle/>
-          <a:p>
-            <a:fld id="{F1B0E9FB-513B-47F0-9926-29CA378BFD36}" type="datetime1">
-              <a:rPr lang="de-DE" smtClean="0"/>
-              <a:t>22.06.2015</a:t>
-            </a:fld>
-            <a:endParaRPr lang="de-DE"/>
-          </a:p>
-        </p:txBody>
-      </p:sp>
-      <p:sp>
-        <p:nvSpPr>
-          <p:cNvPr id="8" name="Foliennummernplatzhalter 7"/>
-          <p:cNvSpPr>
-            <a:spLocks noGrp="1"/>
-          </p:cNvSpPr>
-          <p:nvPr>
-            <p:ph type="sldNum" sz="quarter" idx="12"/>
-          </p:nvPr>
-        </p:nvSpPr>
-        <p:spPr/>
-        <p:txBody>
-          <a:bodyPr/>
-          <a:lstStyle/>
-          <a:p>
-            <a:fld id="{B9DC6992-199D-4EB6-BFD7-444195B8EA7C}" type="slidenum">
-              <a:rPr lang="de-DE" smtClean="0"/>
-              <a:pPr/>
-              <a:t>10</a:t>
-            </a:fld>
-            <a:endParaRPr lang="de-DE"/>
-          </a:p>
-        </p:txBody>
-      </p:sp>
-    </p:spTree>
-  </p:cSld>
-  <p:clrMapOvr>
-    <a:masterClrMapping/>
-  </p:clrMapOvr>
-  <p:transition>
-    <p:fade/>
-  </p:transition>
-  <p:timing>
-    <p:tnLst>
-      <p:par>
-        <p:cTn id="1" dur="indefinite" restart="never" nodeType="tmRoot"/>
-      </p:par>
-    </p:tnLst>
-  </p:timing>
-</p:sld>
-</file>
-
-<file path=ppt/slides/slide11.xml><?xml version="1.0" encoding="utf-8"?>
-<p:sld xmlns:a="http://schemas.openxmlformats.org/drawingml/2006/main" xmlns:r="http://schemas.openxmlformats.org/officeDocument/2006/relationships" xmlns:p="http://schemas.openxmlformats.org/presentationml/2006/main">
-  <p:cSld>
-    <p:spTree>
-      <p:nvGrpSpPr>
-        <p:cNvPr id="1" name=""/>
-        <p:cNvGrpSpPr/>
-        <p:nvPr/>
-      </p:nvGrpSpPr>
-      <p:grpSpPr>
-        <a:xfrm>
-          <a:off x="0" y="0"/>
-          <a:ext cx="0" cy="0"/>
-          <a:chOff x="0" y="0"/>
-          <a:chExt cx="0" cy="0"/>
-        </a:xfrm>
-      </p:grpSpPr>
-      <p:sp>
-        <p:nvSpPr>
-          <p:cNvPr id="3" name="Content Placeholder 2"/>
-          <p:cNvSpPr>
-            <a:spLocks noGrp="1"/>
-          </p:cNvSpPr>
-          <p:nvPr>
-            <p:ph idx="1"/>
-          </p:nvPr>
-        </p:nvSpPr>
-        <p:spPr/>
-        <p:txBody>
-          <a:bodyPr>
-            <a:normAutofit lnSpcReduction="10000"/>
-          </a:bodyPr>
-          <a:lstStyle/>
-          <a:p>
-            <a:r>
-              <a:rPr lang="de-DE" dirty="0" smtClean="0"/>
-              <a:t>Reduktion des Zustandsraumes</a:t>
-            </a:r>
-          </a:p>
-          <a:p>
-            <a:pPr lvl="1"/>
-            <a:r>
-              <a:rPr lang="de-DE" dirty="0" smtClean="0"/>
-              <a:t>Spielfeld in nur 5 kritische Zonen aufgeteilt</a:t>
-            </a:r>
-          </a:p>
-          <a:p>
-            <a:pPr lvl="1"/>
-            <a:r>
-              <a:rPr lang="de-DE" dirty="0" smtClean="0"/>
-              <a:t>2x 8 Himmelsrichtungen </a:t>
-            </a:r>
-          </a:p>
-          <a:p>
-            <a:pPr lvl="1"/>
-            <a:r>
-              <a:rPr lang="de-DE" dirty="0" smtClean="0"/>
-              <a:t>3 Distanz-Zonen zum Gegner</a:t>
-            </a:r>
-          </a:p>
-          <a:p>
-            <a:r>
-              <a:rPr lang="de-DE" dirty="0" smtClean="0"/>
-              <a:t>Reduktion der Aktionen</a:t>
-            </a:r>
-          </a:p>
-          <a:p>
-            <a:pPr lvl="1"/>
-            <a:r>
-              <a:rPr lang="de-DE" dirty="0" smtClean="0"/>
-              <a:t>Feuern / nicht Feuern</a:t>
-            </a:r>
-          </a:p>
-          <a:p>
-            <a:pPr lvl="1"/>
-            <a:r>
-              <a:rPr lang="de-DE" dirty="0" smtClean="0"/>
-              <a:t>8 Himmelsrichtungen anfahren + stehen</a:t>
-            </a:r>
-          </a:p>
-          <a:p>
-            <a:pPr lvl="1"/>
-            <a:r>
-              <a:rPr lang="de-DE" dirty="0" smtClean="0"/>
-              <a:t>5 </a:t>
-            </a:r>
-            <a:r>
-              <a:rPr lang="de-DE" dirty="0" err="1" smtClean="0"/>
-              <a:t>Gun</a:t>
-            </a:r>
-            <a:r>
-              <a:rPr lang="de-DE" dirty="0" smtClean="0"/>
-              <a:t> Offset Positionen</a:t>
-            </a:r>
-            <a:endParaRPr lang="de-DE" dirty="0"/>
-          </a:p>
-          <a:p>
-            <a:pPr lvl="1"/>
-            <a:endParaRPr lang="de-DE" dirty="0" smtClean="0"/>
-          </a:p>
-          <a:p>
-            <a:endParaRPr lang="de-DE" dirty="0" smtClean="0"/>
-          </a:p>
-        </p:txBody>
-      </p:sp>
-      <p:sp>
-        <p:nvSpPr>
-          <p:cNvPr id="2" name="Title 1"/>
-          <p:cNvSpPr>
-            <a:spLocks noGrp="1"/>
-          </p:cNvSpPr>
-          <p:nvPr>
-            <p:ph type="title"/>
-          </p:nvPr>
-        </p:nvSpPr>
-        <p:spPr/>
-        <p:txBody>
-          <a:bodyPr/>
-          <a:lstStyle/>
-          <a:p>
-            <a:r>
-              <a:rPr lang="de-DE" dirty="0" smtClean="0"/>
-              <a:t>Implementierte Änderungen</a:t>
-            </a:r>
-            <a:endParaRPr lang="de-DE" dirty="0"/>
-          </a:p>
-        </p:txBody>
-      </p:sp>
-      <p:sp>
-        <p:nvSpPr>
-          <p:cNvPr id="5" name="Rounded Rectangle 3"/>
-          <p:cNvSpPr/>
-          <p:nvPr/>
-        </p:nvSpPr>
-        <p:spPr>
-          <a:xfrm>
-            <a:off x="6936751" y="1484784"/>
-            <a:ext cx="1667697" cy="720080"/>
-          </a:xfrm>
-          <a:prstGeom prst="roundRect">
-            <a:avLst/>
-          </a:prstGeom>
-          <a:solidFill>
-            <a:schemeClr val="tx2"/>
-          </a:solidFill>
-          <a:ln>
-            <a:noFill/>
-          </a:ln>
-        </p:spPr>
-        <p:style>
-          <a:lnRef idx="2">
-            <a:schemeClr val="accent1">
-              <a:shade val="50000"/>
-            </a:schemeClr>
-          </a:lnRef>
-          <a:fillRef idx="1">
-            <a:schemeClr val="accent1"/>
-          </a:fillRef>
-          <a:effectRef idx="0">
-            <a:schemeClr val="accent1"/>
-          </a:effectRef>
-          <a:fontRef idx="minor">
-            <a:schemeClr val="lt1"/>
-          </a:fontRef>
-        </p:style>
-        <p:txBody>
-          <a:bodyPr rtlCol="0" anchor="ctr"/>
-          <a:lstStyle/>
-          <a:p>
-            <a:pPr algn="ctr"/>
-            <a:r>
-              <a:rPr lang="de-DE" sz="2000" b="1" dirty="0" smtClean="0"/>
-              <a:t>960 Zustände</a:t>
-            </a:r>
-            <a:endParaRPr lang="de-DE" sz="2000" b="1" dirty="0"/>
-          </a:p>
-        </p:txBody>
-      </p:sp>
-      <p:sp>
-        <p:nvSpPr>
-          <p:cNvPr id="6" name="Rounded Rectangle 3"/>
-          <p:cNvSpPr/>
-          <p:nvPr/>
-        </p:nvSpPr>
-        <p:spPr>
-          <a:xfrm>
-            <a:off x="6936751" y="3861048"/>
-            <a:ext cx="1667697" cy="720080"/>
-          </a:xfrm>
-          <a:prstGeom prst="roundRect">
-            <a:avLst/>
-          </a:prstGeom>
-          <a:solidFill>
-            <a:schemeClr val="tx2"/>
-          </a:solidFill>
-          <a:ln>
-            <a:noFill/>
-          </a:ln>
-        </p:spPr>
-        <p:style>
-          <a:lnRef idx="2">
-            <a:schemeClr val="accent1">
-              <a:shade val="50000"/>
-            </a:schemeClr>
-          </a:lnRef>
-          <a:fillRef idx="1">
-            <a:schemeClr val="accent1"/>
-          </a:fillRef>
-          <a:effectRef idx="0">
-            <a:schemeClr val="accent1"/>
-          </a:effectRef>
-          <a:fontRef idx="minor">
-            <a:schemeClr val="lt1"/>
-          </a:fontRef>
-        </p:style>
-        <p:txBody>
-          <a:bodyPr rtlCol="0" anchor="ctr"/>
-          <a:lstStyle/>
-          <a:p>
-            <a:pPr algn="ctr"/>
-            <a:r>
-              <a:rPr lang="de-DE" sz="2000" b="1" dirty="0" smtClean="0"/>
-              <a:t>90 Aktionen</a:t>
-            </a:r>
-            <a:endParaRPr lang="de-DE" sz="2000" b="1" dirty="0"/>
-          </a:p>
-        </p:txBody>
-      </p:sp>
-      <p:sp>
-        <p:nvSpPr>
-          <p:cNvPr id="10" name="Rounded Rectangle 3"/>
-          <p:cNvSpPr/>
-          <p:nvPr/>
-        </p:nvSpPr>
-        <p:spPr>
-          <a:xfrm>
-            <a:off x="6300192" y="5394514"/>
-            <a:ext cx="2304256" cy="914806"/>
-          </a:xfrm>
-          <a:prstGeom prst="roundRect">
-            <a:avLst/>
-          </a:prstGeom>
-          <a:solidFill>
-            <a:srgbClr val="FF0000"/>
-          </a:solidFill>
-          <a:ln>
-            <a:noFill/>
-          </a:ln>
-        </p:spPr>
-        <p:style>
-          <a:lnRef idx="2">
-            <a:schemeClr val="accent1">
-              <a:shade val="50000"/>
-            </a:schemeClr>
-          </a:lnRef>
-          <a:fillRef idx="1">
-            <a:schemeClr val="accent1"/>
-          </a:fillRef>
-          <a:effectRef idx="0">
-            <a:schemeClr val="accent1"/>
-          </a:effectRef>
-          <a:fontRef idx="minor">
-            <a:schemeClr val="lt1"/>
-          </a:fontRef>
-        </p:style>
-        <p:txBody>
-          <a:bodyPr rtlCol="0" anchor="ctr"/>
-          <a:lstStyle/>
-          <a:p>
-            <a:pPr algn="ctr"/>
-            <a:r>
-              <a:rPr lang="de-DE" sz="2000" b="1" dirty="0"/>
-              <a:t>60480 erreichbare Values</a:t>
-            </a:r>
-          </a:p>
-        </p:txBody>
-      </p:sp>
-      <p:sp>
-        <p:nvSpPr>
-          <p:cNvPr id="7" name="Datumsplatzhalter 6"/>
-          <p:cNvSpPr>
-            <a:spLocks noGrp="1"/>
-          </p:cNvSpPr>
-          <p:nvPr>
-            <p:ph type="dt" sz="half" idx="10"/>
-          </p:nvPr>
-        </p:nvSpPr>
-        <p:spPr/>
-        <p:txBody>
-          <a:bodyPr/>
-          <a:lstStyle/>
-          <a:p>
-            <a:fld id="{4B4B5CB4-7CD9-42F9-8C0F-B29CAD347367}" type="datetime1">
-              <a:rPr lang="de-DE" smtClean="0"/>
-              <a:t>22.06.2015</a:t>
-            </a:fld>
-            <a:endParaRPr lang="de-DE"/>
-          </a:p>
-        </p:txBody>
-      </p:sp>
-      <p:sp>
-        <p:nvSpPr>
-          <p:cNvPr id="8" name="Foliennummernplatzhalter 7"/>
-          <p:cNvSpPr>
-            <a:spLocks noGrp="1"/>
-          </p:cNvSpPr>
-          <p:nvPr>
-            <p:ph type="sldNum" sz="quarter" idx="12"/>
-          </p:nvPr>
-        </p:nvSpPr>
-        <p:spPr/>
-        <p:txBody>
-          <a:bodyPr/>
-          <a:lstStyle/>
-          <a:p>
-            <a:fld id="{B9DC6992-199D-4EB6-BFD7-444195B8EA7C}" type="slidenum">
-              <a:rPr lang="de-DE" smtClean="0"/>
-              <a:pPr/>
-              <a:t>11</a:t>
-            </a:fld>
-            <a:endParaRPr lang="de-DE"/>
-          </a:p>
-        </p:txBody>
-      </p:sp>
-    </p:spTree>
-  </p:cSld>
-  <p:clrMapOvr>
-    <a:masterClrMapping/>
-  </p:clrMapOvr>
-  <p:transition>
-    <p:fade/>
-  </p:transition>
-  <p:timing>
-    <p:tnLst>
-      <p:par>
-        <p:cTn id="1" dur="indefinite" restart="never" nodeType="tmRoot"/>
-      </p:par>
-    </p:tnLst>
-  </p:timing>
-</p:sld>
-</file>
-
-<file path=ppt/slides/slide12.xml><?xml version="1.0" encoding="utf-8"?>
-<p:sld xmlns:a="http://schemas.openxmlformats.org/drawingml/2006/main" xmlns:r="http://schemas.openxmlformats.org/officeDocument/2006/relationships" xmlns:p="http://schemas.openxmlformats.org/presentationml/2006/main">
-  <p:cSld>
-    <p:spTree>
-      <p:nvGrpSpPr>
-        <p:cNvPr id="1" name=""/>
-        <p:cNvGrpSpPr/>
-        <p:nvPr/>
-      </p:nvGrpSpPr>
-      <p:grpSpPr>
-        <a:xfrm>
-          <a:off x="0" y="0"/>
-          <a:ext cx="0" cy="0"/>
-          <a:chOff x="0" y="0"/>
-          <a:chExt cx="0" cy="0"/>
-        </a:xfrm>
-      </p:grpSpPr>
-      <p:sp>
-        <p:nvSpPr>
-          <p:cNvPr id="3" name="Content Placeholder 2"/>
-          <p:cNvSpPr>
-            <a:spLocks noGrp="1"/>
-          </p:cNvSpPr>
-          <p:nvPr>
-            <p:ph idx="1"/>
-          </p:nvPr>
-        </p:nvSpPr>
-        <p:spPr/>
-        <p:txBody>
-          <a:bodyPr>
-            <a:normAutofit fontScale="62500" lnSpcReduction="20000"/>
-          </a:bodyPr>
-          <a:lstStyle/>
-          <a:p>
-            <a:r>
-              <a:rPr lang="de-DE" dirty="0" smtClean="0"/>
-              <a:t>Richtiges Fahren</a:t>
-            </a:r>
-          </a:p>
-          <a:p>
-            <a:pPr lvl="1"/>
-            <a:r>
-              <a:rPr lang="de-DE" dirty="0" smtClean="0"/>
-              <a:t>Belohnung</a:t>
-            </a:r>
-          </a:p>
-          <a:p>
-            <a:pPr lvl="2"/>
-            <a:r>
-              <a:rPr lang="de-DE" dirty="0" smtClean="0"/>
-              <a:t>Gegner rammen</a:t>
-            </a:r>
-          </a:p>
-          <a:p>
-            <a:pPr lvl="1"/>
-            <a:r>
-              <a:rPr lang="de-DE" dirty="0" smtClean="0"/>
-              <a:t>Bestrafungen:</a:t>
-            </a:r>
-          </a:p>
-          <a:p>
-            <a:pPr lvl="2"/>
-            <a:r>
-              <a:rPr lang="de-DE" dirty="0" smtClean="0"/>
-              <a:t>Gegen die Wand fahren</a:t>
-            </a:r>
-          </a:p>
-          <a:p>
-            <a:pPr lvl="2"/>
-            <a:r>
-              <a:rPr lang="de-DE" dirty="0" smtClean="0"/>
-              <a:t>Vom Gegner gerammt werden</a:t>
-            </a:r>
-          </a:p>
-          <a:p>
-            <a:pPr lvl="2"/>
-            <a:r>
-              <a:rPr lang="de-DE" dirty="0" smtClean="0"/>
-              <a:t>Von </a:t>
-            </a:r>
-            <a:r>
-              <a:rPr lang="de-DE" dirty="0" err="1" smtClean="0"/>
-              <a:t>Gegnerkugel</a:t>
-            </a:r>
-            <a:r>
-              <a:rPr lang="de-DE" dirty="0" smtClean="0"/>
-              <a:t> getroffen werden</a:t>
-            </a:r>
-          </a:p>
-          <a:p>
-            <a:r>
-              <a:rPr lang="de-DE" dirty="0" smtClean="0"/>
-              <a:t>Richtiges Zielen</a:t>
-            </a:r>
-          </a:p>
-          <a:p>
-            <a:pPr lvl="1"/>
-            <a:r>
-              <a:rPr lang="de-DE" dirty="0" smtClean="0"/>
-              <a:t>Belohnung</a:t>
-            </a:r>
-          </a:p>
-          <a:p>
-            <a:pPr lvl="2"/>
-            <a:r>
-              <a:rPr lang="de-DE" dirty="0" smtClean="0"/>
-              <a:t>Gegner treffen</a:t>
-            </a:r>
-          </a:p>
-          <a:p>
-            <a:pPr lvl="1"/>
-            <a:r>
-              <a:rPr lang="de-DE" dirty="0" smtClean="0"/>
-              <a:t>Bestrafung</a:t>
-            </a:r>
-          </a:p>
-          <a:p>
-            <a:pPr lvl="2"/>
-            <a:r>
-              <a:rPr lang="de-DE" dirty="0" smtClean="0"/>
-              <a:t>Gegen die Wand schießen</a:t>
-            </a:r>
-          </a:p>
-          <a:p>
-            <a:r>
-              <a:rPr lang="de-DE" dirty="0" smtClean="0"/>
-              <a:t>Spiele gewinnen</a:t>
-            </a:r>
-          </a:p>
-          <a:p>
-            <a:pPr lvl="1"/>
-            <a:endParaRPr lang="de-DE" dirty="0" smtClean="0"/>
-          </a:p>
-        </p:txBody>
-      </p:sp>
-      <p:sp>
-        <p:nvSpPr>
-          <p:cNvPr id="2" name="Title 1"/>
-          <p:cNvSpPr>
-            <a:spLocks noGrp="1"/>
-          </p:cNvSpPr>
-          <p:nvPr>
-            <p:ph type="title"/>
-          </p:nvPr>
-        </p:nvSpPr>
-        <p:spPr/>
-        <p:txBody>
-          <a:bodyPr>
-            <a:normAutofit fontScale="90000"/>
-          </a:bodyPr>
-          <a:lstStyle/>
-          <a:p>
-            <a:r>
-              <a:rPr lang="de-DE" dirty="0" smtClean="0"/>
-              <a:t>Belohnungsschema für Lernziele</a:t>
-            </a:r>
-            <a:endParaRPr lang="de-DE" dirty="0"/>
-          </a:p>
-        </p:txBody>
-      </p:sp>
-      <p:sp>
-        <p:nvSpPr>
-          <p:cNvPr id="17410" name="Rectangle 2"/>
-          <p:cNvSpPr>
-            <a:spLocks noChangeArrowheads="1"/>
-          </p:cNvSpPr>
-          <p:nvPr/>
-        </p:nvSpPr>
-        <p:spPr bwMode="auto">
-          <a:xfrm>
-            <a:off x="0" y="0"/>
-            <a:ext cx="9144000" cy="457200"/>
-          </a:xfrm>
-          <a:prstGeom prst="rect">
-            <a:avLst/>
-          </a:prstGeom>
-          <a:noFill/>
-          <a:ln w="9525">
-            <a:noFill/>
-            <a:miter lim="800000"/>
-            <a:headEnd/>
-            <a:tailEnd/>
-          </a:ln>
-          <a:effectLst/>
-        </p:spPr>
-        <p:txBody>
-          <a:bodyPr vert="horz" wrap="none" lIns="91440" tIns="45720" rIns="91440" bIns="45720" numCol="1" anchor="ctr" anchorCtr="0" compatLnSpc="1">
-            <a:prstTxWarp prst="textNoShape">
-              <a:avLst/>
-            </a:prstTxWarp>
-            <a:spAutoFit/>
-          </a:bodyPr>
-          <a:lstStyle/>
-          <a:p>
-            <a:endParaRPr lang="de-DE"/>
-          </a:p>
-        </p:txBody>
-      </p:sp>
-      <p:sp>
-        <p:nvSpPr>
-          <p:cNvPr id="7" name="Datumsplatzhalter 6"/>
-          <p:cNvSpPr>
-            <a:spLocks noGrp="1"/>
-          </p:cNvSpPr>
-          <p:nvPr>
-            <p:ph type="dt" sz="half" idx="10"/>
-          </p:nvPr>
-        </p:nvSpPr>
-        <p:spPr/>
-        <p:txBody>
-          <a:bodyPr/>
-          <a:lstStyle/>
-          <a:p>
-            <a:fld id="{13BD8C23-2A23-41F8-92E4-52B64C1849E8}" type="datetime1">
-              <a:rPr lang="de-DE" smtClean="0"/>
-              <a:t>22.06.2015</a:t>
-            </a:fld>
-            <a:endParaRPr lang="de-DE"/>
-          </a:p>
-        </p:txBody>
-      </p:sp>
-      <p:sp>
-        <p:nvSpPr>
-          <p:cNvPr id="8" name="Foliennummernplatzhalter 7"/>
-          <p:cNvSpPr>
-            <a:spLocks noGrp="1"/>
-          </p:cNvSpPr>
-          <p:nvPr>
-            <p:ph type="sldNum" sz="quarter" idx="12"/>
-          </p:nvPr>
-        </p:nvSpPr>
-        <p:spPr/>
-        <p:txBody>
-          <a:bodyPr/>
-          <a:lstStyle/>
-          <a:p>
-            <a:fld id="{B9DC6992-199D-4EB6-BFD7-444195B8EA7C}" type="slidenum">
-              <a:rPr lang="de-DE" smtClean="0"/>
-              <a:pPr/>
-              <a:t>12</a:t>
-            </a:fld>
-            <a:endParaRPr lang="de-DE"/>
-          </a:p>
-        </p:txBody>
-      </p:sp>
-    </p:spTree>
-  </p:cSld>
-  <p:clrMapOvr>
-    <a:masterClrMapping/>
-  </p:clrMapOvr>
-  <p:transition>
-    <p:fade/>
-  </p:transition>
-  <p:timing>
-    <p:tnLst>
-      <p:par>
-        <p:cTn id="1" dur="indefinite" restart="never" nodeType="tmRoot"/>
-      </p:par>
-    </p:tnLst>
-  </p:timing>
-</p:sld>
-</file>
-
-<file path=ppt/slides/slide13.xml><?xml version="1.0" encoding="utf-8"?>
-<p:sld xmlns:a="http://schemas.openxmlformats.org/drawingml/2006/main" xmlns:r="http://schemas.openxmlformats.org/officeDocument/2006/relationships" xmlns:p="http://schemas.openxmlformats.org/presentationml/2006/main">
-  <p:cSld>
-    <p:spTree>
-      <p:nvGrpSpPr>
-        <p:cNvPr id="1" name=""/>
-        <p:cNvGrpSpPr/>
-        <p:nvPr/>
-      </p:nvGrpSpPr>
-      <p:grpSpPr>
-        <a:xfrm>
-          <a:off x="0" y="0"/>
-          <a:ext cx="0" cy="0"/>
-          <a:chOff x="0" y="0"/>
-          <a:chExt cx="0" cy="0"/>
-        </a:xfrm>
-      </p:grpSpPr>
-      <p:sp>
-        <p:nvSpPr>
-          <p:cNvPr id="3" name="Inhaltsplatzhalter 2"/>
-          <p:cNvSpPr>
-            <a:spLocks noGrp="1"/>
-          </p:cNvSpPr>
-          <p:nvPr>
-            <p:ph idx="1"/>
-          </p:nvPr>
-        </p:nvSpPr>
-        <p:spPr/>
-        <p:txBody>
-          <a:bodyPr/>
-          <a:lstStyle/>
-          <a:p>
-            <a:r>
-              <a:rPr lang="de-DE" dirty="0" smtClean="0"/>
-              <a:t>Lernt ein bisschen gegen die Wand  zu fahren</a:t>
-            </a:r>
-          </a:p>
-          <a:p>
-            <a:r>
-              <a:rPr lang="de-DE" dirty="0" smtClean="0"/>
-              <a:t>Zielen scheint zu schwierig mit den gegebenen Informationen des Zustandsraums</a:t>
-            </a:r>
-          </a:p>
-          <a:p>
-            <a:r>
-              <a:rPr lang="de-DE" dirty="0" smtClean="0"/>
-              <a:t>Robot schießt nicht weniger gegen die Wand</a:t>
-            </a:r>
-          </a:p>
-          <a:p>
-            <a:endParaRPr lang="de-DE" dirty="0"/>
-          </a:p>
-        </p:txBody>
-      </p:sp>
-      <p:sp>
-        <p:nvSpPr>
-          <p:cNvPr id="2" name="Titel 1"/>
-          <p:cNvSpPr>
-            <a:spLocks noGrp="1"/>
-          </p:cNvSpPr>
-          <p:nvPr>
-            <p:ph type="title"/>
-          </p:nvPr>
-        </p:nvSpPr>
-        <p:spPr/>
-        <p:txBody>
-          <a:bodyPr/>
-          <a:lstStyle/>
-          <a:p>
-            <a:r>
-              <a:rPr lang="de-DE" dirty="0" smtClean="0"/>
-              <a:t>Erzielte Lernerfolge – Probleme</a:t>
-            </a:r>
-            <a:endParaRPr lang="de-DE" dirty="0"/>
-          </a:p>
-        </p:txBody>
-      </p:sp>
-      <p:sp>
-        <p:nvSpPr>
-          <p:cNvPr id="4" name="Datumsplatzhalter 3"/>
-          <p:cNvSpPr>
-            <a:spLocks noGrp="1"/>
-          </p:cNvSpPr>
-          <p:nvPr>
-            <p:ph type="dt" sz="half" idx="10"/>
-          </p:nvPr>
-        </p:nvSpPr>
-        <p:spPr/>
-        <p:txBody>
-          <a:bodyPr/>
-          <a:lstStyle/>
-          <a:p>
-            <a:fld id="{7CBA5710-9B46-45FA-8647-3E58F6D79FD4}" type="datetime1">
-              <a:rPr lang="de-DE" smtClean="0"/>
-              <a:t>22.06.2015</a:t>
-            </a:fld>
-            <a:endParaRPr lang="de-DE"/>
-          </a:p>
-        </p:txBody>
-      </p:sp>
-      <p:sp>
-        <p:nvSpPr>
-          <p:cNvPr id="5" name="Foliennummernplatzhalter 4"/>
-          <p:cNvSpPr>
-            <a:spLocks noGrp="1"/>
-          </p:cNvSpPr>
-          <p:nvPr>
-            <p:ph type="sldNum" sz="quarter" idx="12"/>
-          </p:nvPr>
-        </p:nvSpPr>
-        <p:spPr/>
-        <p:txBody>
-          <a:bodyPr/>
-          <a:lstStyle/>
-          <a:p>
-            <a:fld id="{B9DC6992-199D-4EB6-BFD7-444195B8EA7C}" type="slidenum">
-              <a:rPr lang="de-DE" smtClean="0"/>
-              <a:pPr/>
-              <a:t>13</a:t>
-            </a:fld>
-            <a:endParaRPr lang="de-DE"/>
-          </a:p>
-        </p:txBody>
-      </p:sp>
-    </p:spTree>
-    <p:extLst>
-      <p:ext uri="{BB962C8B-B14F-4D97-AF65-F5344CB8AC3E}">
-        <p14:creationId xmlns:p14="http://schemas.microsoft.com/office/powerpoint/2010/main" val="3559316145"/>
-      </p:ext>
-    </p:extLst>
-  </p:cSld>
-  <p:clrMapOvr>
-    <a:masterClrMapping/>
-  </p:clrMapOvr>
-  <p:transition>
-    <p:fade/>
-  </p:transition>
-  <p:timing>
-    <p:tnLst>
-      <p:par>
-        <p:cTn id="1" dur="indefinite" restart="never" nodeType="tmRoot"/>
-      </p:par>
-    </p:tnLst>
-  </p:timing>
-</p:sld>
-</file>
-
-<file path=ppt/slides/slide14.xml><?xml version="1.0" encoding="utf-8"?>
-<p:sld xmlns:a="http://schemas.openxmlformats.org/drawingml/2006/main" xmlns:r="http://schemas.openxmlformats.org/officeDocument/2006/relationships" xmlns:p="http://schemas.openxmlformats.org/presentationml/2006/main">
-  <p:cSld>
-    <p:spTree>
-      <p:nvGrpSpPr>
-        <p:cNvPr id="1" name=""/>
-        <p:cNvGrpSpPr/>
-        <p:nvPr/>
-      </p:nvGrpSpPr>
-      <p:grpSpPr>
-        <a:xfrm>
-          <a:off x="0" y="0"/>
-          <a:ext cx="0" cy="0"/>
-          <a:chOff x="0" y="0"/>
-          <a:chExt cx="0" cy="0"/>
-        </a:xfrm>
-      </p:grpSpPr>
-      <p:sp>
-        <p:nvSpPr>
-          <p:cNvPr id="3" name="Inhaltsplatzhalter 2"/>
-          <p:cNvSpPr>
-            <a:spLocks noGrp="1"/>
-          </p:cNvSpPr>
-          <p:nvPr>
-            <p:ph idx="1"/>
-          </p:nvPr>
-        </p:nvSpPr>
-        <p:spPr/>
-        <p:txBody>
-          <a:bodyPr/>
-          <a:lstStyle/>
-          <a:p>
-            <a:r>
-              <a:rPr lang="de-DE" dirty="0" smtClean="0"/>
-              <a:t>Lernerfolge realisieren</a:t>
-            </a:r>
-          </a:p>
-          <a:p>
-            <a:r>
-              <a:rPr lang="de-DE" dirty="0" smtClean="0"/>
-              <a:t>Lernen und Kämpfen gegen den anderen LARC Robot</a:t>
-            </a:r>
-          </a:p>
-          <a:p>
-            <a:endParaRPr lang="de-DE" dirty="0"/>
-          </a:p>
-        </p:txBody>
-      </p:sp>
-      <p:sp>
-        <p:nvSpPr>
-          <p:cNvPr id="2" name="Titel 1"/>
-          <p:cNvSpPr>
-            <a:spLocks noGrp="1"/>
-          </p:cNvSpPr>
-          <p:nvPr>
-            <p:ph type="title"/>
-          </p:nvPr>
-        </p:nvSpPr>
-        <p:spPr/>
-        <p:txBody>
-          <a:bodyPr/>
-          <a:lstStyle/>
-          <a:p>
-            <a:r>
-              <a:rPr lang="de-DE" dirty="0" smtClean="0"/>
-              <a:t>Weiteres Vorgehen</a:t>
-            </a:r>
-            <a:endParaRPr lang="de-DE" dirty="0"/>
-          </a:p>
-        </p:txBody>
-      </p:sp>
-      <p:sp>
-        <p:nvSpPr>
-          <p:cNvPr id="4" name="Datumsplatzhalter 3"/>
-          <p:cNvSpPr>
-            <a:spLocks noGrp="1"/>
-          </p:cNvSpPr>
-          <p:nvPr>
-            <p:ph type="dt" sz="half" idx="10"/>
-          </p:nvPr>
-        </p:nvSpPr>
-        <p:spPr/>
-        <p:txBody>
-          <a:bodyPr/>
-          <a:lstStyle/>
-          <a:p>
-            <a:fld id="{D39F3F4C-ED86-48BE-A883-CDA9CA9B4973}" type="datetime1">
-              <a:rPr lang="de-DE" smtClean="0"/>
-              <a:t>22.06.2015</a:t>
-            </a:fld>
-            <a:endParaRPr lang="de-DE"/>
-          </a:p>
-        </p:txBody>
-      </p:sp>
-      <p:sp>
-        <p:nvSpPr>
-          <p:cNvPr id="5" name="Foliennummernplatzhalter 4"/>
-          <p:cNvSpPr>
-            <a:spLocks noGrp="1"/>
-          </p:cNvSpPr>
-          <p:nvPr>
-            <p:ph type="sldNum" sz="quarter" idx="12"/>
-          </p:nvPr>
-        </p:nvSpPr>
-        <p:spPr/>
-        <p:txBody>
-          <a:bodyPr/>
-          <a:lstStyle/>
-          <a:p>
-            <a:fld id="{B9DC6992-199D-4EB6-BFD7-444195B8EA7C}" type="slidenum">
-              <a:rPr lang="de-DE" smtClean="0"/>
-              <a:pPr/>
-              <a:t>14</a:t>
-            </a:fld>
-            <a:endParaRPr lang="de-DE"/>
-          </a:p>
-        </p:txBody>
-      </p:sp>
-    </p:spTree>
-    <p:extLst>
-      <p:ext uri="{BB962C8B-B14F-4D97-AF65-F5344CB8AC3E}">
-        <p14:creationId xmlns:p14="http://schemas.microsoft.com/office/powerpoint/2010/main" val="583948046"/>
-      </p:ext>
-    </p:extLst>
-  </p:cSld>
-  <p:clrMapOvr>
-    <a:masterClrMapping/>
-  </p:clrMapOvr>
-  <p:transition>
-    <p:fade/>
-  </p:transition>
-  <p:timing>
-    <p:tnLst>
-      <p:par>
-        <p:cTn id="1" dur="indefinite" restart="never" nodeType="tmRoot"/>
-      </p:par>
-    </p:tnLst>
-  </p:timing>
-</p:sld>
-</file>
-
-<file path=ppt/slides/slide15.xml><?xml version="1.0" encoding="utf-8"?>
-<p:sld xmlns:a="http://schemas.openxmlformats.org/drawingml/2006/main" xmlns:r="http://schemas.openxmlformats.org/officeDocument/2006/relationships" xmlns:p="http://schemas.openxmlformats.org/presentationml/2006/main">
-  <p:cSld>
-    <p:spTree>
-      <p:nvGrpSpPr>
-        <p:cNvPr id="1" name=""/>
-        <p:cNvGrpSpPr/>
-        <p:nvPr/>
-      </p:nvGrpSpPr>
-      <p:grpSpPr>
-        <a:xfrm>
-          <a:off x="0" y="0"/>
-          <a:ext cx="0" cy="0"/>
-          <a:chOff x="0" y="0"/>
-          <a:chExt cx="0" cy="0"/>
-        </a:xfrm>
-      </p:grpSpPr>
-      <p:sp>
-        <p:nvSpPr>
           <p:cNvPr id="3" name="Inhaltsplatzhalter 2"/>
           <p:cNvSpPr>
             <a:spLocks noGrp="1"/>
@@ -7486,7 +6050,7 @@
             <a:fld id="{B9DC6992-199D-4EB6-BFD7-444195B8EA7C}" type="slidenum">
               <a:rPr lang="de-DE" smtClean="0"/>
               <a:pPr/>
-              <a:t>15</a:t>
+              <a:t>10</a:t>
             </a:fld>
             <a:endParaRPr lang="de-DE"/>
           </a:p>
@@ -7750,7 +6314,7 @@
 </p:sld>
 </file>
 
-<file path=ppt/slides/slide16.xml><?xml version="1.0" encoding="utf-8"?>
+<file path=ppt/slides/slide11.xml><?xml version="1.0" encoding="utf-8"?>
 <p:sld xmlns:a="http://schemas.openxmlformats.org/drawingml/2006/main" xmlns:r="http://schemas.openxmlformats.org/officeDocument/2006/relationships" xmlns:p="http://schemas.openxmlformats.org/presentationml/2006/main">
   <p:cSld>
     <p:spTree>
@@ -7888,7 +6452,7 @@
             <a:fld id="{B9DC6992-199D-4EB6-BFD7-444195B8EA7C}" type="slidenum">
               <a:rPr lang="de-DE" smtClean="0"/>
               <a:pPr/>
-              <a:t>16</a:t>
+              <a:t>11</a:t>
             </a:fld>
             <a:endParaRPr lang="de-DE"/>
           </a:p>
@@ -8286,7 +6850,7 @@
 </p:sld>
 </file>
 
-<file path=ppt/slides/slide17.xml><?xml version="1.0" encoding="utf-8"?>
+<file path=ppt/slides/slide12.xml><?xml version="1.0" encoding="utf-8"?>
 <p:sld xmlns:a="http://schemas.openxmlformats.org/drawingml/2006/main" xmlns:r="http://schemas.openxmlformats.org/officeDocument/2006/relationships" xmlns:p="http://schemas.openxmlformats.org/presentationml/2006/main">
   <p:cSld>
     <p:spTree>
@@ -8429,7 +6993,7 @@
             <a:fld id="{B9DC6992-199D-4EB6-BFD7-444195B8EA7C}" type="slidenum">
               <a:rPr lang="de-DE" smtClean="0"/>
               <a:pPr/>
-              <a:t>17</a:t>
+              <a:t>12</a:t>
             </a:fld>
             <a:endParaRPr lang="de-DE"/>
           </a:p>
@@ -8827,7 +7391,7 @@
 </p:sld>
 </file>
 
-<file path=ppt/slides/slide18.xml><?xml version="1.0" encoding="utf-8"?>
+<file path=ppt/slides/slide13.xml><?xml version="1.0" encoding="utf-8"?>
 <p:sld xmlns:a="http://schemas.openxmlformats.org/drawingml/2006/main" xmlns:r="http://schemas.openxmlformats.org/officeDocument/2006/relationships" xmlns:p="http://schemas.openxmlformats.org/presentationml/2006/main">
   <p:cSld>
     <p:spTree>
@@ -8979,7 +7543,7 @@
             <a:fld id="{B9DC6992-199D-4EB6-BFD7-444195B8EA7C}" type="slidenum">
               <a:rPr lang="de-DE" smtClean="0"/>
               <a:pPr/>
-              <a:t>18</a:t>
+              <a:t>13</a:t>
             </a:fld>
             <a:endParaRPr lang="de-DE"/>
           </a:p>
@@ -9325,7 +7889,7 @@
 </p:sld>
 </file>
 
-<file path=ppt/slides/slide19.xml><?xml version="1.0" encoding="utf-8"?>
+<file path=ppt/slides/slide14.xml><?xml version="1.0" encoding="utf-8"?>
 <p:sld xmlns:a="http://schemas.openxmlformats.org/drawingml/2006/main" xmlns:r="http://schemas.openxmlformats.org/officeDocument/2006/relationships" xmlns:p="http://schemas.openxmlformats.org/presentationml/2006/main">
   <p:cSld>
     <p:spTree>
@@ -9482,7 +8046,7 @@
             <a:fld id="{B9DC6992-199D-4EB6-BFD7-444195B8EA7C}" type="slidenum">
               <a:rPr lang="de-DE" smtClean="0"/>
               <a:pPr/>
-              <a:t>19</a:t>
+              <a:t>14</a:t>
             </a:fld>
             <a:endParaRPr lang="de-DE"/>
           </a:p>
@@ -9786,160 +8350,6 @@
       </p:grpSpPr>
       <p:sp>
         <p:nvSpPr>
-          <p:cNvPr id="6" name="Datumsplatzhalter 5"/>
-          <p:cNvSpPr>
-            <a:spLocks noGrp="1"/>
-          </p:cNvSpPr>
-          <p:nvPr>
-            <p:ph type="dt" sz="half" idx="10"/>
-          </p:nvPr>
-        </p:nvSpPr>
-        <p:spPr/>
-        <p:txBody>
-          <a:bodyPr/>
-          <a:lstStyle/>
-          <a:p>
-            <a:fld id="{0CD45BD8-A2A4-4F6F-92BA-4012D1468E09}" type="datetime1">
-              <a:rPr lang="de-DE" smtClean="0"/>
-              <a:t>22.06.2015</a:t>
-            </a:fld>
-            <a:endParaRPr lang="de-DE"/>
-          </a:p>
-        </p:txBody>
-      </p:sp>
-      <p:sp>
-        <p:nvSpPr>
-          <p:cNvPr id="7" name="Foliennummernplatzhalter 6"/>
-          <p:cNvSpPr>
-            <a:spLocks noGrp="1"/>
-          </p:cNvSpPr>
-          <p:nvPr>
-            <p:ph type="sldNum" sz="quarter" idx="12"/>
-          </p:nvPr>
-        </p:nvSpPr>
-        <p:spPr/>
-        <p:txBody>
-          <a:bodyPr/>
-          <a:lstStyle/>
-          <a:p>
-            <a:fld id="{B9DC6992-199D-4EB6-BFD7-444195B8EA7C}" type="slidenum">
-              <a:rPr lang="de-DE" smtClean="0"/>
-              <a:pPr/>
-              <a:t>2</a:t>
-            </a:fld>
-            <a:endParaRPr lang="de-DE"/>
-          </a:p>
-        </p:txBody>
-      </p:sp>
-      <p:sp>
-        <p:nvSpPr>
-          <p:cNvPr id="2" name="Titel 1"/>
-          <p:cNvSpPr>
-            <a:spLocks noGrp="1"/>
-          </p:cNvSpPr>
-          <p:nvPr>
-            <p:ph type="title"/>
-          </p:nvPr>
-        </p:nvSpPr>
-        <p:spPr/>
-        <p:txBody>
-          <a:bodyPr>
-            <a:normAutofit fontScale="90000"/>
-          </a:bodyPr>
-          <a:lstStyle/>
-          <a:p>
-            <a:r>
-              <a:rPr lang="de-DE" dirty="0" err="1" smtClean="0"/>
-              <a:t>Robocode</a:t>
-            </a:r>
-            <a:r>
-              <a:rPr lang="de-DE" dirty="0" smtClean="0"/>
-              <a:t> – Programmierplattform</a:t>
-            </a:r>
-            <a:endParaRPr lang="de-DE" dirty="0"/>
-          </a:p>
-        </p:txBody>
-      </p:sp>
-      <p:pic>
-        <p:nvPicPr>
-          <p:cNvPr id="2050" name="Picture 2" descr="http://a.fsdn.com/con/app/proj/robocode/screenshots/Robocode%20Battle%20Field.PNG"/>
-          <p:cNvPicPr>
-            <a:picLocks noGrp="1" noChangeAspect="1" noChangeArrowheads="1"/>
-          </p:cNvPicPr>
-          <p:nvPr>
-            <p:ph idx="1"/>
-          </p:nvPr>
-        </p:nvPicPr>
-        <p:blipFill>
-          <a:blip r:embed="rId3">
-            <a:extLst>
-              <a:ext uri="{28A0092B-C50C-407E-A947-70E740481C1C}">
-                <a14:useLocalDpi xmlns:a14="http://schemas.microsoft.com/office/drawing/2010/main" val="0"/>
-              </a:ext>
-            </a:extLst>
-          </a:blip>
-          <a:srcRect/>
-          <a:stretch>
-            <a:fillRect/>
-          </a:stretch>
-        </p:blipFill>
-        <p:spPr bwMode="auto">
-          <a:xfrm>
-            <a:off x="1403648" y="1268760"/>
-            <a:ext cx="6475015" cy="4972756"/>
-          </a:xfrm>
-          <a:prstGeom prst="rect">
-            <a:avLst/>
-          </a:prstGeom>
-          <a:noFill/>
-          <a:extLst>
-            <a:ext uri="{909E8E84-426E-40DD-AFC4-6F175D3DCCD1}">
-              <a14:hiddenFill xmlns:a14="http://schemas.microsoft.com/office/drawing/2010/main">
-                <a:solidFill>
-                  <a:srgbClr val="FFFFFF"/>
-                </a:solidFill>
-              </a14:hiddenFill>
-            </a:ext>
-          </a:extLst>
-        </p:spPr>
-      </p:pic>
-    </p:spTree>
-  </p:cSld>
-  <p:clrMapOvr>
-    <a:masterClrMapping/>
-  </p:clrMapOvr>
-  <p:transition>
-    <p:fade/>
-  </p:transition>
-  <p:timing>
-    <p:tnLst>
-      <p:par>
-        <p:cTn id="1" dur="indefinite" restart="never" nodeType="tmRoot"/>
-      </p:par>
-    </p:tnLst>
-  </p:timing>
-</p:sld>
-</file>
-
-<file path=ppt/slides/slide3.xml><?xml version="1.0" encoding="utf-8"?>
-<p:sld xmlns:a="http://schemas.openxmlformats.org/drawingml/2006/main" xmlns:r="http://schemas.openxmlformats.org/officeDocument/2006/relationships" xmlns:p="http://schemas.openxmlformats.org/presentationml/2006/main">
-  <p:cSld>
-    <p:spTree>
-      <p:nvGrpSpPr>
-        <p:cNvPr id="1" name=""/>
-        <p:cNvGrpSpPr/>
-        <p:nvPr/>
-      </p:nvGrpSpPr>
-      <p:grpSpPr>
-        <a:xfrm>
-          <a:off x="0" y="0"/>
-          <a:ext cx="0" cy="0"/>
-          <a:chOff x="0" y="0"/>
-          <a:chExt cx="0" cy="0"/>
-        </a:xfrm>
-      </p:grpSpPr>
-      <p:sp>
-        <p:nvSpPr>
           <p:cNvPr id="2" name="Inhaltsplatzhalter 1"/>
           <p:cNvSpPr>
             <a:spLocks noGrp="1"/>
@@ -10035,7 +8445,7 @@
             <a:fld id="{B9DC6992-199D-4EB6-BFD7-444195B8EA7C}" type="slidenum">
               <a:rPr lang="de-DE" smtClean="0"/>
               <a:pPr/>
-              <a:t>3</a:t>
+              <a:t>2</a:t>
             </a:fld>
             <a:endParaRPr lang="de-DE"/>
           </a:p>
@@ -10121,6 +8531,200 @@
 </p:sld>
 </file>
 
+<file path=ppt/slides/slide3.xml><?xml version="1.0" encoding="utf-8"?>
+<p:sld xmlns:a="http://schemas.openxmlformats.org/drawingml/2006/main" xmlns:r="http://schemas.openxmlformats.org/officeDocument/2006/relationships" xmlns:p="http://schemas.openxmlformats.org/presentationml/2006/main">
+  <p:cSld>
+    <p:spTree>
+      <p:nvGrpSpPr>
+        <p:cNvPr id="1" name=""/>
+        <p:cNvGrpSpPr/>
+        <p:nvPr/>
+      </p:nvGrpSpPr>
+      <p:grpSpPr>
+        <a:xfrm>
+          <a:off x="0" y="0"/>
+          <a:ext cx="0" cy="0"/>
+          <a:chOff x="0" y="0"/>
+          <a:chExt cx="0" cy="0"/>
+        </a:xfrm>
+      </p:grpSpPr>
+      <p:sp>
+        <p:nvSpPr>
+          <p:cNvPr id="2" name="Inhaltsplatzhalter 1"/>
+          <p:cNvSpPr>
+            <a:spLocks noGrp="1"/>
+          </p:cNvSpPr>
+          <p:nvPr>
+            <p:ph idx="1"/>
+          </p:nvPr>
+        </p:nvSpPr>
+        <p:spPr/>
+        <p:txBody>
+          <a:bodyPr/>
+          <a:lstStyle/>
+          <a:p>
+            <a:pPr marL="365760" lvl="1" indent="-256032">
+              <a:spcBef>
+                <a:spcPts val="400"/>
+              </a:spcBef>
+              <a:buSzPct val="68000"/>
+              <a:buFont typeface="Wingdings 3"/>
+              <a:buChar char=""/>
+            </a:pPr>
+            <a:r>
+              <a:rPr lang="de-DE" dirty="0"/>
+              <a:t>Alle relevanten Informationen müssen im aktuellen Zustand enthalten sein (</a:t>
+            </a:r>
+            <a:r>
+              <a:rPr lang="de-DE" dirty="0" err="1"/>
+              <a:t>Markov</a:t>
+            </a:r>
+            <a:r>
+              <a:rPr lang="de-DE" dirty="0"/>
+              <a:t>-Eigenschaft)</a:t>
+            </a:r>
+          </a:p>
+          <a:p>
+            <a:pPr marL="365760" lvl="1" indent="-256032">
+              <a:spcBef>
+                <a:spcPts val="400"/>
+              </a:spcBef>
+              <a:buSzPct val="68000"/>
+              <a:buFont typeface="Wingdings 3"/>
+              <a:buChar char=""/>
+            </a:pPr>
+            <a:r>
+              <a:rPr lang="de-DE" dirty="0"/>
+              <a:t>Agent benötigt eine Strategie um einem Zustand eine Aktion zuzuordnen</a:t>
+            </a:r>
+          </a:p>
+          <a:p>
+            <a:pPr marL="365760" lvl="1" indent="-256032">
+              <a:spcBef>
+                <a:spcPts val="400"/>
+              </a:spcBef>
+              <a:buSzPct val="68000"/>
+              <a:buFont typeface="Wingdings 3"/>
+              <a:buChar char=""/>
+            </a:pPr>
+            <a:r>
+              <a:rPr lang="de-DE" dirty="0"/>
+              <a:t>Es werden keine „Lösungen“ für richtiges Verhalten vorgegeben</a:t>
+            </a:r>
+          </a:p>
+          <a:p>
+            <a:pPr marL="365760" lvl="1" indent="-256032">
+              <a:spcBef>
+                <a:spcPts val="400"/>
+              </a:spcBef>
+              <a:buSzPct val="68000"/>
+              <a:buFont typeface="Wingdings 3"/>
+              <a:buChar char=""/>
+            </a:pPr>
+            <a:r>
+              <a:rPr lang="de-DE" dirty="0"/>
+              <a:t>Agent möchte seine Belohnungen </a:t>
+            </a:r>
+            <a:r>
+              <a:rPr lang="de-DE" dirty="0" smtClean="0"/>
+              <a:t>maximieren</a:t>
+            </a:r>
+            <a:endParaRPr lang="de-DE" dirty="0"/>
+          </a:p>
+        </p:txBody>
+      </p:sp>
+      <p:sp>
+        <p:nvSpPr>
+          <p:cNvPr id="3" name="Datumsplatzhalter 2"/>
+          <p:cNvSpPr>
+            <a:spLocks noGrp="1"/>
+          </p:cNvSpPr>
+          <p:nvPr>
+            <p:ph type="dt" sz="half" idx="10"/>
+          </p:nvPr>
+        </p:nvSpPr>
+        <p:spPr/>
+        <p:txBody>
+          <a:bodyPr/>
+          <a:lstStyle/>
+          <a:p>
+            <a:fld id="{15A15F67-894A-42D7-9B6A-CEA2626501FD}" type="datetime1">
+              <a:rPr lang="de-DE" smtClean="0"/>
+              <a:t>22.06.2015</a:t>
+            </a:fld>
+            <a:endParaRPr lang="de-DE"/>
+          </a:p>
+        </p:txBody>
+      </p:sp>
+      <p:sp>
+        <p:nvSpPr>
+          <p:cNvPr id="4" name="Foliennummernplatzhalter 3"/>
+          <p:cNvSpPr>
+            <a:spLocks noGrp="1"/>
+          </p:cNvSpPr>
+          <p:nvPr>
+            <p:ph type="sldNum" sz="quarter" idx="12"/>
+          </p:nvPr>
+        </p:nvSpPr>
+        <p:spPr/>
+        <p:txBody>
+          <a:bodyPr/>
+          <a:lstStyle/>
+          <a:p>
+            <a:fld id="{B9DC6992-199D-4EB6-BFD7-444195B8EA7C}" type="slidenum">
+              <a:rPr lang="de-DE" smtClean="0"/>
+              <a:pPr/>
+              <a:t>3</a:t>
+            </a:fld>
+            <a:endParaRPr lang="de-DE"/>
+          </a:p>
+        </p:txBody>
+      </p:sp>
+      <p:sp>
+        <p:nvSpPr>
+          <p:cNvPr id="5" name="Titel 4"/>
+          <p:cNvSpPr>
+            <a:spLocks noGrp="1"/>
+          </p:cNvSpPr>
+          <p:nvPr>
+            <p:ph type="title"/>
+          </p:nvPr>
+        </p:nvSpPr>
+        <p:spPr/>
+        <p:txBody>
+          <a:bodyPr/>
+          <a:lstStyle/>
+          <a:p>
+            <a:r>
+              <a:rPr lang="de-DE" dirty="0"/>
+              <a:t>Voraussetzungen für RL</a:t>
+            </a:r>
+          </a:p>
+        </p:txBody>
+      </p:sp>
+    </p:spTree>
+    <p:extLst>
+      <p:ext uri="{BB962C8B-B14F-4D97-AF65-F5344CB8AC3E}">
+        <p14:creationId xmlns:p14="http://schemas.microsoft.com/office/powerpoint/2010/main" val="4016090970"/>
+      </p:ext>
+    </p:extLst>
+  </p:cSld>
+  <p:clrMapOvr>
+    <a:masterClrMapping/>
+  </p:clrMapOvr>
+  <p:transition>
+    <p:fade/>
+  </p:transition>
+  <p:timing>
+    <p:tnLst>
+      <p:par>
+        <p:cTn id="1" dur="indefinite" restart="never" nodeType="tmRoot"/>
+      </p:par>
+    </p:tnLst>
+  </p:timing>
+</p:sld>
+</file>
+
 <file path=ppt/slides/slide4.xml><?xml version="1.0" encoding="utf-8"?>
 <p:sld xmlns:a="http://schemas.openxmlformats.org/drawingml/2006/main" xmlns:r="http://schemas.openxmlformats.org/officeDocument/2006/relationships" xmlns:p="http://schemas.openxmlformats.org/presentationml/2006/main">
   <p:cSld>
@@ -10140,12 +8744,12 @@
       </p:grpSpPr>
       <p:sp>
         <p:nvSpPr>
-          <p:cNvPr id="2" name="Inhaltsplatzhalter 1"/>
-          <p:cNvSpPr>
-            <a:spLocks noGrp="1"/>
-          </p:cNvSpPr>
-          <p:nvPr>
-            <p:ph idx="1"/>
+          <p:cNvPr id="6" name="Datumsplatzhalter 5"/>
+          <p:cNvSpPr>
+            <a:spLocks noGrp="1"/>
+          </p:cNvSpPr>
+          <p:nvPr>
+            <p:ph type="dt" sz="half" idx="10"/>
           </p:nvPr>
         </p:nvSpPr>
         <p:spPr/>
@@ -10153,92 +8757,7 @@
           <a:bodyPr/>
           <a:lstStyle/>
           <a:p>
-            <a:pPr marL="365760" lvl="1" indent="-256032">
-              <a:spcBef>
-                <a:spcPts val="400"/>
-              </a:spcBef>
-              <a:buSzPct val="68000"/>
-              <a:buFont typeface="Wingdings 3"/>
-              <a:buChar char=""/>
-            </a:pPr>
-            <a:r>
-              <a:rPr lang="de-DE" dirty="0"/>
-              <a:t>Alle relevanten Informationen müssen im aktuellen Zustand enthalten sein (</a:t>
-            </a:r>
-            <a:r>
-              <a:rPr lang="de-DE" dirty="0" err="1"/>
-              <a:t>Markov</a:t>
-            </a:r>
-            <a:r>
-              <a:rPr lang="de-DE" dirty="0"/>
-              <a:t>-Eigenschaft)</a:t>
-            </a:r>
-          </a:p>
-          <a:p>
-            <a:pPr marL="365760" lvl="1" indent="-256032">
-              <a:spcBef>
-                <a:spcPts val="400"/>
-              </a:spcBef>
-              <a:buSzPct val="68000"/>
-              <a:buFont typeface="Wingdings 3"/>
-              <a:buChar char=""/>
-            </a:pPr>
-            <a:r>
-              <a:rPr lang="de-DE" dirty="0"/>
-              <a:t>Agent benötigt eine Strategie um einem Zustand eine Aktion zuzuordnen</a:t>
-            </a:r>
-          </a:p>
-          <a:p>
-            <a:pPr marL="365760" lvl="1" indent="-256032">
-              <a:spcBef>
-                <a:spcPts val="400"/>
-              </a:spcBef>
-              <a:buSzPct val="68000"/>
-              <a:buFont typeface="Wingdings 3"/>
-              <a:buChar char=""/>
-            </a:pPr>
-            <a:r>
-              <a:rPr lang="de-DE" dirty="0"/>
-              <a:t>Es werden keine „Lösungen“ für richtiges Verhalten vorgegeben</a:t>
-            </a:r>
-          </a:p>
-          <a:p>
-            <a:pPr marL="365760" lvl="1" indent="-256032">
-              <a:spcBef>
-                <a:spcPts val="400"/>
-              </a:spcBef>
-              <a:buSzPct val="68000"/>
-              <a:buFont typeface="Wingdings 3"/>
-              <a:buChar char=""/>
-            </a:pPr>
-            <a:r>
-              <a:rPr lang="de-DE" dirty="0"/>
-              <a:t>Agent möchte seine Belohnungen </a:t>
-            </a:r>
-            <a:r>
-              <a:rPr lang="de-DE" dirty="0" smtClean="0"/>
-              <a:t>maximieren</a:t>
-            </a:r>
-            <a:endParaRPr lang="de-DE" dirty="0"/>
-          </a:p>
-        </p:txBody>
-      </p:sp>
-      <p:sp>
-        <p:nvSpPr>
-          <p:cNvPr id="3" name="Datumsplatzhalter 2"/>
-          <p:cNvSpPr>
-            <a:spLocks noGrp="1"/>
-          </p:cNvSpPr>
-          <p:nvPr>
-            <p:ph type="dt" sz="half" idx="10"/>
-          </p:nvPr>
-        </p:nvSpPr>
-        <p:spPr/>
-        <p:txBody>
-          <a:bodyPr/>
-          <a:lstStyle/>
-          <a:p>
-            <a:fld id="{15A15F67-894A-42D7-9B6A-CEA2626501FD}" type="datetime1">
+            <a:fld id="{0CD45BD8-A2A4-4F6F-92BA-4012D1468E09}" type="datetime1">
               <a:rPr lang="de-DE" smtClean="0"/>
               <a:t>22.06.2015</a:t>
             </a:fld>
@@ -10248,7 +8767,7 @@
       </p:sp>
       <p:sp>
         <p:nvSpPr>
-          <p:cNvPr id="4" name="Foliennummernplatzhalter 3"/>
+          <p:cNvPr id="7" name="Foliennummernplatzhalter 6"/>
           <p:cNvSpPr>
             <a:spLocks noGrp="1"/>
           </p:cNvSpPr>
@@ -10272,7 +8791,7 @@
       </p:sp>
       <p:sp>
         <p:nvSpPr>
-          <p:cNvPr id="5" name="Titel 4"/>
+          <p:cNvPr id="2" name="Titel 1"/>
           <p:cNvSpPr>
             <a:spLocks noGrp="1"/>
           </p:cNvSpPr>
@@ -10282,22 +8801,67 @@
         </p:nvSpPr>
         <p:spPr/>
         <p:txBody>
-          <a:bodyPr/>
+          <a:bodyPr>
+            <a:normAutofit fontScale="90000"/>
+          </a:bodyPr>
           <a:lstStyle/>
           <a:p>
             <a:r>
-              <a:rPr lang="de-DE" dirty="0"/>
-              <a:t>Voraussetzungen für RL</a:t>
-            </a:r>
-          </a:p>
-        </p:txBody>
-      </p:sp>
+              <a:rPr lang="de-DE" dirty="0" err="1" smtClean="0"/>
+              <a:t>Robocode</a:t>
+            </a:r>
+            <a:r>
+              <a:rPr lang="de-DE" dirty="0" smtClean="0"/>
+              <a:t> – Programmierplattform</a:t>
+            </a:r>
+            <a:endParaRPr lang="de-DE" dirty="0"/>
+          </a:p>
+        </p:txBody>
+      </p:sp>
+      <p:pic>
+        <p:nvPicPr>
+          <p:cNvPr id="2050" name="Picture 2" descr="http://a.fsdn.com/con/app/proj/robocode/screenshots/Robocode%20Battle%20Field.PNG"/>
+          <p:cNvPicPr>
+            <a:picLocks noGrp="1" noChangeAspect="1" noChangeArrowheads="1"/>
+          </p:cNvPicPr>
+          <p:nvPr>
+            <p:ph idx="1"/>
+          </p:nvPr>
+        </p:nvPicPr>
+        <p:blipFill>
+          <a:blip r:embed="rId3">
+            <a:extLst>
+              <a:ext uri="{28A0092B-C50C-407E-A947-70E740481C1C}">
+                <a14:useLocalDpi xmlns:a14="http://schemas.microsoft.com/office/drawing/2010/main" val="0"/>
+              </a:ext>
+            </a:extLst>
+          </a:blip>
+          <a:srcRect/>
+          <a:stretch>
+            <a:fillRect/>
+          </a:stretch>
+        </p:blipFill>
+        <p:spPr bwMode="auto">
+          <a:xfrm>
+            <a:off x="1403648" y="1268760"/>
+            <a:ext cx="6475015" cy="4972756"/>
+          </a:xfrm>
+          <a:prstGeom prst="rect">
+            <a:avLst/>
+          </a:prstGeom>
+          <a:noFill/>
+          <a:extLst>
+            <a:ext uri="{909E8E84-426E-40DD-AFC4-6F175D3DCCD1}">
+              <a14:hiddenFill xmlns:a14="http://schemas.microsoft.com/office/drawing/2010/main">
+                <a:solidFill>
+                  <a:srgbClr val="FFFFFF"/>
+                </a:solidFill>
+              </a14:hiddenFill>
+            </a:ext>
+          </a:extLst>
+        </p:spPr>
+      </p:pic>
     </p:spTree>
-    <p:extLst>
-      <p:ext uri="{BB962C8B-B14F-4D97-AF65-F5344CB8AC3E}">
-        <p14:creationId xmlns:p14="http://schemas.microsoft.com/office/powerpoint/2010/main" val="4016090970"/>
-      </p:ext>
-    </p:extLst>
   </p:cSld>
   <p:clrMapOvr>
     <a:masterClrMapping/>
@@ -10708,78 +9272,6 @@
           </a:p>
         </p:txBody>
       </p:sp>
-      <p:pic>
-        <p:nvPicPr>
-          <p:cNvPr id="6" name="Grafik 5" descr="BotOliViktor.png"/>
-          <p:cNvPicPr>
-            <a:picLocks noChangeAspect="1"/>
-          </p:cNvPicPr>
-          <p:nvPr/>
-        </p:nvPicPr>
-        <p:blipFill>
-          <a:blip r:embed="rId2" cstate="print"/>
-          <a:stretch>
-            <a:fillRect/>
-          </a:stretch>
-        </p:blipFill>
-        <p:spPr>
-          <a:xfrm rot="5400000">
-            <a:off x="7428420" y="3111575"/>
-            <a:ext cx="792767" cy="995569"/>
-          </a:xfrm>
-          <a:prstGeom prst="rect">
-            <a:avLst/>
-          </a:prstGeom>
-        </p:spPr>
-      </p:pic>
-      <p:sp>
-        <p:nvSpPr>
-          <p:cNvPr id="7" name="Ellipse 6"/>
-          <p:cNvSpPr/>
-          <p:nvPr/>
-        </p:nvSpPr>
-        <p:spPr>
-          <a:xfrm>
-            <a:off x="6789563" y="3383887"/>
-            <a:ext cx="72008" cy="72008"/>
-          </a:xfrm>
-          <a:prstGeom prst="ellipse">
-            <a:avLst/>
-          </a:prstGeom>
-          <a:solidFill>
-            <a:srgbClr val="7030A0"/>
-          </a:solidFill>
-          <a:ln>
-            <a:solidFill>
-              <a:srgbClr val="7030A0"/>
-            </a:solidFill>
-          </a:ln>
-        </p:spPr>
-        <p:style>
-          <a:lnRef idx="2">
-            <a:schemeClr val="accent1">
-              <a:shade val="50000"/>
-            </a:schemeClr>
-          </a:lnRef>
-          <a:fillRef idx="1">
-            <a:schemeClr val="accent1"/>
-          </a:fillRef>
-          <a:effectRef idx="0">
-            <a:schemeClr val="accent1"/>
-          </a:effectRef>
-          <a:fontRef idx="minor">
-            <a:schemeClr val="lt1"/>
-          </a:fontRef>
-        </p:style>
-        <p:txBody>
-          <a:bodyPr rtlCol="0" anchor="ctr"/>
-          <a:lstStyle/>
-          <a:p>
-            <a:pPr algn="ctr"/>
-            <a:endParaRPr lang="de-DE"/>
-          </a:p>
-        </p:txBody>
-      </p:sp>
       <p:sp>
         <p:nvSpPr>
           <p:cNvPr id="8" name="Abgerundetes Rechteck 7"/>
@@ -10788,8 +9280,8 @@
         </p:nvSpPr>
         <p:spPr>
           <a:xfrm>
-            <a:off x="7092280" y="4437112"/>
-            <a:ext cx="1368152" cy="720080"/>
+            <a:off x="6723275" y="3789040"/>
+            <a:ext cx="1872208" cy="1152128"/>
           </a:xfrm>
           <a:prstGeom prst="roundRect">
             <a:avLst/>
@@ -10825,10 +9317,22 @@
           <a:p>
             <a:pPr algn="ctr"/>
             <a:r>
-              <a:rPr lang="de-DE" sz="1400" b="1" dirty="0" smtClean="0"/>
-              <a:t>72 State-Action Paare</a:t>
-            </a:r>
-            <a:endParaRPr lang="de-DE" sz="1400" b="1" dirty="0"/>
+              <a:rPr lang="de-DE" sz="2000" b="1" dirty="0" smtClean="0"/>
+              <a:t>72 </a:t>
+            </a:r>
+            <a:endParaRPr lang="de-DE" sz="2000" b="1" dirty="0" smtClean="0"/>
+          </a:p>
+          <a:p>
+            <a:pPr algn="ctr"/>
+            <a:r>
+              <a:rPr lang="de-DE" sz="2000" b="1" dirty="0" smtClean="0"/>
+              <a:t>State-Action </a:t>
+            </a:r>
+            <a:r>
+              <a:rPr lang="de-DE" sz="2000" b="1" dirty="0" smtClean="0"/>
+              <a:t>Paare</a:t>
+            </a:r>
+            <a:endParaRPr lang="de-DE" sz="2000" b="1" dirty="0"/>
           </a:p>
         </p:txBody>
       </p:sp>
@@ -10954,8 +9458,8 @@
           <a:lstStyle/>
           <a:p>
             <a:r>
-              <a:rPr lang="de-DE" dirty="0" err="1" smtClean="0"/>
-              <a:t>fideo</a:t>
+              <a:rPr lang="de-DE" dirty="0" smtClean="0"/>
+              <a:t>Video</a:t>
             </a:r>
             <a:endParaRPr lang="de-DE" dirty="0"/>
           </a:p>
@@ -11013,10 +9517,151 @@
         </p:nvSpPr>
         <p:spPr/>
         <p:txBody>
-          <a:bodyPr/>
+          <a:bodyPr>
+            <a:normAutofit lnSpcReduction="10000"/>
+          </a:bodyPr>
           <a:lstStyle/>
           <a:p>
-            <a:endParaRPr lang="de-DE"/>
+            <a:r>
+              <a:rPr lang="de-DE" dirty="0" smtClean="0"/>
+              <a:t>Zustände</a:t>
+            </a:r>
+          </a:p>
+          <a:p>
+            <a:pPr lvl="1"/>
+            <a:r>
+              <a:rPr lang="de-DE" dirty="0" smtClean="0"/>
+              <a:t>9 </a:t>
+            </a:r>
+            <a:r>
+              <a:rPr lang="de-DE" dirty="0"/>
+              <a:t>Spielfeld-Bereiche</a:t>
+            </a:r>
+            <a:endParaRPr lang="de-DE" dirty="0" smtClean="0"/>
+          </a:p>
+          <a:p>
+            <a:pPr lvl="1"/>
+            <a:r>
+              <a:rPr lang="de-DE" dirty="0" smtClean="0"/>
+              <a:t>Position </a:t>
+            </a:r>
+            <a:r>
+              <a:rPr lang="de-DE" dirty="0"/>
+              <a:t>des Gegners </a:t>
+            </a:r>
+            <a:r>
+              <a:rPr lang="de-DE" dirty="0" smtClean="0">
+                <a:solidFill>
+                  <a:schemeClr val="bg1">
+                    <a:lumMod val="50000"/>
+                  </a:schemeClr>
+                </a:solidFill>
+              </a:rPr>
+              <a:t>(8 Himmelsrichtung)</a:t>
+            </a:r>
+            <a:endParaRPr lang="de-DE" dirty="0" smtClean="0">
+              <a:solidFill>
+                <a:schemeClr val="bg1">
+                  <a:lumMod val="50000"/>
+                </a:schemeClr>
+              </a:solidFill>
+            </a:endParaRPr>
+          </a:p>
+          <a:p>
+            <a:pPr lvl="1"/>
+            <a:r>
+              <a:rPr lang="de-DE" dirty="0" smtClean="0"/>
+              <a:t>Fahrtrichtung des Gegners </a:t>
+            </a:r>
+            <a:r>
+              <a:rPr lang="de-DE" dirty="0" smtClean="0">
+                <a:solidFill>
+                  <a:schemeClr val="bg1">
+                    <a:lumMod val="50000"/>
+                  </a:schemeClr>
+                </a:solidFill>
+              </a:rPr>
+              <a:t>(8 Himmelsrichtung)</a:t>
+            </a:r>
+          </a:p>
+          <a:p>
+            <a:pPr lvl="1"/>
+            <a:r>
+              <a:rPr lang="de-DE" dirty="0" smtClean="0"/>
+              <a:t>Distanz zum Gegner </a:t>
+            </a:r>
+            <a:r>
+              <a:rPr lang="de-DE" dirty="0" smtClean="0">
+                <a:solidFill>
+                  <a:schemeClr val="bg1">
+                    <a:lumMod val="50000"/>
+                  </a:schemeClr>
+                </a:solidFill>
+              </a:rPr>
+              <a:t>(3 Zonen)</a:t>
+            </a:r>
+            <a:endParaRPr lang="de-DE" dirty="0" smtClean="0">
+              <a:solidFill>
+                <a:schemeClr val="bg1">
+                  <a:lumMod val="50000"/>
+                </a:schemeClr>
+              </a:solidFill>
+            </a:endParaRPr>
+          </a:p>
+          <a:p>
+            <a:r>
+              <a:rPr lang="de-DE" dirty="0" smtClean="0"/>
+              <a:t>Aktionen</a:t>
+            </a:r>
+          </a:p>
+          <a:p>
+            <a:pPr lvl="1"/>
+            <a:r>
+              <a:rPr lang="de-DE" dirty="0" smtClean="0"/>
+              <a:t>Fahren </a:t>
+            </a:r>
+            <a:r>
+              <a:rPr lang="de-DE" dirty="0">
+                <a:solidFill>
+                  <a:schemeClr val="bg1">
+                    <a:lumMod val="50000"/>
+                  </a:schemeClr>
+                </a:solidFill>
+              </a:rPr>
+              <a:t>(8 Himmelsrichtung</a:t>
+            </a:r>
+            <a:r>
+              <a:rPr lang="de-DE" dirty="0" smtClean="0">
+                <a:solidFill>
+                  <a:schemeClr val="bg1">
+                    <a:lumMod val="50000"/>
+                  </a:schemeClr>
+                </a:solidFill>
+              </a:rPr>
+              <a:t>)</a:t>
+            </a:r>
+            <a:endParaRPr lang="de-DE" dirty="0"/>
+          </a:p>
+          <a:p>
+            <a:pPr lvl="1"/>
+            <a:r>
+              <a:rPr lang="de-DE" dirty="0" smtClean="0"/>
+              <a:t>Zielen </a:t>
+            </a:r>
+            <a:r>
+              <a:rPr lang="de-DE" dirty="0" smtClean="0">
+                <a:solidFill>
+                  <a:schemeClr val="bg1">
+                    <a:lumMod val="50000"/>
+                  </a:schemeClr>
+                </a:solidFill>
+              </a:rPr>
+              <a:t>(5 Offsets)</a:t>
+            </a:r>
+            <a:endParaRPr lang="de-DE" dirty="0" smtClean="0"/>
+          </a:p>
+          <a:p>
+            <a:endParaRPr lang="de-DE" dirty="0"/>
           </a:p>
         </p:txBody>
       </p:sp>
@@ -11079,10 +9724,88 @@
         </p:nvSpPr>
         <p:spPr/>
         <p:txBody>
-          <a:bodyPr/>
+          <a:bodyPr>
+            <a:normAutofit/>
+          </a:bodyPr>
           <a:lstStyle/>
           <a:p>
+            <a:r>
+              <a:rPr lang="de-DE" dirty="0" smtClean="0"/>
+              <a:t>Finale </a:t>
+            </a:r>
+            <a:r>
+              <a:rPr lang="de-DE" dirty="0"/>
+              <a:t>M</a:t>
+            </a:r>
+            <a:r>
+              <a:rPr lang="de-DE" dirty="0" smtClean="0"/>
+              <a:t>odellierung </a:t>
+            </a:r>
             <a:endParaRPr lang="de-DE" dirty="0"/>
+          </a:p>
+        </p:txBody>
+      </p:sp>
+      <p:sp>
+        <p:nvSpPr>
+          <p:cNvPr id="6" name="Abgerundetes Rechteck 5"/>
+          <p:cNvSpPr/>
+          <p:nvPr/>
+        </p:nvSpPr>
+        <p:spPr>
+          <a:xfrm>
+            <a:off x="6372200" y="4725144"/>
+            <a:ext cx="1944216" cy="1152128"/>
+          </a:xfrm>
+          <a:prstGeom prst="roundRect">
+            <a:avLst/>
+          </a:prstGeom>
+          <a:solidFill>
+            <a:schemeClr val="accent3">
+              <a:lumMod val="75000"/>
+            </a:schemeClr>
+          </a:solidFill>
+          <a:ln>
+            <a:noFill/>
+          </a:ln>
+        </p:spPr>
+        <p:style>
+          <a:lnRef idx="2">
+            <a:schemeClr val="accent1">
+              <a:shade val="50000"/>
+            </a:schemeClr>
+          </a:lnRef>
+          <a:fillRef idx="1">
+            <a:schemeClr val="accent1"/>
+          </a:fillRef>
+          <a:effectRef idx="0">
+            <a:schemeClr val="accent1"/>
+          </a:effectRef>
+          <a:fontRef idx="minor">
+            <a:schemeClr val="lt1"/>
+          </a:fontRef>
+        </p:style>
+        <p:txBody>
+          <a:bodyPr rtlCol="0" anchor="ctr"/>
+          <a:lstStyle/>
+          <a:p>
+            <a:pPr algn="ctr"/>
+            <a:r>
+              <a:rPr lang="de-DE" sz="2000" b="1" dirty="0"/>
+              <a:t>57600</a:t>
+            </a:r>
+            <a:endParaRPr lang="de-DE" sz="2000" b="1" dirty="0" smtClean="0"/>
+          </a:p>
+          <a:p>
+            <a:pPr algn="ctr"/>
+            <a:r>
+              <a:rPr lang="de-DE" sz="2000" b="1" dirty="0" smtClean="0"/>
+              <a:t>State-Action </a:t>
+            </a:r>
+            <a:r>
+              <a:rPr lang="de-DE" sz="2000" b="1" dirty="0" smtClean="0"/>
+              <a:t>Paare</a:t>
+            </a:r>
+            <a:endParaRPr lang="de-DE" sz="2000" b="1" dirty="0"/>
           </a:p>
         </p:txBody>
       </p:sp>
@@ -11099,6 +9822,13 @@
   <p:transition>
     <p:fade/>
   </p:transition>
+  <p:timing>
+    <p:tnLst>
+      <p:par>
+        <p:cTn id="1" dur="indefinite" restart="never" nodeType="tmRoot"/>
+      </p:par>
+    </p:tnLst>
+  </p:timing>
 </p:sld>
 </file>
 
@@ -11200,7 +9930,11 @@
           <a:bodyPr/>
           <a:lstStyle/>
           <a:p>
-            <a:endParaRPr lang="de-DE"/>
+            <a:r>
+              <a:rPr lang="de-DE" dirty="0" smtClean="0"/>
+              <a:t>Video</a:t>
+            </a:r>
+            <a:endParaRPr lang="de-DE" dirty="0"/>
           </a:p>
         </p:txBody>
       </p:sp>
@@ -11217,6 +9951,13 @@
   <p:transition>
     <p:fade/>
   </p:transition>
+  <p:timing>
+    <p:tnLst>
+      <p:par>
+        <p:cTn id="1" dur="indefinite" restart="never" nodeType="tmRoot"/>
+      </p:par>
+    </p:tnLst>
+  </p:timing>
 </p:sld>
 </file>
 

--- a/Präsentation/LARC_Abschlusspräsentation.pptx
+++ b/Präsentation/LARC_Abschlusspräsentation.pptx
@@ -5,7 +5,7 @@
     <p:sldMasterId id="2147483660" r:id="rId1"/>
   </p:sldMasterIdLst>
   <p:notesMasterIdLst>
-    <p:notesMasterId r:id="rId16"/>
+    <p:notesMasterId r:id="rId24"/>
   </p:notesMasterIdLst>
   <p:sldIdLst>
     <p:sldId id="256" r:id="rId2"/>
@@ -17,11 +17,19 @@
     <p:sldId id="274" r:id="rId8"/>
     <p:sldId id="275" r:id="rId9"/>
     <p:sldId id="276" r:id="rId10"/>
-    <p:sldId id="258" r:id="rId11"/>
-    <p:sldId id="259" r:id="rId12"/>
-    <p:sldId id="260" r:id="rId13"/>
-    <p:sldId id="261" r:id="rId14"/>
-    <p:sldId id="262" r:id="rId15"/>
+    <p:sldId id="286" r:id="rId11"/>
+    <p:sldId id="258" r:id="rId12"/>
+    <p:sldId id="259" r:id="rId13"/>
+    <p:sldId id="278" r:id="rId14"/>
+    <p:sldId id="279" r:id="rId15"/>
+    <p:sldId id="280" r:id="rId16"/>
+    <p:sldId id="281" r:id="rId17"/>
+    <p:sldId id="261" r:id="rId18"/>
+    <p:sldId id="282" r:id="rId19"/>
+    <p:sldId id="284" r:id="rId20"/>
+    <p:sldId id="283" r:id="rId21"/>
+    <p:sldId id="285" r:id="rId22"/>
+    <p:sldId id="277" r:id="rId23"/>
   </p:sldIdLst>
   <p:sldSz cx="9144000" cy="6858000" type="screen4x3"/>
   <p:notesSz cx="6858000" cy="9144000"/>
@@ -122,7 +130,7 @@
   </p:defaultTextStyle>
   <p:extLst>
     <p:ext uri="{521415D9-36F7-43E2-AB2F-B90AF26B5E84}">
-      <p14:sectionLst xmlns:p14="http://schemas.microsoft.com/office/powerpoint/2010/main">
+      <p14:sectionLst xmlns="" xmlns:p14="http://schemas.microsoft.com/office/powerpoint/2010/main">
         <p14:section name="Standardabschnitt" id="{93A3F706-E6A2-4106-84B7-18F9DE66DCBF}">
           <p14:sldIdLst>
             <p14:sldId id="256"/>
@@ -156,7 +164,7 @@
       </p14:sectionLst>
     </p:ext>
     <p:ext uri="{EFAFB233-063F-42B5-8137-9DF3F51BA10A}">
-      <p15:sldGuideLst xmlns:p15="http://schemas.microsoft.com/office/powerpoint/2012/main">
+      <p15:sldGuideLst xmlns="" xmlns:p15="http://schemas.microsoft.com/office/powerpoint/2012/main">
         <p15:guide id="1" orient="horz" pos="2160">
           <p15:clr>
             <a:srgbClr val="A4A3A4"/>
@@ -171,6 +179,466 @@
     </p:ext>
   </p:extLst>
 </p:presentation>
+</file>
+
+<file path=ppt/charts/chart1.xml><?xml version="1.0" encoding="utf-8"?>
+<c:chartSpace xmlns:c="http://schemas.openxmlformats.org/drawingml/2006/chart" xmlns:a="http://schemas.openxmlformats.org/drawingml/2006/main" xmlns:r="http://schemas.openxmlformats.org/officeDocument/2006/relationships">
+  <c:lang val="de-DE"/>
+  <c:chart>
+    <c:title>
+      <c:layout/>
+      <c:spPr>
+        <a:noFill/>
+        <a:ln>
+          <a:noFill/>
+        </a:ln>
+        <a:effectLst/>
+      </c:spPr>
+      <c:txPr>
+        <a:bodyPr rot="0" spcFirstLastPara="1" vertOverflow="ellipsis" vert="horz" wrap="square" anchor="ctr" anchorCtr="1"/>
+        <a:lstStyle/>
+        <a:p>
+          <a:pPr>
+            <a:defRPr sz="1400" b="0" i="0" u="none" strike="noStrike" kern="1200" spc="0" baseline="0">
+              <a:solidFill>
+                <a:schemeClr val="tx1">
+                  <a:lumMod val="65000"/>
+                  <a:lumOff val="35000"/>
+                </a:schemeClr>
+              </a:solidFill>
+              <a:latin typeface="+mn-lt"/>
+              <a:ea typeface="+mn-ea"/>
+              <a:cs typeface="+mn-cs"/>
+            </a:defRPr>
+          </a:pPr>
+          <a:endParaRPr lang="de-DE"/>
+        </a:p>
+      </c:txPr>
+    </c:title>
+    <c:plotArea>
+      <c:layout/>
+      <c:scatterChart>
+        <c:scatterStyle val="smoothMarker"/>
+        <c:ser>
+          <c:idx val="0"/>
+          <c:order val="0"/>
+          <c:tx>
+            <c:strRef>
+              <c:f>Tabelle1!$B$1</c:f>
+              <c:strCache>
+                <c:ptCount val="1"/>
+                <c:pt idx="0">
+                  <c:v>Wand</c:v>
+                </c:pt>
+              </c:strCache>
+            </c:strRef>
+          </c:tx>
+          <c:spPr>
+            <a:ln w="19050" cap="rnd">
+              <a:solidFill>
+                <a:schemeClr val="accent1"/>
+              </a:solidFill>
+              <a:round/>
+            </a:ln>
+            <a:effectLst/>
+          </c:spPr>
+          <c:marker>
+            <c:symbol val="none"/>
+          </c:marker>
+          <c:xVal>
+            <c:numRef>
+              <c:f>Tabelle1!$A$2:$A$24</c:f>
+              <c:numCache>
+                <c:formatCode>0.00</c:formatCode>
+                <c:ptCount val="23"/>
+                <c:pt idx="0">
+                  <c:v>100</c:v>
+                </c:pt>
+                <c:pt idx="1">
+                  <c:v>200</c:v>
+                </c:pt>
+                <c:pt idx="2">
+                  <c:v>300</c:v>
+                </c:pt>
+                <c:pt idx="3">
+                  <c:v>400</c:v>
+                </c:pt>
+                <c:pt idx="4">
+                  <c:v>500</c:v>
+                </c:pt>
+                <c:pt idx="5">
+                  <c:v>600</c:v>
+                </c:pt>
+                <c:pt idx="6">
+                  <c:v>700</c:v>
+                </c:pt>
+                <c:pt idx="7">
+                  <c:v>800</c:v>
+                </c:pt>
+                <c:pt idx="8">
+                  <c:v>900</c:v>
+                </c:pt>
+                <c:pt idx="9">
+                  <c:v>1000</c:v>
+                </c:pt>
+                <c:pt idx="10">
+                  <c:v>1100</c:v>
+                </c:pt>
+                <c:pt idx="11">
+                  <c:v>1200</c:v>
+                </c:pt>
+                <c:pt idx="12">
+                  <c:v>1300</c:v>
+                </c:pt>
+                <c:pt idx="13">
+                  <c:v>1400</c:v>
+                </c:pt>
+                <c:pt idx="14">
+                  <c:v>1500</c:v>
+                </c:pt>
+                <c:pt idx="15">
+                  <c:v>1600</c:v>
+                </c:pt>
+                <c:pt idx="16">
+                  <c:v>1700</c:v>
+                </c:pt>
+                <c:pt idx="17">
+                  <c:v>1800</c:v>
+                </c:pt>
+                <c:pt idx="18">
+                  <c:v>1900</c:v>
+                </c:pt>
+                <c:pt idx="19">
+                  <c:v>2000</c:v>
+                </c:pt>
+                <c:pt idx="20">
+                  <c:v>2100</c:v>
+                </c:pt>
+                <c:pt idx="21">
+                  <c:v>2200</c:v>
+                </c:pt>
+                <c:pt idx="22">
+                  <c:v>2300</c:v>
+                </c:pt>
+              </c:numCache>
+            </c:numRef>
+          </c:xVal>
+          <c:yVal>
+            <c:numRef>
+              <c:f>Tabelle1!$B$2:$B$24</c:f>
+              <c:numCache>
+                <c:formatCode>0.00</c:formatCode>
+                <c:ptCount val="23"/>
+                <c:pt idx="0">
+                  <c:v>3.81</c:v>
+                </c:pt>
+                <c:pt idx="1">
+                  <c:v>1.22</c:v>
+                </c:pt>
+                <c:pt idx="2">
+                  <c:v>0.95</c:v>
+                </c:pt>
+                <c:pt idx="3">
+                  <c:v>1.17</c:v>
+                </c:pt>
+                <c:pt idx="4">
+                  <c:v>0.78</c:v>
+                </c:pt>
+                <c:pt idx="5">
+                  <c:v>0.8</c:v>
+                </c:pt>
+                <c:pt idx="6">
+                  <c:v>0.36</c:v>
+                </c:pt>
+                <c:pt idx="7">
+                  <c:v>0.5</c:v>
+                </c:pt>
+                <c:pt idx="8">
+                  <c:v>0.72</c:v>
+                </c:pt>
+                <c:pt idx="9">
+                  <c:v>0.48</c:v>
+                </c:pt>
+                <c:pt idx="10">
+                  <c:v>0.9</c:v>
+                </c:pt>
+                <c:pt idx="11">
+                  <c:v>1</c:v>
+                </c:pt>
+                <c:pt idx="12">
+                  <c:v>1.02</c:v>
+                </c:pt>
+                <c:pt idx="13">
+                  <c:v>0.39727722772277202</c:v>
+                </c:pt>
+                <c:pt idx="14">
+                  <c:v>0.322682268226822</c:v>
+                </c:pt>
+                <c:pt idx="15">
+                  <c:v>0.32900000000000001</c:v>
+                </c:pt>
+                <c:pt idx="16">
+                  <c:v>0.39</c:v>
+                </c:pt>
+                <c:pt idx="17">
+                  <c:v>0.12</c:v>
+                </c:pt>
+                <c:pt idx="18">
+                  <c:v>0.3</c:v>
+                </c:pt>
+                <c:pt idx="19">
+                  <c:v>0.18</c:v>
+                </c:pt>
+                <c:pt idx="20">
+                  <c:v>0.39</c:v>
+                </c:pt>
+                <c:pt idx="21">
+                  <c:v>0.37</c:v>
+                </c:pt>
+                <c:pt idx="22">
+                  <c:v>0.31</c:v>
+                </c:pt>
+              </c:numCache>
+            </c:numRef>
+          </c:yVal>
+          <c:smooth val="1"/>
+        </c:ser>
+        <c:axId val="106561536"/>
+        <c:axId val="106690048"/>
+      </c:scatterChart>
+      <c:valAx>
+        <c:axId val="106561536"/>
+        <c:scaling>
+          <c:orientation val="minMax"/>
+        </c:scaling>
+        <c:axPos val="b"/>
+        <c:majorGridlines>
+          <c:spPr>
+            <a:ln w="9525" cap="flat" cmpd="sng" algn="ctr">
+              <a:solidFill>
+                <a:schemeClr val="tx1">
+                  <a:lumMod val="15000"/>
+                  <a:lumOff val="85000"/>
+                </a:schemeClr>
+              </a:solidFill>
+              <a:round/>
+            </a:ln>
+            <a:effectLst/>
+          </c:spPr>
+        </c:majorGridlines>
+        <c:title>
+          <c:tx>
+            <c:rich>
+              <a:bodyPr rot="0" spcFirstLastPara="1" vertOverflow="ellipsis" vert="horz" wrap="square" anchor="ctr" anchorCtr="1"/>
+              <a:lstStyle/>
+              <a:p>
+                <a:pPr>
+                  <a:defRPr sz="1000" b="0" i="0" u="none" strike="noStrike" kern="1200" baseline="0">
+                    <a:solidFill>
+                      <a:schemeClr val="tx1">
+                        <a:lumMod val="65000"/>
+                        <a:lumOff val="35000"/>
+                      </a:schemeClr>
+                    </a:solidFill>
+                    <a:latin typeface="+mn-lt"/>
+                    <a:ea typeface="+mn-ea"/>
+                    <a:cs typeface="+mn-cs"/>
+                  </a:defRPr>
+                </a:pPr>
+                <a:r>
+                  <a:rPr lang="de-DE"/>
+                  <a:t>Gelernte Runden</a:t>
+                </a:r>
+              </a:p>
+            </c:rich>
+          </c:tx>
+          <c:layout/>
+          <c:spPr>
+            <a:noFill/>
+            <a:ln>
+              <a:noFill/>
+            </a:ln>
+            <a:effectLst/>
+          </c:spPr>
+        </c:title>
+        <c:numFmt formatCode="0.00" sourceLinked="1"/>
+        <c:majorTickMark val="none"/>
+        <c:tickLblPos val="nextTo"/>
+        <c:spPr>
+          <a:noFill/>
+          <a:ln w="9525" cap="flat" cmpd="sng" algn="ctr">
+            <a:solidFill>
+              <a:schemeClr val="tx1">
+                <a:lumMod val="25000"/>
+                <a:lumOff val="75000"/>
+              </a:schemeClr>
+            </a:solidFill>
+            <a:round/>
+          </a:ln>
+          <a:effectLst/>
+        </c:spPr>
+        <c:txPr>
+          <a:bodyPr rot="-60000000" spcFirstLastPara="1" vertOverflow="ellipsis" vert="horz" wrap="square" anchor="ctr" anchorCtr="1"/>
+          <a:lstStyle/>
+          <a:p>
+            <a:pPr>
+              <a:defRPr sz="900" b="0" i="0" u="none" strike="noStrike" kern="1200" baseline="0">
+                <a:solidFill>
+                  <a:schemeClr val="tx1">
+                    <a:lumMod val="65000"/>
+                    <a:lumOff val="35000"/>
+                  </a:schemeClr>
+                </a:solidFill>
+                <a:latin typeface="+mn-lt"/>
+                <a:ea typeface="+mn-ea"/>
+                <a:cs typeface="+mn-cs"/>
+              </a:defRPr>
+            </a:pPr>
+            <a:endParaRPr lang="de-DE"/>
+          </a:p>
+        </c:txPr>
+        <c:crossAx val="106690048"/>
+        <c:crosses val="autoZero"/>
+        <c:crossBetween val="midCat"/>
+      </c:valAx>
+      <c:valAx>
+        <c:axId val="106690048"/>
+        <c:scaling>
+          <c:orientation val="minMax"/>
+        </c:scaling>
+        <c:axPos val="l"/>
+        <c:majorGridlines>
+          <c:spPr>
+            <a:ln w="9525" cap="flat" cmpd="sng" algn="ctr">
+              <a:solidFill>
+                <a:schemeClr val="tx1">
+                  <a:lumMod val="15000"/>
+                  <a:lumOff val="85000"/>
+                </a:schemeClr>
+              </a:solidFill>
+              <a:round/>
+            </a:ln>
+            <a:effectLst/>
+          </c:spPr>
+        </c:majorGridlines>
+        <c:title>
+          <c:tx>
+            <c:rich>
+              <a:bodyPr rot="-5400000" spcFirstLastPara="1" vertOverflow="ellipsis" vert="horz" wrap="square" anchor="ctr" anchorCtr="1"/>
+              <a:lstStyle/>
+              <a:p>
+                <a:pPr>
+                  <a:defRPr sz="1000" b="0" i="0" u="none" strike="noStrike" kern="1200" baseline="0">
+                    <a:solidFill>
+                      <a:schemeClr val="tx1">
+                        <a:lumMod val="65000"/>
+                        <a:lumOff val="35000"/>
+                      </a:schemeClr>
+                    </a:solidFill>
+                    <a:latin typeface="+mn-lt"/>
+                    <a:ea typeface="+mn-ea"/>
+                    <a:cs typeface="+mn-cs"/>
+                  </a:defRPr>
+                </a:pPr>
+                <a:r>
+                  <a:rPr lang="de-DE"/>
+                  <a:t>Wand</a:t>
+                </a:r>
+                <a:r>
+                  <a:rPr lang="de-DE" baseline="0"/>
+                  <a:t>-Kontakt</a:t>
+                </a:r>
+                <a:endParaRPr lang="de-DE"/>
+              </a:p>
+            </c:rich>
+          </c:tx>
+          <c:layout/>
+          <c:spPr>
+            <a:noFill/>
+            <a:ln>
+              <a:noFill/>
+            </a:ln>
+            <a:effectLst/>
+          </c:spPr>
+        </c:title>
+        <c:numFmt formatCode="0.00" sourceLinked="1"/>
+        <c:majorTickMark val="none"/>
+        <c:tickLblPos val="nextTo"/>
+        <c:spPr>
+          <a:noFill/>
+          <a:ln w="9525" cap="flat" cmpd="sng" algn="ctr">
+            <a:solidFill>
+              <a:schemeClr val="tx1">
+                <a:lumMod val="25000"/>
+                <a:lumOff val="75000"/>
+              </a:schemeClr>
+            </a:solidFill>
+            <a:round/>
+          </a:ln>
+          <a:effectLst/>
+        </c:spPr>
+        <c:txPr>
+          <a:bodyPr rot="-60000000" spcFirstLastPara="1" vertOverflow="ellipsis" vert="horz" wrap="square" anchor="ctr" anchorCtr="1"/>
+          <a:lstStyle/>
+          <a:p>
+            <a:pPr>
+              <a:defRPr sz="900" b="0" i="0" u="none" strike="noStrike" kern="1200" baseline="0">
+                <a:solidFill>
+                  <a:schemeClr val="tx1">
+                    <a:lumMod val="65000"/>
+                    <a:lumOff val="35000"/>
+                  </a:schemeClr>
+                </a:solidFill>
+                <a:latin typeface="+mn-lt"/>
+                <a:ea typeface="+mn-ea"/>
+                <a:cs typeface="+mn-cs"/>
+              </a:defRPr>
+            </a:pPr>
+            <a:endParaRPr lang="de-DE"/>
+          </a:p>
+        </c:txPr>
+        <c:crossAx val="106561536"/>
+        <c:crosses val="autoZero"/>
+        <c:crossBetween val="midCat"/>
+      </c:valAx>
+      <c:spPr>
+        <a:noFill/>
+        <a:ln>
+          <a:noFill/>
+        </a:ln>
+        <a:effectLst/>
+      </c:spPr>
+    </c:plotArea>
+    <c:plotVisOnly val="1"/>
+    <c:dispBlanksAs val="gap"/>
+  </c:chart>
+  <c:spPr>
+    <a:solidFill>
+      <a:schemeClr val="bg1"/>
+    </a:solidFill>
+    <a:ln w="9525" cap="flat" cmpd="sng" algn="ctr">
+      <a:solidFill>
+        <a:schemeClr val="tx1">
+          <a:lumMod val="15000"/>
+          <a:lumOff val="85000"/>
+        </a:schemeClr>
+      </a:solidFill>
+      <a:round/>
+    </a:ln>
+    <a:effectLst/>
+  </c:spPr>
+  <c:txPr>
+    <a:bodyPr/>
+    <a:lstStyle/>
+    <a:p>
+      <a:pPr>
+        <a:defRPr/>
+      </a:pPr>
+      <a:endParaRPr lang="de-DE"/>
+    </a:p>
+  </c:txPr>
+  <c:externalData r:id="rId1"/>
+</c:chartSpace>
 </file>
 
 <file path=ppt/notesMasters/notesMaster1.xml><?xml version="1.0" encoding="utf-8"?>
@@ -256,7 +724,7 @@
             <a:fld id="{5C922E7B-DED3-4FA8-A4CB-12D9EF89658A}" type="datetimeFigureOut">
               <a:rPr lang="de-DE" smtClean="0"/>
               <a:pPr/>
-              <a:t>22.06.2015</a:t>
+              <a:t>29.06.2015</a:t>
             </a:fld>
             <a:endParaRPr lang="de-DE"/>
           </a:p>
@@ -427,7 +895,7 @@
     </p:spTree>
     <p:extLst>
       <p:ext uri="{BB962C8B-B14F-4D97-AF65-F5344CB8AC3E}">
-        <p14:creationId xmlns:p14="http://schemas.microsoft.com/office/powerpoint/2010/main" val="1703340137"/>
+        <p14:creationId xmlns="" xmlns:p14="http://schemas.microsoft.com/office/powerpoint/2010/main" val="1703340137"/>
       </p:ext>
     </p:extLst>
   </p:cSld>
@@ -604,7 +1072,7 @@
     </p:spTree>
     <p:extLst>
       <p:ext uri="{BB962C8B-B14F-4D97-AF65-F5344CB8AC3E}">
-        <p14:creationId xmlns:p14="http://schemas.microsoft.com/office/powerpoint/2010/main" val="2736122291"/>
+        <p14:creationId xmlns="" xmlns:p14="http://schemas.microsoft.com/office/powerpoint/2010/main" val="2736122291"/>
       </p:ext>
     </p:extLst>
   </p:cSld>
@@ -680,7 +1148,7 @@
             <a:fld id="{18386D1E-F309-4B8F-B111-2DD54D228A85}" type="slidenum">
               <a:rPr lang="de-DE" smtClean="0"/>
               <a:pPr/>
-              <a:t>11</a:t>
+              <a:t>12</a:t>
             </a:fld>
             <a:endParaRPr lang="de-DE"/>
           </a:p>
@@ -689,7 +1157,262 @@
     </p:spTree>
     <p:extLst>
       <p:ext uri="{BB962C8B-B14F-4D97-AF65-F5344CB8AC3E}">
-        <p14:creationId xmlns:p14="http://schemas.microsoft.com/office/powerpoint/2010/main" val="2944168036"/>
+        <p14:creationId xmlns="" xmlns:p14="http://schemas.microsoft.com/office/powerpoint/2010/main" val="2944168036"/>
+      </p:ext>
+    </p:extLst>
+  </p:cSld>
+  <p:clrMapOvr>
+    <a:masterClrMapping/>
+  </p:clrMapOvr>
+</p:notes>
+</file>
+
+<file path=ppt/notesSlides/notesSlide3.xml><?xml version="1.0" encoding="utf-8"?>
+<p:notes xmlns:a="http://schemas.openxmlformats.org/drawingml/2006/main" xmlns:r="http://schemas.openxmlformats.org/officeDocument/2006/relationships" xmlns:p="http://schemas.openxmlformats.org/presentationml/2006/main">
+  <p:cSld>
+    <p:spTree>
+      <p:nvGrpSpPr>
+        <p:cNvPr id="1" name=""/>
+        <p:cNvGrpSpPr/>
+        <p:nvPr/>
+      </p:nvGrpSpPr>
+      <p:grpSpPr>
+        <a:xfrm>
+          <a:off x="0" y="0"/>
+          <a:ext cx="0" cy="0"/>
+          <a:chOff x="0" y="0"/>
+          <a:chExt cx="0" cy="0"/>
+        </a:xfrm>
+      </p:grpSpPr>
+      <p:sp>
+        <p:nvSpPr>
+          <p:cNvPr id="2" name="Folienbildplatzhalter 1"/>
+          <p:cNvSpPr>
+            <a:spLocks noGrp="1" noRot="1" noChangeAspect="1"/>
+          </p:cNvSpPr>
+          <p:nvPr>
+            <p:ph type="sldImg"/>
+          </p:nvPr>
+        </p:nvSpPr>
+        <p:spPr/>
+      </p:sp>
+      <p:sp>
+        <p:nvSpPr>
+          <p:cNvPr id="3" name="Notizenplatzhalter 2"/>
+          <p:cNvSpPr>
+            <a:spLocks noGrp="1"/>
+          </p:cNvSpPr>
+          <p:nvPr>
+            <p:ph type="body" idx="1"/>
+          </p:nvPr>
+        </p:nvSpPr>
+        <p:spPr/>
+        <p:txBody>
+          <a:bodyPr/>
+          <a:lstStyle/>
+          <a:p>
+            <a:endParaRPr lang="de-DE" dirty="0"/>
+          </a:p>
+        </p:txBody>
+      </p:sp>
+      <p:sp>
+        <p:nvSpPr>
+          <p:cNvPr id="4" name="Foliennummernplatzhalter 3"/>
+          <p:cNvSpPr>
+            <a:spLocks noGrp="1"/>
+          </p:cNvSpPr>
+          <p:nvPr>
+            <p:ph type="sldNum" sz="quarter" idx="10"/>
+          </p:nvPr>
+        </p:nvSpPr>
+        <p:spPr/>
+        <p:txBody>
+          <a:bodyPr/>
+          <a:lstStyle/>
+          <a:p>
+            <a:fld id="{18386D1E-F309-4B8F-B111-2DD54D228A85}" type="slidenum">
+              <a:rPr lang="de-DE" smtClean="0"/>
+              <a:pPr/>
+              <a:t>13</a:t>
+            </a:fld>
+            <a:endParaRPr lang="de-DE"/>
+          </a:p>
+        </p:txBody>
+      </p:sp>
+    </p:spTree>
+    <p:extLst>
+      <p:ext uri="{BB962C8B-B14F-4D97-AF65-F5344CB8AC3E}">
+        <p14:creationId xmlns="" xmlns:p14="http://schemas.microsoft.com/office/powerpoint/2010/main" val="2944168036"/>
+      </p:ext>
+    </p:extLst>
+  </p:cSld>
+  <p:clrMapOvr>
+    <a:masterClrMapping/>
+  </p:clrMapOvr>
+</p:notes>
+</file>
+
+<file path=ppt/notesSlides/notesSlide4.xml><?xml version="1.0" encoding="utf-8"?>
+<p:notes xmlns:a="http://schemas.openxmlformats.org/drawingml/2006/main" xmlns:r="http://schemas.openxmlformats.org/officeDocument/2006/relationships" xmlns:p="http://schemas.openxmlformats.org/presentationml/2006/main">
+  <p:cSld>
+    <p:spTree>
+      <p:nvGrpSpPr>
+        <p:cNvPr id="1" name=""/>
+        <p:cNvGrpSpPr/>
+        <p:nvPr/>
+      </p:nvGrpSpPr>
+      <p:grpSpPr>
+        <a:xfrm>
+          <a:off x="0" y="0"/>
+          <a:ext cx="0" cy="0"/>
+          <a:chOff x="0" y="0"/>
+          <a:chExt cx="0" cy="0"/>
+        </a:xfrm>
+      </p:grpSpPr>
+      <p:sp>
+        <p:nvSpPr>
+          <p:cNvPr id="2" name="Folienbildplatzhalter 1"/>
+          <p:cNvSpPr>
+            <a:spLocks noGrp="1" noRot="1" noChangeAspect="1"/>
+          </p:cNvSpPr>
+          <p:nvPr>
+            <p:ph type="sldImg"/>
+          </p:nvPr>
+        </p:nvSpPr>
+        <p:spPr/>
+      </p:sp>
+      <p:sp>
+        <p:nvSpPr>
+          <p:cNvPr id="3" name="Notizenplatzhalter 2"/>
+          <p:cNvSpPr>
+            <a:spLocks noGrp="1"/>
+          </p:cNvSpPr>
+          <p:nvPr>
+            <p:ph type="body" idx="1"/>
+          </p:nvPr>
+        </p:nvSpPr>
+        <p:spPr/>
+        <p:txBody>
+          <a:bodyPr/>
+          <a:lstStyle/>
+          <a:p>
+            <a:endParaRPr lang="de-DE" dirty="0"/>
+          </a:p>
+        </p:txBody>
+      </p:sp>
+      <p:sp>
+        <p:nvSpPr>
+          <p:cNvPr id="4" name="Foliennummernplatzhalter 3"/>
+          <p:cNvSpPr>
+            <a:spLocks noGrp="1"/>
+          </p:cNvSpPr>
+          <p:nvPr>
+            <p:ph type="sldNum" sz="quarter" idx="10"/>
+          </p:nvPr>
+        </p:nvSpPr>
+        <p:spPr/>
+        <p:txBody>
+          <a:bodyPr/>
+          <a:lstStyle/>
+          <a:p>
+            <a:fld id="{18386D1E-F309-4B8F-B111-2DD54D228A85}" type="slidenum">
+              <a:rPr lang="de-DE" smtClean="0"/>
+              <a:pPr/>
+              <a:t>15</a:t>
+            </a:fld>
+            <a:endParaRPr lang="de-DE"/>
+          </a:p>
+        </p:txBody>
+      </p:sp>
+    </p:spTree>
+    <p:extLst>
+      <p:ext uri="{BB962C8B-B14F-4D97-AF65-F5344CB8AC3E}">
+        <p14:creationId xmlns="" xmlns:p14="http://schemas.microsoft.com/office/powerpoint/2010/main" val="2944168036"/>
+      </p:ext>
+    </p:extLst>
+  </p:cSld>
+  <p:clrMapOvr>
+    <a:masterClrMapping/>
+  </p:clrMapOvr>
+</p:notes>
+</file>
+
+<file path=ppt/notesSlides/notesSlide5.xml><?xml version="1.0" encoding="utf-8"?>
+<p:notes xmlns:a="http://schemas.openxmlformats.org/drawingml/2006/main" xmlns:r="http://schemas.openxmlformats.org/officeDocument/2006/relationships" xmlns:p="http://schemas.openxmlformats.org/presentationml/2006/main">
+  <p:cSld>
+    <p:spTree>
+      <p:nvGrpSpPr>
+        <p:cNvPr id="1" name=""/>
+        <p:cNvGrpSpPr/>
+        <p:nvPr/>
+      </p:nvGrpSpPr>
+      <p:grpSpPr>
+        <a:xfrm>
+          <a:off x="0" y="0"/>
+          <a:ext cx="0" cy="0"/>
+          <a:chOff x="0" y="0"/>
+          <a:chExt cx="0" cy="0"/>
+        </a:xfrm>
+      </p:grpSpPr>
+      <p:sp>
+        <p:nvSpPr>
+          <p:cNvPr id="2" name="Folienbildplatzhalter 1"/>
+          <p:cNvSpPr>
+            <a:spLocks noGrp="1" noRot="1" noChangeAspect="1"/>
+          </p:cNvSpPr>
+          <p:nvPr>
+            <p:ph type="sldImg"/>
+          </p:nvPr>
+        </p:nvSpPr>
+        <p:spPr/>
+      </p:sp>
+      <p:sp>
+        <p:nvSpPr>
+          <p:cNvPr id="3" name="Notizenplatzhalter 2"/>
+          <p:cNvSpPr>
+            <a:spLocks noGrp="1"/>
+          </p:cNvSpPr>
+          <p:nvPr>
+            <p:ph type="body" idx="1"/>
+          </p:nvPr>
+        </p:nvSpPr>
+        <p:spPr/>
+        <p:txBody>
+          <a:bodyPr/>
+          <a:lstStyle/>
+          <a:p>
+            <a:endParaRPr lang="de-DE" dirty="0"/>
+          </a:p>
+        </p:txBody>
+      </p:sp>
+      <p:sp>
+        <p:nvSpPr>
+          <p:cNvPr id="4" name="Foliennummernplatzhalter 3"/>
+          <p:cNvSpPr>
+            <a:spLocks noGrp="1"/>
+          </p:cNvSpPr>
+          <p:nvPr>
+            <p:ph type="sldNum" sz="quarter" idx="10"/>
+          </p:nvPr>
+        </p:nvSpPr>
+        <p:spPr/>
+        <p:txBody>
+          <a:bodyPr/>
+          <a:lstStyle/>
+          <a:p>
+            <a:fld id="{18386D1E-F309-4B8F-B111-2DD54D228A85}" type="slidenum">
+              <a:rPr lang="de-DE" smtClean="0"/>
+              <a:pPr/>
+              <a:t>16</a:t>
+            </a:fld>
+            <a:endParaRPr lang="de-DE"/>
+          </a:p>
+        </p:txBody>
+      </p:sp>
+    </p:spTree>
+    <p:extLst>
+      <p:ext uri="{BB962C8B-B14F-4D97-AF65-F5344CB8AC3E}">
+        <p14:creationId xmlns="" xmlns:p14="http://schemas.microsoft.com/office/powerpoint/2010/main" val="2944168036"/>
       </p:ext>
     </p:extLst>
   </p:cSld>
@@ -1324,7 +2047,8 @@
           <a:p>
             <a:fld id="{85E9D71C-4D33-4717-A804-80800A20D979}" type="datetime1">
               <a:rPr lang="de-DE" smtClean="0"/>
-              <a:t>22.06.2015</a:t>
+              <a:pPr/>
+              <a:t>29.06.2015</a:t>
             </a:fld>
             <a:endParaRPr lang="de-DE"/>
           </a:p>
@@ -1618,7 +2342,8 @@
           <a:p>
             <a:fld id="{93EEFE92-3001-482C-BE44-26B301D0773D}" type="datetime1">
               <a:rPr lang="de-DE" smtClean="0"/>
-              <a:t>22.06.2015</a:t>
+              <a:pPr/>
+              <a:t>29.06.2015</a:t>
             </a:fld>
             <a:endParaRPr lang="de-DE"/>
           </a:p>
@@ -1827,7 +2552,8 @@
           <a:p>
             <a:fld id="{FC91334D-6A8C-4459-A321-C3C4171C99C5}" type="datetime1">
               <a:rPr lang="de-DE" smtClean="0"/>
-              <a:t>22.06.2015</a:t>
+              <a:pPr/>
+              <a:t>29.06.2015</a:t>
             </a:fld>
             <a:endParaRPr lang="de-DE"/>
           </a:p>
@@ -2568,7 +3294,8 @@
           <a:p>
             <a:fld id="{25311DBE-05CB-474E-B9E2-2DA12CB0DB23}" type="datetime1">
               <a:rPr lang="de-DE" smtClean="0"/>
-              <a:t>22.06.2015</a:t>
+              <a:pPr/>
+              <a:t>29.06.2015</a:t>
             </a:fld>
             <a:endParaRPr lang="de-DE"/>
           </a:p>
@@ -2757,7 +3484,8 @@
           <a:p>
             <a:fld id="{F584317A-68E2-47B8-AB7C-D16C4A6806D5}" type="datetime1">
               <a:rPr lang="de-DE" smtClean="0"/>
-              <a:t>22.06.2015</a:t>
+              <a:pPr/>
+              <a:t>29.06.2015</a:t>
             </a:fld>
             <a:endParaRPr lang="de-DE"/>
           </a:p>
@@ -2968,7 +3696,8 @@
           <a:p>
             <a:fld id="{15A15F67-894A-42D7-9B6A-CEA2626501FD}" type="datetime1">
               <a:rPr lang="de-DE" smtClean="0"/>
-              <a:t>22.06.2015</a:t>
+              <a:pPr/>
+              <a:t>29.06.2015</a:t>
             </a:fld>
             <a:endParaRPr lang="de-DE"/>
           </a:p>
@@ -3219,7 +3948,8 @@
           <a:p>
             <a:fld id="{90B91035-B6B6-4B64-ACF0-D04FB96E551B}" type="datetime1">
               <a:rPr lang="de-DE" smtClean="0"/>
-              <a:t>22.06.2015</a:t>
+              <a:pPr/>
+              <a:t>29.06.2015</a:t>
             </a:fld>
             <a:endParaRPr lang="de-DE"/>
           </a:p>
@@ -3494,7 +4224,8 @@
           <a:p>
             <a:fld id="{9508762D-7665-4D4F-BEA3-45C7C7D0BEB0}" type="datetime1">
               <a:rPr lang="de-DE" smtClean="0"/>
-              <a:t>22.06.2015</a:t>
+              <a:pPr/>
+              <a:t>29.06.2015</a:t>
             </a:fld>
             <a:endParaRPr lang="de-DE"/>
           </a:p>
@@ -3792,7 +4523,8 @@
           <a:p>
             <a:fld id="{BA009C27-25D5-4AC2-97BA-FE3E83707857}" type="datetime1">
               <a:rPr lang="de-DE" smtClean="0"/>
-              <a:t>22.06.2015</a:t>
+              <a:pPr/>
+              <a:t>29.06.2015</a:t>
             </a:fld>
             <a:endParaRPr lang="de-DE"/>
           </a:p>
@@ -4205,7 +4937,8 @@
           <a:p>
             <a:fld id="{09008D56-06BD-409B-9D98-5EE6E453F0B0}" type="datetime1">
               <a:rPr lang="de-DE" smtClean="0"/>
-              <a:t>22.06.2015</a:t>
+              <a:pPr/>
+              <a:t>29.06.2015</a:t>
             </a:fld>
             <a:endParaRPr lang="de-DE"/>
           </a:p>
@@ -4655,7 +5388,8 @@
           <a:p>
             <a:fld id="{E287ECD4-2F9A-4B13-B407-66F25B9BC71B}" type="datetime1">
               <a:rPr lang="de-DE" smtClean="0"/>
-              <a:t>22.06.2015</a:t>
+              <a:pPr/>
+              <a:t>29.06.2015</a:t>
             </a:fld>
             <a:endParaRPr lang="de-DE"/>
           </a:p>
@@ -4760,7 +5494,8 @@
           <a:p>
             <a:fld id="{589DC932-A236-448B-BA79-4962C312692A}" type="datetime1">
               <a:rPr lang="de-DE" smtClean="0"/>
-              <a:t>22.06.2015</a:t>
+              <a:pPr/>
+              <a:t>29.06.2015</a:t>
             </a:fld>
             <a:endParaRPr lang="de-DE"/>
           </a:p>
@@ -4885,7 +5620,8 @@
           <a:p>
             <a:fld id="{B92AADCB-A9F7-4B56-B02E-96C6CCB206E9}" type="datetime1">
               <a:rPr lang="de-DE" smtClean="0"/>
-              <a:t>22.06.2015</a:t>
+              <a:pPr/>
+              <a:t>29.06.2015</a:t>
             </a:fld>
             <a:endParaRPr lang="de-DE"/>
           </a:p>
@@ -5441,7 +6177,8 @@
           <a:p>
             <a:fld id="{C29AAA4E-E88D-43D8-B68B-0B76516A8EFD}" type="datetime1">
               <a:rPr lang="de-DE" smtClean="0"/>
-              <a:t>22.06.2015</a:t>
+              <a:pPr/>
+              <a:t>29.06.2015</a:t>
             </a:fld>
             <a:endParaRPr lang="de-DE"/>
           </a:p>
@@ -5960,73 +6697,45 @@
           <a:chExt cx="0" cy="0"/>
         </a:xfrm>
       </p:grpSpPr>
-      <p:sp>
-        <p:nvSpPr>
-          <p:cNvPr id="3" name="Inhaltsplatzhalter 2"/>
-          <p:cNvSpPr>
-            <a:spLocks noGrp="1"/>
-          </p:cNvSpPr>
+      <p:graphicFrame>
+        <p:nvGraphicFramePr>
+          <p:cNvPr id="6" name="Inhaltsplatzhalter 5"/>
+          <p:cNvGraphicFramePr>
+            <a:graphicFrameLocks noGrp="1"/>
+          </p:cNvGraphicFramePr>
           <p:nvPr>
             <p:ph idx="1"/>
           </p:nvPr>
+        </p:nvGraphicFramePr>
+        <p:xfrm>
+          <a:off x="457200" y="1481138"/>
+          <a:ext cx="8229600" cy="4525962"/>
+        </p:xfrm>
+        <a:graphic>
+          <a:graphicData uri="http://schemas.openxmlformats.org/drawingml/2006/chart">
+            <c:chart xmlns:c="http://schemas.openxmlformats.org/drawingml/2006/chart" xmlns:r="http://schemas.openxmlformats.org/officeDocument/2006/relationships" r:id="rId2"/>
+          </a:graphicData>
+        </a:graphic>
+      </p:graphicFrame>
+      <p:sp>
+        <p:nvSpPr>
+          <p:cNvPr id="3" name="Datumsplatzhalter 2"/>
+          <p:cNvSpPr>
+            <a:spLocks noGrp="1"/>
+          </p:cNvSpPr>
+          <p:nvPr>
+            <p:ph type="dt" sz="half" idx="10"/>
+          </p:nvPr>
         </p:nvSpPr>
         <p:spPr/>
         <p:txBody>
           <a:bodyPr/>
           <a:lstStyle/>
           <a:p>
-            <a:pPr>
-              <a:lnSpc>
-                <a:spcPct val="150000"/>
-              </a:lnSpc>
-            </a:pPr>
-            <a:r>
-              <a:rPr lang="de-DE" dirty="0" smtClean="0"/>
-              <a:t>Zu hohe Komplexität der Umwelten</a:t>
-            </a:r>
-          </a:p>
-          <a:p>
-            <a:pPr>
-              <a:lnSpc>
-                <a:spcPct val="150000"/>
-              </a:lnSpc>
-            </a:pPr>
-            <a:r>
-              <a:rPr lang="de-DE" dirty="0" smtClean="0"/>
-              <a:t>Falsch implementierter Algorithmus</a:t>
-            </a:r>
-          </a:p>
-          <a:p>
-            <a:pPr>
-              <a:lnSpc>
-                <a:spcPct val="150000"/>
-              </a:lnSpc>
-            </a:pPr>
-            <a:r>
-              <a:rPr lang="de-DE" dirty="0" smtClean="0"/>
-              <a:t>Belohnung richtig einstellen</a:t>
-            </a:r>
-          </a:p>
-        </p:txBody>
-      </p:sp>
-      <p:sp>
-        <p:nvSpPr>
-          <p:cNvPr id="7" name="Datumsplatzhalter 6"/>
-          <p:cNvSpPr>
-            <a:spLocks noGrp="1"/>
-          </p:cNvSpPr>
-          <p:nvPr>
-            <p:ph type="dt" sz="half" idx="10"/>
-          </p:nvPr>
-        </p:nvSpPr>
-        <p:spPr/>
-        <p:txBody>
-          <a:bodyPr/>
-          <a:lstStyle/>
-          <a:p>
-            <a:fld id="{BB82B4A5-2B6E-47D9-B290-4B92AE95656D}" type="datetime1">
+            <a:fld id="{15A15F67-894A-42D7-9B6A-CEA2626501FD}" type="datetime1">
               <a:rPr lang="de-DE" smtClean="0"/>
-              <a:t>22.06.2015</a:t>
+              <a:pPr/>
+              <a:t>29.06.2015</a:t>
             </a:fld>
             <a:endParaRPr lang="de-DE"/>
           </a:p>
@@ -6034,7 +6743,7 @@
       </p:sp>
       <p:sp>
         <p:nvSpPr>
-          <p:cNvPr id="8" name="Foliennummernplatzhalter 7"/>
+          <p:cNvPr id="4" name="Foliennummernplatzhalter 3"/>
           <p:cNvSpPr>
             <a:spLocks noGrp="1"/>
           </p:cNvSpPr>
@@ -6058,7 +6767,7 @@
       </p:sp>
       <p:sp>
         <p:nvSpPr>
-          <p:cNvPr id="2" name="Titel 1"/>
+          <p:cNvPr id="5" name="Titel 4"/>
           <p:cNvSpPr>
             <a:spLocks noGrp="1"/>
           </p:cNvSpPr>
@@ -6068,20 +6777,14 @@
         </p:nvSpPr>
         <p:spPr/>
         <p:txBody>
-          <a:bodyPr/>
+          <a:bodyPr>
+            <a:normAutofit fontScale="90000"/>
+          </a:bodyPr>
           <a:lstStyle/>
           <a:p>
             <a:r>
               <a:rPr lang="de-DE" dirty="0" smtClean="0"/>
-              <a:t>Team </a:t>
-            </a:r>
-            <a:r>
-              <a:rPr lang="de-DE" dirty="0" err="1" smtClean="0"/>
-              <a:t>Oli&amp;Viktor</a:t>
-            </a:r>
-            <a:r>
-              <a:rPr lang="de-DE" dirty="0" smtClean="0"/>
-              <a:t>: Probleme</a:t>
+              <a:t>Wandkontakte im finalen Zustandsraum</a:t>
             </a:r>
             <a:endParaRPr lang="de-DE" dirty="0"/>
           </a:p>
@@ -6098,218 +6801,9 @@
   <p:timing>
     <p:tnLst>
       <p:par>
-        <p:cTn id="1" dur="indefinite" restart="never" nodeType="tmRoot">
-          <p:childTnLst>
-            <p:seq concurrent="1" nextAc="seek">
-              <p:cTn id="2" dur="indefinite" nodeType="mainSeq">
-                <p:childTnLst>
-                  <p:par>
-                    <p:cTn id="3" fill="hold">
-                      <p:stCondLst>
-                        <p:cond delay="indefinite"/>
-                      </p:stCondLst>
-                      <p:childTnLst>
-                        <p:par>
-                          <p:cTn id="4" fill="hold">
-                            <p:stCondLst>
-                              <p:cond delay="0"/>
-                            </p:stCondLst>
-                            <p:childTnLst>
-                              <p:par>
-                                <p:cTn id="5" presetID="22" presetClass="entr" presetSubtype="8" fill="hold" grpId="1" nodeType="clickEffect">
-                                  <p:stCondLst>
-                                    <p:cond delay="0"/>
-                                  </p:stCondLst>
-                                  <p:childTnLst>
-                                    <p:set>
-                                      <p:cBhvr>
-                                        <p:cTn id="6" dur="1" fill="hold">
-                                          <p:stCondLst>
-                                            <p:cond delay="0"/>
-                                          </p:stCondLst>
-                                        </p:cTn>
-                                        <p:tgtEl>
-                                          <p:spTgt spid="3">
-                                            <p:txEl>
-                                              <p:pRg st="0" end="0"/>
-                                            </p:txEl>
-                                          </p:spTgt>
-                                        </p:tgtEl>
-                                        <p:attrNameLst>
-                                          <p:attrName>style.visibility</p:attrName>
-                                        </p:attrNameLst>
-                                      </p:cBhvr>
-                                      <p:to>
-                                        <p:strVal val="visible"/>
-                                      </p:to>
-                                    </p:set>
-                                    <p:animEffect transition="in" filter="wipe(left)">
-                                      <p:cBhvr>
-                                        <p:cTn id="7" dur="1000"/>
-                                        <p:tgtEl>
-                                          <p:spTgt spid="3">
-                                            <p:txEl>
-                                              <p:pRg st="0" end="0"/>
-                                            </p:txEl>
-                                          </p:spTgt>
-                                        </p:tgtEl>
-                                      </p:cBhvr>
-                                    </p:animEffect>
-                                  </p:childTnLst>
-                                </p:cTn>
-                              </p:par>
-                            </p:childTnLst>
-                          </p:cTn>
-                        </p:par>
-                      </p:childTnLst>
-                    </p:cTn>
-                  </p:par>
-                  <p:par>
-                    <p:cTn id="8" fill="hold">
-                      <p:stCondLst>
-                        <p:cond delay="indefinite"/>
-                      </p:stCondLst>
-                      <p:childTnLst>
-                        <p:par>
-                          <p:cTn id="9" fill="hold">
-                            <p:stCondLst>
-                              <p:cond delay="0"/>
-                            </p:stCondLst>
-                            <p:childTnLst>
-                              <p:par>
-                                <p:cTn id="10" presetID="22" presetClass="entr" presetSubtype="8" fill="hold" grpId="1" nodeType="clickEffect">
-                                  <p:stCondLst>
-                                    <p:cond delay="0"/>
-                                  </p:stCondLst>
-                                  <p:childTnLst>
-                                    <p:set>
-                                      <p:cBhvr>
-                                        <p:cTn id="11" dur="1" fill="hold">
-                                          <p:stCondLst>
-                                            <p:cond delay="0"/>
-                                          </p:stCondLst>
-                                        </p:cTn>
-                                        <p:tgtEl>
-                                          <p:spTgt spid="3">
-                                            <p:txEl>
-                                              <p:pRg st="1" end="1"/>
-                                            </p:txEl>
-                                          </p:spTgt>
-                                        </p:tgtEl>
-                                        <p:attrNameLst>
-                                          <p:attrName>style.visibility</p:attrName>
-                                        </p:attrNameLst>
-                                      </p:cBhvr>
-                                      <p:to>
-                                        <p:strVal val="visible"/>
-                                      </p:to>
-                                    </p:set>
-                                    <p:animEffect transition="in" filter="wipe(left)">
-                                      <p:cBhvr>
-                                        <p:cTn id="12" dur="1000"/>
-                                        <p:tgtEl>
-                                          <p:spTgt spid="3">
-                                            <p:txEl>
-                                              <p:pRg st="1" end="1"/>
-                                            </p:txEl>
-                                          </p:spTgt>
-                                        </p:tgtEl>
-                                      </p:cBhvr>
-                                    </p:animEffect>
-                                  </p:childTnLst>
-                                </p:cTn>
-                              </p:par>
-                            </p:childTnLst>
-                          </p:cTn>
-                        </p:par>
-                      </p:childTnLst>
-                    </p:cTn>
-                  </p:par>
-                  <p:par>
-                    <p:cTn id="13" fill="hold">
-                      <p:stCondLst>
-                        <p:cond delay="indefinite"/>
-                      </p:stCondLst>
-                      <p:childTnLst>
-                        <p:par>
-                          <p:cTn id="14" fill="hold">
-                            <p:stCondLst>
-                              <p:cond delay="0"/>
-                            </p:stCondLst>
-                            <p:childTnLst>
-                              <p:par>
-                                <p:cTn id="15" presetID="22" presetClass="entr" presetSubtype="8" fill="hold" grpId="1" nodeType="clickEffect">
-                                  <p:stCondLst>
-                                    <p:cond delay="0"/>
-                                  </p:stCondLst>
-                                  <p:childTnLst>
-                                    <p:set>
-                                      <p:cBhvr>
-                                        <p:cTn id="16" dur="1" fill="hold">
-                                          <p:stCondLst>
-                                            <p:cond delay="0"/>
-                                          </p:stCondLst>
-                                        </p:cTn>
-                                        <p:tgtEl>
-                                          <p:spTgt spid="3">
-                                            <p:txEl>
-                                              <p:pRg st="2" end="2"/>
-                                            </p:txEl>
-                                          </p:spTgt>
-                                        </p:tgtEl>
-                                        <p:attrNameLst>
-                                          <p:attrName>style.visibility</p:attrName>
-                                        </p:attrNameLst>
-                                      </p:cBhvr>
-                                      <p:to>
-                                        <p:strVal val="visible"/>
-                                      </p:to>
-                                    </p:set>
-                                    <p:animEffect transition="in" filter="wipe(left)">
-                                      <p:cBhvr>
-                                        <p:cTn id="17" dur="1000"/>
-                                        <p:tgtEl>
-                                          <p:spTgt spid="3">
-                                            <p:txEl>
-                                              <p:pRg st="2" end="2"/>
-                                            </p:txEl>
-                                          </p:spTgt>
-                                        </p:tgtEl>
-                                      </p:cBhvr>
-                                    </p:animEffect>
-                                  </p:childTnLst>
-                                </p:cTn>
-                              </p:par>
-                            </p:childTnLst>
-                          </p:cTn>
-                        </p:par>
-                      </p:childTnLst>
-                    </p:cTn>
-                  </p:par>
-                </p:childTnLst>
-              </p:cTn>
-              <p:prevCondLst>
-                <p:cond evt="onPrev" delay="0">
-                  <p:tgtEl>
-                    <p:sldTgt/>
-                  </p:tgtEl>
-                </p:cond>
-              </p:prevCondLst>
-              <p:nextCondLst>
-                <p:cond evt="onNext" delay="0">
-                  <p:tgtEl>
-                    <p:sldTgt/>
-                  </p:tgtEl>
-                </p:cond>
-              </p:nextCondLst>
-            </p:seq>
-          </p:childTnLst>
-        </p:cTn>
+        <p:cTn id="1" dur="indefinite" restart="never" nodeType="tmRoot"/>
       </p:par>
     </p:tnLst>
-    <p:bldLst>
-      <p:bldP spid="3" grpId="1" uiExpand="1" build="p"/>
-    </p:bldLst>
   </p:timing>
 </p:sld>
 </file>
@@ -6333,7 +6827,7 @@
       </p:grpSpPr>
       <p:sp>
         <p:nvSpPr>
-          <p:cNvPr id="2" name="Inhaltsplatzhalter 1"/>
+          <p:cNvPr id="3" name="Inhaltsplatzhalter 2"/>
           <p:cNvSpPr>
             <a:spLocks noGrp="1"/>
           </p:cNvSpPr>
@@ -6346,89 +6840,80 @@
           <a:bodyPr/>
           <a:lstStyle/>
           <a:p>
-            <a:r>
+            <a:pPr>
+              <a:lnSpc>
+                <a:spcPct val="150000"/>
+              </a:lnSpc>
+            </a:pPr>
+            <a:r>
+              <a:rPr lang="de-DE" dirty="0" smtClean="0"/>
+              <a:t>Zwei Agenten statt Einem</a:t>
+            </a:r>
+          </a:p>
+          <a:p>
+            <a:pPr>
+              <a:lnSpc>
+                <a:spcPct val="150000"/>
+              </a:lnSpc>
+            </a:pPr>
+            <a:r>
+              <a:rPr lang="de-DE" dirty="0" err="1" smtClean="0"/>
+              <a:t>MoveAgent</a:t>
+            </a:r>
+            <a:r>
+              <a:rPr lang="de-DE" dirty="0" smtClean="0"/>
+              <a:t> und </a:t>
+            </a:r>
+            <a:r>
+              <a:rPr lang="de-DE" dirty="0" err="1" smtClean="0"/>
+              <a:t>AttackAgent</a:t>
+            </a:r>
+            <a:endParaRPr lang="de-DE" dirty="0" smtClean="0"/>
+          </a:p>
+          <a:p>
+            <a:pPr>
+              <a:lnSpc>
+                <a:spcPct val="150000"/>
+              </a:lnSpc>
+            </a:pPr>
+            <a:r>
+              <a:rPr lang="de-DE" dirty="0" smtClean="0"/>
+              <a:t>Unterschiedliche Umweltsichten</a:t>
+            </a:r>
+          </a:p>
+          <a:p>
+            <a:pPr>
+              <a:lnSpc>
+                <a:spcPct val="150000"/>
+              </a:lnSpc>
+            </a:pPr>
+            <a:r>
+              <a:rPr lang="de-DE" dirty="0" smtClean="0"/>
+              <a:t>Gemeinsames Belohnungssystem</a:t>
+            </a:r>
+            <a:endParaRPr lang="de-DE" dirty="0" smtClean="0"/>
+          </a:p>
+        </p:txBody>
+      </p:sp>
+      <p:sp>
+        <p:nvSpPr>
+          <p:cNvPr id="7" name="Datumsplatzhalter 6"/>
+          <p:cNvSpPr>
+            <a:spLocks noGrp="1"/>
+          </p:cNvSpPr>
+          <p:nvPr>
+            <p:ph type="dt" sz="half" idx="10"/>
+          </p:nvPr>
+        </p:nvSpPr>
+        <p:spPr/>
+        <p:txBody>
+          <a:bodyPr/>
+          <a:lstStyle/>
+          <a:p>
+            <a:fld id="{BB82B4A5-2B6E-47D9-B290-4B92AE95656D}" type="datetime1">
               <a:rPr lang="de-DE" smtClean="0"/>
-              <a:t>Reduktion der "MoveEnvironment"</a:t>
-            </a:r>
-          </a:p>
-          <a:p>
-            <a:r>
-              <a:rPr lang="de-DE" smtClean="0"/>
-              <a:t>Vorher:</a:t>
-            </a:r>
-          </a:p>
-          <a:p>
-            <a:pPr lvl="1"/>
-            <a:r>
-              <a:rPr lang="de-DE" smtClean="0"/>
-              <a:t>90.000 Zustände * 9 Aktionen = 810.000 Q-Werte</a:t>
-            </a:r>
-          </a:p>
-          <a:p>
-            <a:r>
-              <a:rPr lang="de-DE" smtClean="0"/>
-              <a:t>Jetzt:</a:t>
-            </a:r>
-          </a:p>
-          <a:p>
-            <a:pPr lvl="1"/>
-            <a:r>
-              <a:rPr lang="de-DE" smtClean="0"/>
-              <a:t>1280 Zustände * 9 Aktionen = 11.520 Q-Werte</a:t>
-            </a:r>
-          </a:p>
-          <a:p>
-            <a:r>
-              <a:rPr lang="de-DE" smtClean="0"/>
-              <a:t>Reduktion um mehr als 98%</a:t>
-            </a:r>
-          </a:p>
-          <a:p>
-            <a:endParaRPr lang="de-DE" dirty="0" smtClean="0"/>
-          </a:p>
-        </p:txBody>
-      </p:sp>
-      <p:sp>
-        <p:nvSpPr>
-          <p:cNvPr id="3" name="Titel 2"/>
-          <p:cNvSpPr>
-            <a:spLocks noGrp="1"/>
-          </p:cNvSpPr>
-          <p:nvPr>
-            <p:ph type="title"/>
-          </p:nvPr>
-        </p:nvSpPr>
-        <p:spPr/>
-        <p:txBody>
-          <a:bodyPr/>
-          <a:lstStyle/>
-          <a:p>
-            <a:r>
-              <a:rPr lang="de-DE" smtClean="0"/>
-              <a:t>Team Oli&amp;Viktor: Umwelt</a:t>
-            </a:r>
-            <a:endParaRPr lang="de-DE" dirty="0"/>
-          </a:p>
-        </p:txBody>
-      </p:sp>
-      <p:sp>
-        <p:nvSpPr>
-          <p:cNvPr id="6" name="Datumsplatzhalter 5"/>
-          <p:cNvSpPr>
-            <a:spLocks noGrp="1"/>
-          </p:cNvSpPr>
-          <p:nvPr>
-            <p:ph type="dt" sz="half" idx="10"/>
-          </p:nvPr>
-        </p:nvSpPr>
-        <p:spPr/>
-        <p:txBody>
-          <a:bodyPr/>
-          <a:lstStyle/>
-          <a:p>
-            <a:fld id="{9BB28FF6-9452-4BB3-8ED8-53EA02423FF0}" type="datetime1">
-              <a:rPr lang="de-DE" smtClean="0"/>
-              <a:t>22.06.2015</a:t>
+              <a:pPr/>
+              <a:t>29.06.2015</a:t>
             </a:fld>
             <a:endParaRPr lang="de-DE"/>
           </a:p>
@@ -6436,7 +6921,7 @@
       </p:sp>
       <p:sp>
         <p:nvSpPr>
-          <p:cNvPr id="7" name="Foliennummernplatzhalter 6"/>
+          <p:cNvPr id="8" name="Foliennummernplatzhalter 7"/>
           <p:cNvSpPr>
             <a:spLocks noGrp="1"/>
           </p:cNvSpPr>
@@ -6455,6 +6940,41 @@
               <a:t>11</a:t>
             </a:fld>
             <a:endParaRPr lang="de-DE"/>
+          </a:p>
+        </p:txBody>
+      </p:sp>
+      <p:sp>
+        <p:nvSpPr>
+          <p:cNvPr id="2" name="Titel 1"/>
+          <p:cNvSpPr>
+            <a:spLocks noGrp="1"/>
+          </p:cNvSpPr>
+          <p:nvPr>
+            <p:ph type="title"/>
+          </p:nvPr>
+        </p:nvSpPr>
+        <p:spPr/>
+        <p:txBody>
+          <a:bodyPr/>
+          <a:lstStyle/>
+          <a:p>
+            <a:r>
+              <a:rPr lang="de-DE" dirty="0" smtClean="0"/>
+              <a:t>Team </a:t>
+            </a:r>
+            <a:r>
+              <a:rPr lang="de-DE" dirty="0" err="1" smtClean="0"/>
+              <a:t>Oli&amp;Viktor</a:t>
+            </a:r>
+            <a:r>
+              <a:rPr lang="de-DE" dirty="0" smtClean="0"/>
+              <a:t>: </a:t>
+            </a:r>
+            <a:r>
+              <a:rPr lang="de-DE" dirty="0" smtClean="0"/>
+              <a:t>Ansatz</a:t>
+            </a:r>
+            <a:endParaRPr lang="de-DE" dirty="0"/>
           </a:p>
         </p:txBody>
       </p:sp>
@@ -6469,383 +6989,9 @@
   <p:timing>
     <p:tnLst>
       <p:par>
-        <p:cTn id="1" dur="indefinite" restart="never" nodeType="tmRoot">
-          <p:childTnLst>
-            <p:seq concurrent="1" nextAc="seek">
-              <p:cTn id="2" dur="indefinite" nodeType="mainSeq">
-                <p:childTnLst>
-                  <p:par>
-                    <p:cTn id="3" fill="hold">
-                      <p:stCondLst>
-                        <p:cond delay="indefinite"/>
-                      </p:stCondLst>
-                      <p:childTnLst>
-                        <p:par>
-                          <p:cTn id="4" fill="hold">
-                            <p:stCondLst>
-                              <p:cond delay="0"/>
-                            </p:stCondLst>
-                            <p:childTnLst>
-                              <p:par>
-                                <p:cTn id="5" presetID="22" presetClass="entr" presetSubtype="8" fill="hold" grpId="0" nodeType="clickEffect">
-                                  <p:stCondLst>
-                                    <p:cond delay="0"/>
-                                  </p:stCondLst>
-                                  <p:childTnLst>
-                                    <p:set>
-                                      <p:cBhvr>
-                                        <p:cTn id="6" dur="1" fill="hold">
-                                          <p:stCondLst>
-                                            <p:cond delay="0"/>
-                                          </p:stCondLst>
-                                        </p:cTn>
-                                        <p:tgtEl>
-                                          <p:spTgt spid="2">
-                                            <p:txEl>
-                                              <p:pRg st="0" end="0"/>
-                                            </p:txEl>
-                                          </p:spTgt>
-                                        </p:tgtEl>
-                                        <p:attrNameLst>
-                                          <p:attrName>style.visibility</p:attrName>
-                                        </p:attrNameLst>
-                                      </p:cBhvr>
-                                      <p:to>
-                                        <p:strVal val="visible"/>
-                                      </p:to>
-                                    </p:set>
-                                    <p:animEffect transition="in" filter="wipe(left)">
-                                      <p:cBhvr>
-                                        <p:cTn id="7" dur="1000"/>
-                                        <p:tgtEl>
-                                          <p:spTgt spid="2">
-                                            <p:txEl>
-                                              <p:pRg st="0" end="0"/>
-                                            </p:txEl>
-                                          </p:spTgt>
-                                        </p:tgtEl>
-                                      </p:cBhvr>
-                                    </p:animEffect>
-                                  </p:childTnLst>
-                                </p:cTn>
-                              </p:par>
-                            </p:childTnLst>
-                          </p:cTn>
-                        </p:par>
-                      </p:childTnLst>
-                    </p:cTn>
-                  </p:par>
-                  <p:par>
-                    <p:cTn id="8" fill="hold">
-                      <p:stCondLst>
-                        <p:cond delay="indefinite"/>
-                      </p:stCondLst>
-                      <p:childTnLst>
-                        <p:par>
-                          <p:cTn id="9" fill="hold">
-                            <p:stCondLst>
-                              <p:cond delay="0"/>
-                            </p:stCondLst>
-                            <p:childTnLst>
-                              <p:par>
-                                <p:cTn id="10" presetID="22" presetClass="entr" presetSubtype="8" fill="hold" grpId="0" nodeType="clickEffect">
-                                  <p:stCondLst>
-                                    <p:cond delay="0"/>
-                                  </p:stCondLst>
-                                  <p:childTnLst>
-                                    <p:set>
-                                      <p:cBhvr>
-                                        <p:cTn id="11" dur="1" fill="hold">
-                                          <p:stCondLst>
-                                            <p:cond delay="0"/>
-                                          </p:stCondLst>
-                                        </p:cTn>
-                                        <p:tgtEl>
-                                          <p:spTgt spid="2">
-                                            <p:txEl>
-                                              <p:pRg st="1" end="1"/>
-                                            </p:txEl>
-                                          </p:spTgt>
-                                        </p:tgtEl>
-                                        <p:attrNameLst>
-                                          <p:attrName>style.visibility</p:attrName>
-                                        </p:attrNameLst>
-                                      </p:cBhvr>
-                                      <p:to>
-                                        <p:strVal val="visible"/>
-                                      </p:to>
-                                    </p:set>
-                                    <p:animEffect transition="in" filter="wipe(left)">
-                                      <p:cBhvr>
-                                        <p:cTn id="12" dur="500"/>
-                                        <p:tgtEl>
-                                          <p:spTgt spid="2">
-                                            <p:txEl>
-                                              <p:pRg st="1" end="1"/>
-                                            </p:txEl>
-                                          </p:spTgt>
-                                        </p:tgtEl>
-                                      </p:cBhvr>
-                                    </p:animEffect>
-                                  </p:childTnLst>
-                                </p:cTn>
-                              </p:par>
-                            </p:childTnLst>
-                          </p:cTn>
-                        </p:par>
-                        <p:par>
-                          <p:cTn id="13" fill="hold">
-                            <p:stCondLst>
-                              <p:cond delay="500"/>
-                            </p:stCondLst>
-                            <p:childTnLst>
-                              <p:par>
-                                <p:cTn id="14" presetID="22" presetClass="entr" presetSubtype="8" fill="hold" grpId="0" nodeType="afterEffect">
-                                  <p:stCondLst>
-                                    <p:cond delay="0"/>
-                                  </p:stCondLst>
-                                  <p:childTnLst>
-                                    <p:set>
-                                      <p:cBhvr>
-                                        <p:cTn id="15" dur="1" fill="hold">
-                                          <p:stCondLst>
-                                            <p:cond delay="0"/>
-                                          </p:stCondLst>
-                                        </p:cTn>
-                                        <p:tgtEl>
-                                          <p:spTgt spid="2">
-                                            <p:txEl>
-                                              <p:pRg st="2" end="2"/>
-                                            </p:txEl>
-                                          </p:spTgt>
-                                        </p:tgtEl>
-                                        <p:attrNameLst>
-                                          <p:attrName>style.visibility</p:attrName>
-                                        </p:attrNameLst>
-                                      </p:cBhvr>
-                                      <p:to>
-                                        <p:strVal val="visible"/>
-                                      </p:to>
-                                    </p:set>
-                                    <p:animEffect transition="in" filter="wipe(left)">
-                                      <p:cBhvr>
-                                        <p:cTn id="16" dur="2000"/>
-                                        <p:tgtEl>
-                                          <p:spTgt spid="2">
-                                            <p:txEl>
-                                              <p:pRg st="2" end="2"/>
-                                            </p:txEl>
-                                          </p:spTgt>
-                                        </p:tgtEl>
-                                      </p:cBhvr>
-                                    </p:animEffect>
-                                  </p:childTnLst>
-                                </p:cTn>
-                              </p:par>
-                            </p:childTnLst>
-                          </p:cTn>
-                        </p:par>
-                      </p:childTnLst>
-                    </p:cTn>
-                  </p:par>
-                  <p:par>
-                    <p:cTn id="17" fill="hold">
-                      <p:stCondLst>
-                        <p:cond delay="indefinite"/>
-                      </p:stCondLst>
-                      <p:childTnLst>
-                        <p:par>
-                          <p:cTn id="18" fill="hold">
-                            <p:stCondLst>
-                              <p:cond delay="0"/>
-                            </p:stCondLst>
-                            <p:childTnLst>
-                              <p:par>
-                                <p:cTn id="19" presetID="22" presetClass="entr" presetSubtype="8" fill="hold" grpId="0" nodeType="clickEffect">
-                                  <p:stCondLst>
-                                    <p:cond delay="0"/>
-                                  </p:stCondLst>
-                                  <p:childTnLst>
-                                    <p:set>
-                                      <p:cBhvr>
-                                        <p:cTn id="20" dur="1" fill="hold">
-                                          <p:stCondLst>
-                                            <p:cond delay="0"/>
-                                          </p:stCondLst>
-                                        </p:cTn>
-                                        <p:tgtEl>
-                                          <p:spTgt spid="2">
-                                            <p:txEl>
-                                              <p:pRg st="3" end="3"/>
-                                            </p:txEl>
-                                          </p:spTgt>
-                                        </p:tgtEl>
-                                        <p:attrNameLst>
-                                          <p:attrName>style.visibility</p:attrName>
-                                        </p:attrNameLst>
-                                      </p:cBhvr>
-                                      <p:to>
-                                        <p:strVal val="visible"/>
-                                      </p:to>
-                                    </p:set>
-                                    <p:animEffect transition="in" filter="wipe(left)">
-                                      <p:cBhvr>
-                                        <p:cTn id="21" dur="500"/>
-                                        <p:tgtEl>
-                                          <p:spTgt spid="2">
-                                            <p:txEl>
-                                              <p:pRg st="3" end="3"/>
-                                            </p:txEl>
-                                          </p:spTgt>
-                                        </p:tgtEl>
-                                      </p:cBhvr>
-                                    </p:animEffect>
-                                  </p:childTnLst>
-                                </p:cTn>
-                              </p:par>
-                            </p:childTnLst>
-                          </p:cTn>
-                        </p:par>
-                        <p:par>
-                          <p:cTn id="22" fill="hold">
-                            <p:stCondLst>
-                              <p:cond delay="500"/>
-                            </p:stCondLst>
-                            <p:childTnLst>
-                              <p:par>
-                                <p:cTn id="23" presetID="22" presetClass="entr" presetSubtype="8" fill="hold" grpId="0" nodeType="afterEffect">
-                                  <p:stCondLst>
-                                    <p:cond delay="0"/>
-                                  </p:stCondLst>
-                                  <p:childTnLst>
-                                    <p:set>
-                                      <p:cBhvr>
-                                        <p:cTn id="24" dur="1" fill="hold">
-                                          <p:stCondLst>
-                                            <p:cond delay="0"/>
-                                          </p:stCondLst>
-                                        </p:cTn>
-                                        <p:tgtEl>
-                                          <p:spTgt spid="2">
-                                            <p:txEl>
-                                              <p:pRg st="4" end="4"/>
-                                            </p:txEl>
-                                          </p:spTgt>
-                                        </p:tgtEl>
-                                        <p:attrNameLst>
-                                          <p:attrName>style.visibility</p:attrName>
-                                        </p:attrNameLst>
-                                      </p:cBhvr>
-                                      <p:to>
-                                        <p:strVal val="visible"/>
-                                      </p:to>
-                                    </p:set>
-                                    <p:animEffect transition="in" filter="wipe(left)">
-                                      <p:cBhvr>
-                                        <p:cTn id="25" dur="2000"/>
-                                        <p:tgtEl>
-                                          <p:spTgt spid="2">
-                                            <p:txEl>
-                                              <p:pRg st="4" end="4"/>
-                                            </p:txEl>
-                                          </p:spTgt>
-                                        </p:tgtEl>
-                                      </p:cBhvr>
-                                    </p:animEffect>
-                                  </p:childTnLst>
-                                </p:cTn>
-                              </p:par>
-                            </p:childTnLst>
-                          </p:cTn>
-                        </p:par>
-                      </p:childTnLst>
-                    </p:cTn>
-                  </p:par>
-                  <p:par>
-                    <p:cTn id="26" fill="hold">
-                      <p:stCondLst>
-                        <p:cond delay="indefinite"/>
-                      </p:stCondLst>
-                      <p:childTnLst>
-                        <p:par>
-                          <p:cTn id="27" fill="hold">
-                            <p:stCondLst>
-                              <p:cond delay="0"/>
-                            </p:stCondLst>
-                            <p:childTnLst>
-                              <p:par>
-                                <p:cTn id="28" presetID="22" presetClass="entr" presetSubtype="8" fill="hold" grpId="0" nodeType="clickEffect">
-                                  <p:stCondLst>
-                                    <p:cond delay="0"/>
-                                  </p:stCondLst>
-                                  <p:childTnLst>
-                                    <p:set>
-                                      <p:cBhvr>
-                                        <p:cTn id="29" dur="1" fill="hold">
-                                          <p:stCondLst>
-                                            <p:cond delay="0"/>
-                                          </p:stCondLst>
-                                        </p:cTn>
-                                        <p:tgtEl>
-                                          <p:spTgt spid="2">
-                                            <p:txEl>
-                                              <p:pRg st="5" end="5"/>
-                                            </p:txEl>
-                                          </p:spTgt>
-                                        </p:tgtEl>
-                                        <p:attrNameLst>
-                                          <p:attrName>style.visibility</p:attrName>
-                                        </p:attrNameLst>
-                                      </p:cBhvr>
-                                      <p:to>
-                                        <p:strVal val="visible"/>
-                                      </p:to>
-                                    </p:set>
-                                    <p:animEffect transition="in" filter="wipe(left)">
-                                      <p:cBhvr>
-                                        <p:cTn id="30" dur="1000"/>
-                                        <p:tgtEl>
-                                          <p:spTgt spid="2">
-                                            <p:txEl>
-                                              <p:pRg st="5" end="5"/>
-                                            </p:txEl>
-                                          </p:spTgt>
-                                        </p:tgtEl>
-                                      </p:cBhvr>
-                                    </p:animEffect>
-                                  </p:childTnLst>
-                                </p:cTn>
-                              </p:par>
-                            </p:childTnLst>
-                          </p:cTn>
-                        </p:par>
-                      </p:childTnLst>
-                    </p:cTn>
-                  </p:par>
-                </p:childTnLst>
-              </p:cTn>
-              <p:prevCondLst>
-                <p:cond evt="onPrev" delay="0">
-                  <p:tgtEl>
-                    <p:sldTgt/>
-                  </p:tgtEl>
-                </p:cond>
-              </p:prevCondLst>
-              <p:nextCondLst>
-                <p:cond evt="onNext" delay="0">
-                  <p:tgtEl>
-                    <p:sldTgt/>
-                  </p:tgtEl>
-                </p:cond>
-              </p:nextCondLst>
-            </p:seq>
-          </p:childTnLst>
-        </p:cTn>
+        <p:cTn id="1" dur="indefinite" restart="never" nodeType="tmRoot"/>
       </p:par>
     </p:tnLst>
-    <p:bldLst>
-      <p:bldP spid="2" grpId="0" uiExpand="1" build="p" bldLvl="2"/>
-    </p:bldLst>
   </p:timing>
 </p:sld>
 </file>
@@ -6884,59 +7030,67 @@
           <a:p>
             <a:r>
               <a:rPr lang="de-DE" dirty="0" smtClean="0"/>
-              <a:t>Reduktion der "</a:t>
+              <a:t>Im Laufe des Projektes 5 Umwelten modelliert</a:t>
+            </a:r>
+          </a:p>
+          <a:p>
+            <a:r>
+              <a:rPr lang="de-DE" dirty="0" smtClean="0"/>
+              <a:t>Erste Ansätze waren zu komplex</a:t>
+            </a:r>
+            <a:endParaRPr lang="de-DE" dirty="0"/>
+          </a:p>
+          <a:p>
+            <a:r>
+              <a:rPr lang="de-DE" dirty="0" smtClean="0"/>
+              <a:t>Reduktion der Sichten ohne Informationsverlust</a:t>
+            </a:r>
+          </a:p>
+        </p:txBody>
+      </p:sp>
+      <p:sp>
+        <p:nvSpPr>
+          <p:cNvPr id="3" name="Titel 2"/>
+          <p:cNvSpPr>
+            <a:spLocks noGrp="1"/>
+          </p:cNvSpPr>
+          <p:nvPr>
+            <p:ph type="title"/>
+          </p:nvPr>
+        </p:nvSpPr>
+        <p:spPr/>
+        <p:txBody>
+          <a:bodyPr/>
+          <a:lstStyle/>
+          <a:p>
+            <a:r>
+              <a:rPr lang="de-DE" dirty="0" smtClean="0"/>
+              <a:t>Team </a:t>
             </a:r>
             <a:r>
               <a:rPr lang="de-DE" dirty="0" err="1" smtClean="0"/>
-              <a:t>AttackEnvironment</a:t>
+              <a:t>Oli&amp;Viktor</a:t>
             </a:r>
             <a:r>
               <a:rPr lang="de-DE" dirty="0" smtClean="0"/>
-              <a:t>"</a:t>
-            </a:r>
-          </a:p>
-          <a:p>
+              <a:t>: </a:t>
+            </a:r>
             <a:r>
               <a:rPr lang="de-DE" dirty="0" smtClean="0"/>
-              <a:t>Vorher:</a:t>
-            </a:r>
-          </a:p>
-          <a:p>
-            <a:pPr lvl="1"/>
-            <a:r>
-              <a:rPr lang="de-DE" dirty="0" smtClean="0"/>
-              <a:t>899 Zustände * 109 Aktionen = 97.991 Q-Werte</a:t>
-            </a:r>
-          </a:p>
-          <a:p>
-            <a:r>
-              <a:rPr lang="de-DE" dirty="0" smtClean="0"/>
-              <a:t>Jetzt:</a:t>
-            </a:r>
-          </a:p>
-          <a:p>
-            <a:pPr lvl="1"/>
-            <a:r>
-              <a:rPr lang="de-DE" dirty="0" smtClean="0"/>
-              <a:t>120 Zustände * 63 Aktionen = 7.560 Q-Werte</a:t>
-            </a:r>
-          </a:p>
-          <a:p>
-            <a:r>
-              <a:rPr lang="de-DE" dirty="0" smtClean="0"/>
-              <a:t>Reduktion um mehr als 92%</a:t>
-            </a:r>
-          </a:p>
-        </p:txBody>
-      </p:sp>
-      <p:sp>
-        <p:nvSpPr>
-          <p:cNvPr id="3" name="Titel 2"/>
-          <p:cNvSpPr>
-            <a:spLocks noGrp="1"/>
-          </p:cNvSpPr>
-          <p:nvPr>
-            <p:ph type="title"/>
+              <a:t>Umwelten</a:t>
+            </a:r>
+            <a:endParaRPr lang="de-DE" dirty="0"/>
+          </a:p>
+        </p:txBody>
+      </p:sp>
+      <p:sp>
+        <p:nvSpPr>
+          <p:cNvPr id="6" name="Datumsplatzhalter 5"/>
+          <p:cNvSpPr>
+            <a:spLocks noGrp="1"/>
+          </p:cNvSpPr>
+          <p:nvPr>
+            <p:ph type="dt" sz="half" idx="10"/>
           </p:nvPr>
         </p:nvSpPr>
         <p:spPr/>
@@ -6944,32 +7098,10 @@
           <a:bodyPr/>
           <a:lstStyle/>
           <a:p>
-            <a:r>
+            <a:fld id="{9BB28FF6-9452-4BB3-8ED8-53EA02423FF0}" type="datetime1">
               <a:rPr lang="de-DE" smtClean="0"/>
-              <a:t>Team Oli&amp;Viktor: Umwelt</a:t>
-            </a:r>
-            <a:endParaRPr lang="de-DE" dirty="0"/>
-          </a:p>
-        </p:txBody>
-      </p:sp>
-      <p:sp>
-        <p:nvSpPr>
-          <p:cNvPr id="6" name="Datumsplatzhalter 5"/>
-          <p:cNvSpPr>
-            <a:spLocks noGrp="1"/>
-          </p:cNvSpPr>
-          <p:nvPr>
-            <p:ph type="dt" sz="half" idx="10"/>
-          </p:nvPr>
-        </p:nvSpPr>
-        <p:spPr/>
-        <p:txBody>
-          <a:bodyPr/>
-          <a:lstStyle/>
-          <a:p>
-            <a:fld id="{8FDC641A-4FED-4495-8D10-FDE3EE7551A2}" type="datetime1">
-              <a:rPr lang="de-DE" smtClean="0"/>
-              <a:t>22.06.2015</a:t>
+              <a:pPr/>
+              <a:t>29.06.2015</a:t>
             </a:fld>
             <a:endParaRPr lang="de-DE"/>
           </a:p>
@@ -7010,383 +7142,9 @@
   <p:timing>
     <p:tnLst>
       <p:par>
-        <p:cTn id="1" dur="indefinite" restart="never" nodeType="tmRoot">
-          <p:childTnLst>
-            <p:seq concurrent="1" nextAc="seek">
-              <p:cTn id="2" dur="indefinite" nodeType="mainSeq">
-                <p:childTnLst>
-                  <p:par>
-                    <p:cTn id="3" fill="hold">
-                      <p:stCondLst>
-                        <p:cond delay="indefinite"/>
-                      </p:stCondLst>
-                      <p:childTnLst>
-                        <p:par>
-                          <p:cTn id="4" fill="hold">
-                            <p:stCondLst>
-                              <p:cond delay="0"/>
-                            </p:stCondLst>
-                            <p:childTnLst>
-                              <p:par>
-                                <p:cTn id="5" presetID="22" presetClass="entr" presetSubtype="8" fill="hold" grpId="0" nodeType="clickEffect">
-                                  <p:stCondLst>
-                                    <p:cond delay="0"/>
-                                  </p:stCondLst>
-                                  <p:childTnLst>
-                                    <p:set>
-                                      <p:cBhvr>
-                                        <p:cTn id="6" dur="1" fill="hold">
-                                          <p:stCondLst>
-                                            <p:cond delay="0"/>
-                                          </p:stCondLst>
-                                        </p:cTn>
-                                        <p:tgtEl>
-                                          <p:spTgt spid="2">
-                                            <p:txEl>
-                                              <p:pRg st="0" end="0"/>
-                                            </p:txEl>
-                                          </p:spTgt>
-                                        </p:tgtEl>
-                                        <p:attrNameLst>
-                                          <p:attrName>style.visibility</p:attrName>
-                                        </p:attrNameLst>
-                                      </p:cBhvr>
-                                      <p:to>
-                                        <p:strVal val="visible"/>
-                                      </p:to>
-                                    </p:set>
-                                    <p:animEffect transition="in" filter="wipe(left)">
-                                      <p:cBhvr>
-                                        <p:cTn id="7" dur="1000"/>
-                                        <p:tgtEl>
-                                          <p:spTgt spid="2">
-                                            <p:txEl>
-                                              <p:pRg st="0" end="0"/>
-                                            </p:txEl>
-                                          </p:spTgt>
-                                        </p:tgtEl>
-                                      </p:cBhvr>
-                                    </p:animEffect>
-                                  </p:childTnLst>
-                                </p:cTn>
-                              </p:par>
-                            </p:childTnLst>
-                          </p:cTn>
-                        </p:par>
-                      </p:childTnLst>
-                    </p:cTn>
-                  </p:par>
-                  <p:par>
-                    <p:cTn id="8" fill="hold">
-                      <p:stCondLst>
-                        <p:cond delay="indefinite"/>
-                      </p:stCondLst>
-                      <p:childTnLst>
-                        <p:par>
-                          <p:cTn id="9" fill="hold">
-                            <p:stCondLst>
-                              <p:cond delay="0"/>
-                            </p:stCondLst>
-                            <p:childTnLst>
-                              <p:par>
-                                <p:cTn id="10" presetID="22" presetClass="entr" presetSubtype="8" fill="hold" grpId="0" nodeType="clickEffect">
-                                  <p:stCondLst>
-                                    <p:cond delay="0"/>
-                                  </p:stCondLst>
-                                  <p:childTnLst>
-                                    <p:set>
-                                      <p:cBhvr>
-                                        <p:cTn id="11" dur="1" fill="hold">
-                                          <p:stCondLst>
-                                            <p:cond delay="0"/>
-                                          </p:stCondLst>
-                                        </p:cTn>
-                                        <p:tgtEl>
-                                          <p:spTgt spid="2">
-                                            <p:txEl>
-                                              <p:pRg st="1" end="1"/>
-                                            </p:txEl>
-                                          </p:spTgt>
-                                        </p:tgtEl>
-                                        <p:attrNameLst>
-                                          <p:attrName>style.visibility</p:attrName>
-                                        </p:attrNameLst>
-                                      </p:cBhvr>
-                                      <p:to>
-                                        <p:strVal val="visible"/>
-                                      </p:to>
-                                    </p:set>
-                                    <p:animEffect transition="in" filter="wipe(left)">
-                                      <p:cBhvr>
-                                        <p:cTn id="12" dur="500"/>
-                                        <p:tgtEl>
-                                          <p:spTgt spid="2">
-                                            <p:txEl>
-                                              <p:pRg st="1" end="1"/>
-                                            </p:txEl>
-                                          </p:spTgt>
-                                        </p:tgtEl>
-                                      </p:cBhvr>
-                                    </p:animEffect>
-                                  </p:childTnLst>
-                                </p:cTn>
-                              </p:par>
-                            </p:childTnLst>
-                          </p:cTn>
-                        </p:par>
-                        <p:par>
-                          <p:cTn id="13" fill="hold">
-                            <p:stCondLst>
-                              <p:cond delay="500"/>
-                            </p:stCondLst>
-                            <p:childTnLst>
-                              <p:par>
-                                <p:cTn id="14" presetID="22" presetClass="entr" presetSubtype="8" fill="hold" grpId="0" nodeType="afterEffect">
-                                  <p:stCondLst>
-                                    <p:cond delay="0"/>
-                                  </p:stCondLst>
-                                  <p:childTnLst>
-                                    <p:set>
-                                      <p:cBhvr>
-                                        <p:cTn id="15" dur="1" fill="hold">
-                                          <p:stCondLst>
-                                            <p:cond delay="0"/>
-                                          </p:stCondLst>
-                                        </p:cTn>
-                                        <p:tgtEl>
-                                          <p:spTgt spid="2">
-                                            <p:txEl>
-                                              <p:pRg st="2" end="2"/>
-                                            </p:txEl>
-                                          </p:spTgt>
-                                        </p:tgtEl>
-                                        <p:attrNameLst>
-                                          <p:attrName>style.visibility</p:attrName>
-                                        </p:attrNameLst>
-                                      </p:cBhvr>
-                                      <p:to>
-                                        <p:strVal val="visible"/>
-                                      </p:to>
-                                    </p:set>
-                                    <p:animEffect transition="in" filter="wipe(left)">
-                                      <p:cBhvr>
-                                        <p:cTn id="16" dur="2000"/>
-                                        <p:tgtEl>
-                                          <p:spTgt spid="2">
-                                            <p:txEl>
-                                              <p:pRg st="2" end="2"/>
-                                            </p:txEl>
-                                          </p:spTgt>
-                                        </p:tgtEl>
-                                      </p:cBhvr>
-                                    </p:animEffect>
-                                  </p:childTnLst>
-                                </p:cTn>
-                              </p:par>
-                            </p:childTnLst>
-                          </p:cTn>
-                        </p:par>
-                      </p:childTnLst>
-                    </p:cTn>
-                  </p:par>
-                  <p:par>
-                    <p:cTn id="17" fill="hold">
-                      <p:stCondLst>
-                        <p:cond delay="indefinite"/>
-                      </p:stCondLst>
-                      <p:childTnLst>
-                        <p:par>
-                          <p:cTn id="18" fill="hold">
-                            <p:stCondLst>
-                              <p:cond delay="0"/>
-                            </p:stCondLst>
-                            <p:childTnLst>
-                              <p:par>
-                                <p:cTn id="19" presetID="22" presetClass="entr" presetSubtype="8" fill="hold" grpId="0" nodeType="clickEffect">
-                                  <p:stCondLst>
-                                    <p:cond delay="0"/>
-                                  </p:stCondLst>
-                                  <p:childTnLst>
-                                    <p:set>
-                                      <p:cBhvr>
-                                        <p:cTn id="20" dur="1" fill="hold">
-                                          <p:stCondLst>
-                                            <p:cond delay="0"/>
-                                          </p:stCondLst>
-                                        </p:cTn>
-                                        <p:tgtEl>
-                                          <p:spTgt spid="2">
-                                            <p:txEl>
-                                              <p:pRg st="3" end="3"/>
-                                            </p:txEl>
-                                          </p:spTgt>
-                                        </p:tgtEl>
-                                        <p:attrNameLst>
-                                          <p:attrName>style.visibility</p:attrName>
-                                        </p:attrNameLst>
-                                      </p:cBhvr>
-                                      <p:to>
-                                        <p:strVal val="visible"/>
-                                      </p:to>
-                                    </p:set>
-                                    <p:animEffect transition="in" filter="wipe(left)">
-                                      <p:cBhvr>
-                                        <p:cTn id="21" dur="500"/>
-                                        <p:tgtEl>
-                                          <p:spTgt spid="2">
-                                            <p:txEl>
-                                              <p:pRg st="3" end="3"/>
-                                            </p:txEl>
-                                          </p:spTgt>
-                                        </p:tgtEl>
-                                      </p:cBhvr>
-                                    </p:animEffect>
-                                  </p:childTnLst>
-                                </p:cTn>
-                              </p:par>
-                            </p:childTnLst>
-                          </p:cTn>
-                        </p:par>
-                        <p:par>
-                          <p:cTn id="22" fill="hold">
-                            <p:stCondLst>
-                              <p:cond delay="500"/>
-                            </p:stCondLst>
-                            <p:childTnLst>
-                              <p:par>
-                                <p:cTn id="23" presetID="22" presetClass="entr" presetSubtype="8" fill="hold" grpId="0" nodeType="afterEffect">
-                                  <p:stCondLst>
-                                    <p:cond delay="0"/>
-                                  </p:stCondLst>
-                                  <p:childTnLst>
-                                    <p:set>
-                                      <p:cBhvr>
-                                        <p:cTn id="24" dur="1" fill="hold">
-                                          <p:stCondLst>
-                                            <p:cond delay="0"/>
-                                          </p:stCondLst>
-                                        </p:cTn>
-                                        <p:tgtEl>
-                                          <p:spTgt spid="2">
-                                            <p:txEl>
-                                              <p:pRg st="4" end="4"/>
-                                            </p:txEl>
-                                          </p:spTgt>
-                                        </p:tgtEl>
-                                        <p:attrNameLst>
-                                          <p:attrName>style.visibility</p:attrName>
-                                        </p:attrNameLst>
-                                      </p:cBhvr>
-                                      <p:to>
-                                        <p:strVal val="visible"/>
-                                      </p:to>
-                                    </p:set>
-                                    <p:animEffect transition="in" filter="wipe(left)">
-                                      <p:cBhvr>
-                                        <p:cTn id="25" dur="2000"/>
-                                        <p:tgtEl>
-                                          <p:spTgt spid="2">
-                                            <p:txEl>
-                                              <p:pRg st="4" end="4"/>
-                                            </p:txEl>
-                                          </p:spTgt>
-                                        </p:tgtEl>
-                                      </p:cBhvr>
-                                    </p:animEffect>
-                                  </p:childTnLst>
-                                </p:cTn>
-                              </p:par>
-                            </p:childTnLst>
-                          </p:cTn>
-                        </p:par>
-                      </p:childTnLst>
-                    </p:cTn>
-                  </p:par>
-                  <p:par>
-                    <p:cTn id="26" fill="hold">
-                      <p:stCondLst>
-                        <p:cond delay="indefinite"/>
-                      </p:stCondLst>
-                      <p:childTnLst>
-                        <p:par>
-                          <p:cTn id="27" fill="hold">
-                            <p:stCondLst>
-                              <p:cond delay="0"/>
-                            </p:stCondLst>
-                            <p:childTnLst>
-                              <p:par>
-                                <p:cTn id="28" presetID="22" presetClass="entr" presetSubtype="8" fill="hold" grpId="0" nodeType="clickEffect">
-                                  <p:stCondLst>
-                                    <p:cond delay="0"/>
-                                  </p:stCondLst>
-                                  <p:childTnLst>
-                                    <p:set>
-                                      <p:cBhvr>
-                                        <p:cTn id="29" dur="1" fill="hold">
-                                          <p:stCondLst>
-                                            <p:cond delay="0"/>
-                                          </p:stCondLst>
-                                        </p:cTn>
-                                        <p:tgtEl>
-                                          <p:spTgt spid="2">
-                                            <p:txEl>
-                                              <p:pRg st="5" end="5"/>
-                                            </p:txEl>
-                                          </p:spTgt>
-                                        </p:tgtEl>
-                                        <p:attrNameLst>
-                                          <p:attrName>style.visibility</p:attrName>
-                                        </p:attrNameLst>
-                                      </p:cBhvr>
-                                      <p:to>
-                                        <p:strVal val="visible"/>
-                                      </p:to>
-                                    </p:set>
-                                    <p:animEffect transition="in" filter="wipe(left)">
-                                      <p:cBhvr>
-                                        <p:cTn id="30" dur="1000"/>
-                                        <p:tgtEl>
-                                          <p:spTgt spid="2">
-                                            <p:txEl>
-                                              <p:pRg st="5" end="5"/>
-                                            </p:txEl>
-                                          </p:spTgt>
-                                        </p:tgtEl>
-                                      </p:cBhvr>
-                                    </p:animEffect>
-                                  </p:childTnLst>
-                                </p:cTn>
-                              </p:par>
-                            </p:childTnLst>
-                          </p:cTn>
-                        </p:par>
-                      </p:childTnLst>
-                    </p:cTn>
-                  </p:par>
-                </p:childTnLst>
-              </p:cTn>
-              <p:prevCondLst>
-                <p:cond evt="onPrev" delay="0">
-                  <p:tgtEl>
-                    <p:sldTgt/>
-                  </p:tgtEl>
-                </p:cond>
-              </p:prevCondLst>
-              <p:nextCondLst>
-                <p:cond evt="onNext" delay="0">
-                  <p:tgtEl>
-                    <p:sldTgt/>
-                  </p:tgtEl>
-                </p:cond>
-              </p:nextCondLst>
-            </p:seq>
-          </p:childTnLst>
-        </p:cTn>
+        <p:cTn id="1" dur="indefinite" restart="never" nodeType="tmRoot"/>
       </p:par>
     </p:tnLst>
-    <p:bldLst>
-      <p:bldP spid="2" grpId="0" uiExpand="1" build="p"/>
-    </p:bldLst>
   </p:timing>
 </p:sld>
 </file>
@@ -7425,49 +7183,36 @@
           <a:p>
             <a:r>
               <a:rPr lang="de-DE" dirty="0" smtClean="0"/>
-              <a:t>Anfangs Algorithmus falsch verstanden</a:t>
-            </a:r>
-          </a:p>
-          <a:p>
+              <a:t>Beste Umwelt "</a:t>
+            </a:r>
+            <a:r>
+              <a:rPr lang="de-DE" dirty="0" err="1" smtClean="0"/>
+              <a:t>WaveSurfEnvironment</a:t>
+            </a:r>
             <a:r>
               <a:rPr lang="de-DE" dirty="0" smtClean="0"/>
-              <a:t>Richtiger SARSA-Lambda Algorithmus:</a:t>
+              <a:t>"</a:t>
             </a:r>
           </a:p>
           <a:p>
             <a:pPr lvl="1"/>
             <a:r>
               <a:rPr lang="de-DE" dirty="0" smtClean="0"/>
-              <a:t>Sehr unübersichtlich </a:t>
-            </a:r>
-            <a:r>
-              <a:rPr lang="de-DE" dirty="0" smtClean="0">
-                <a:sym typeface="Symbol"/>
-              </a:rPr>
-              <a:t></a:t>
-            </a:r>
+              <a:t>360 Umweltzustände</a:t>
+            </a:r>
+          </a:p>
+          <a:p>
+            <a:pPr lvl="1"/>
             <a:r>
               <a:rPr lang="de-DE" dirty="0" smtClean="0"/>
-              <a:t> schwierigere Fehlersuche</a:t>
-            </a:r>
-          </a:p>
-          <a:p>
-            <a:pPr lvl="1"/>
+              <a:t>7 Aktionsmöglichkeiten für Agenten</a:t>
+            </a:r>
+          </a:p>
+          <a:p>
             <a:r>
               <a:rPr lang="de-DE" dirty="0" smtClean="0"/>
-              <a:t>Anfangs unendlich hohe Werte</a:t>
-            </a:r>
-          </a:p>
-          <a:p>
-            <a:pPr lvl="1"/>
-            <a:r>
-              <a:rPr lang="de-DE" dirty="0" smtClean="0"/>
-              <a:t>Einige Aktionen, wie z.B. gegen die Wand fahren nicht richtig gelernt</a:t>
-            </a:r>
-          </a:p>
-          <a:p>
-            <a:pPr lvl="1"/>
-            <a:endParaRPr lang="de-DE" dirty="0" smtClean="0"/>
+              <a:t>7 * 360 = 2520 Werte-Paare</a:t>
+            </a:r>
           </a:p>
         </p:txBody>
       </p:sp>
@@ -7483,7 +7228,9 @@
         </p:nvSpPr>
         <p:spPr/>
         <p:txBody>
-          <a:bodyPr/>
+          <a:bodyPr>
+            <a:normAutofit/>
+          </a:bodyPr>
           <a:lstStyle/>
           <a:p>
             <a:r>
@@ -7496,7 +7243,11 @@
             </a:r>
             <a:r>
               <a:rPr lang="de-DE" dirty="0" smtClean="0"/>
-              <a:t>: Lernen</a:t>
+              <a:t>: </a:t>
+            </a:r>
+            <a:r>
+              <a:rPr lang="de-DE" dirty="0" smtClean="0"/>
+              <a:t>Move-Umwelt</a:t>
             </a:r>
             <a:endParaRPr lang="de-DE" dirty="0"/>
           </a:p>
@@ -7517,9 +7268,10 @@
           <a:bodyPr/>
           <a:lstStyle/>
           <a:p>
-            <a:fld id="{0F320677-313E-4F5B-8226-35FDD51504B0}" type="datetime1">
+            <a:fld id="{9BB28FF6-9452-4BB3-8ED8-53EA02423FF0}" type="datetime1">
               <a:rPr lang="de-DE" smtClean="0"/>
-              <a:t>22.06.2015</a:t>
+              <a:pPr/>
+              <a:t>29.06.2015</a:t>
             </a:fld>
             <a:endParaRPr lang="de-DE"/>
           </a:p>
@@ -7560,331 +7312,9 @@
   <p:timing>
     <p:tnLst>
       <p:par>
-        <p:cTn id="1" dur="indefinite" restart="never" nodeType="tmRoot">
-          <p:childTnLst>
-            <p:seq concurrent="1" nextAc="seek">
-              <p:cTn id="2" dur="indefinite" nodeType="mainSeq">
-                <p:childTnLst>
-                  <p:par>
-                    <p:cTn id="3" fill="hold">
-                      <p:stCondLst>
-                        <p:cond delay="indefinite"/>
-                      </p:stCondLst>
-                      <p:childTnLst>
-                        <p:par>
-                          <p:cTn id="4" fill="hold">
-                            <p:stCondLst>
-                              <p:cond delay="0"/>
-                            </p:stCondLst>
-                            <p:childTnLst>
-                              <p:par>
-                                <p:cTn id="5" presetID="22" presetClass="entr" presetSubtype="8" fill="hold" grpId="0" nodeType="clickEffect">
-                                  <p:stCondLst>
-                                    <p:cond delay="0"/>
-                                  </p:stCondLst>
-                                  <p:childTnLst>
-                                    <p:set>
-                                      <p:cBhvr>
-                                        <p:cTn id="6" dur="1" fill="hold">
-                                          <p:stCondLst>
-                                            <p:cond delay="0"/>
-                                          </p:stCondLst>
-                                        </p:cTn>
-                                        <p:tgtEl>
-                                          <p:spTgt spid="2">
-                                            <p:txEl>
-                                              <p:pRg st="0" end="0"/>
-                                            </p:txEl>
-                                          </p:spTgt>
-                                        </p:tgtEl>
-                                        <p:attrNameLst>
-                                          <p:attrName>style.visibility</p:attrName>
-                                        </p:attrNameLst>
-                                      </p:cBhvr>
-                                      <p:to>
-                                        <p:strVal val="visible"/>
-                                      </p:to>
-                                    </p:set>
-                                    <p:animEffect transition="in" filter="wipe(left)">
-                                      <p:cBhvr>
-                                        <p:cTn id="7" dur="1000"/>
-                                        <p:tgtEl>
-                                          <p:spTgt spid="2">
-                                            <p:txEl>
-                                              <p:pRg st="0" end="0"/>
-                                            </p:txEl>
-                                          </p:spTgt>
-                                        </p:tgtEl>
-                                      </p:cBhvr>
-                                    </p:animEffect>
-                                  </p:childTnLst>
-                                </p:cTn>
-                              </p:par>
-                            </p:childTnLst>
-                          </p:cTn>
-                        </p:par>
-                      </p:childTnLst>
-                    </p:cTn>
-                  </p:par>
-                  <p:par>
-                    <p:cTn id="8" fill="hold">
-                      <p:stCondLst>
-                        <p:cond delay="indefinite"/>
-                      </p:stCondLst>
-                      <p:childTnLst>
-                        <p:par>
-                          <p:cTn id="9" fill="hold">
-                            <p:stCondLst>
-                              <p:cond delay="0"/>
-                            </p:stCondLst>
-                            <p:childTnLst>
-                              <p:par>
-                                <p:cTn id="10" presetID="22" presetClass="entr" presetSubtype="8" fill="hold" grpId="0" nodeType="clickEffect">
-                                  <p:stCondLst>
-                                    <p:cond delay="0"/>
-                                  </p:stCondLst>
-                                  <p:childTnLst>
-                                    <p:set>
-                                      <p:cBhvr>
-                                        <p:cTn id="11" dur="1" fill="hold">
-                                          <p:stCondLst>
-                                            <p:cond delay="0"/>
-                                          </p:stCondLst>
-                                        </p:cTn>
-                                        <p:tgtEl>
-                                          <p:spTgt spid="2">
-                                            <p:txEl>
-                                              <p:pRg st="1" end="1"/>
-                                            </p:txEl>
-                                          </p:spTgt>
-                                        </p:tgtEl>
-                                        <p:attrNameLst>
-                                          <p:attrName>style.visibility</p:attrName>
-                                        </p:attrNameLst>
-                                      </p:cBhvr>
-                                      <p:to>
-                                        <p:strVal val="visible"/>
-                                      </p:to>
-                                    </p:set>
-                                    <p:animEffect transition="in" filter="wipe(left)">
-                                      <p:cBhvr>
-                                        <p:cTn id="12" dur="1000"/>
-                                        <p:tgtEl>
-                                          <p:spTgt spid="2">
-                                            <p:txEl>
-                                              <p:pRg st="1" end="1"/>
-                                            </p:txEl>
-                                          </p:spTgt>
-                                        </p:tgtEl>
-                                      </p:cBhvr>
-                                    </p:animEffect>
-                                  </p:childTnLst>
-                                </p:cTn>
-                              </p:par>
-                            </p:childTnLst>
-                          </p:cTn>
-                        </p:par>
-                        <p:par>
-                          <p:cTn id="13" fill="hold">
-                            <p:stCondLst>
-                              <p:cond delay="1000"/>
-                            </p:stCondLst>
-                            <p:childTnLst>
-                              <p:par>
-                                <p:cTn id="14" presetID="22" presetClass="entr" presetSubtype="8" fill="hold" grpId="0" nodeType="afterEffect">
-                                  <p:stCondLst>
-                                    <p:cond delay="0"/>
-                                  </p:stCondLst>
-                                  <p:childTnLst>
-                                    <p:set>
-                                      <p:cBhvr>
-                                        <p:cTn id="15" dur="1" fill="hold">
-                                          <p:stCondLst>
-                                            <p:cond delay="0"/>
-                                          </p:stCondLst>
-                                        </p:cTn>
-                                        <p:tgtEl>
-                                          <p:spTgt spid="2">
-                                            <p:txEl>
-                                              <p:pRg st="2" end="2"/>
-                                            </p:txEl>
-                                          </p:spTgt>
-                                        </p:tgtEl>
-                                        <p:attrNameLst>
-                                          <p:attrName>style.visibility</p:attrName>
-                                        </p:attrNameLst>
-                                      </p:cBhvr>
-                                      <p:to>
-                                        <p:strVal val="visible"/>
-                                      </p:to>
-                                    </p:set>
-                                    <p:animEffect transition="in" filter="wipe(left)">
-                                      <p:cBhvr>
-                                        <p:cTn id="16" dur="1000"/>
-                                        <p:tgtEl>
-                                          <p:spTgt spid="2">
-                                            <p:txEl>
-                                              <p:pRg st="2" end="2"/>
-                                            </p:txEl>
-                                          </p:spTgt>
-                                        </p:tgtEl>
-                                      </p:cBhvr>
-                                    </p:animEffect>
-                                  </p:childTnLst>
-                                </p:cTn>
-                              </p:par>
-                            </p:childTnLst>
-                          </p:cTn>
-                        </p:par>
-                      </p:childTnLst>
-                    </p:cTn>
-                  </p:par>
-                  <p:par>
-                    <p:cTn id="17" fill="hold">
-                      <p:stCondLst>
-                        <p:cond delay="indefinite"/>
-                      </p:stCondLst>
-                      <p:childTnLst>
-                        <p:par>
-                          <p:cTn id="18" fill="hold">
-                            <p:stCondLst>
-                              <p:cond delay="0"/>
-                            </p:stCondLst>
-                            <p:childTnLst>
-                              <p:par>
-                                <p:cTn id="19" presetID="22" presetClass="entr" presetSubtype="8" fill="hold" grpId="0" nodeType="clickEffect">
-                                  <p:stCondLst>
-                                    <p:cond delay="0"/>
-                                  </p:stCondLst>
-                                  <p:childTnLst>
-                                    <p:set>
-                                      <p:cBhvr>
-                                        <p:cTn id="20" dur="1" fill="hold">
-                                          <p:stCondLst>
-                                            <p:cond delay="0"/>
-                                          </p:stCondLst>
-                                        </p:cTn>
-                                        <p:tgtEl>
-                                          <p:spTgt spid="2">
-                                            <p:txEl>
-                                              <p:pRg st="3" end="3"/>
-                                            </p:txEl>
-                                          </p:spTgt>
-                                        </p:tgtEl>
-                                        <p:attrNameLst>
-                                          <p:attrName>style.visibility</p:attrName>
-                                        </p:attrNameLst>
-                                      </p:cBhvr>
-                                      <p:to>
-                                        <p:strVal val="visible"/>
-                                      </p:to>
-                                    </p:set>
-                                    <p:animEffect transition="in" filter="wipe(left)">
-                                      <p:cBhvr>
-                                        <p:cTn id="21" dur="1000"/>
-                                        <p:tgtEl>
-                                          <p:spTgt spid="2">
-                                            <p:txEl>
-                                              <p:pRg st="3" end="3"/>
-                                            </p:txEl>
-                                          </p:spTgt>
-                                        </p:tgtEl>
-                                      </p:cBhvr>
-                                    </p:animEffect>
-                                  </p:childTnLst>
-                                </p:cTn>
-                              </p:par>
-                            </p:childTnLst>
-                          </p:cTn>
-                        </p:par>
-                      </p:childTnLst>
-                    </p:cTn>
-                  </p:par>
-                  <p:par>
-                    <p:cTn id="22" fill="hold">
-                      <p:stCondLst>
-                        <p:cond delay="indefinite"/>
-                      </p:stCondLst>
-                      <p:childTnLst>
-                        <p:par>
-                          <p:cTn id="23" fill="hold">
-                            <p:stCondLst>
-                              <p:cond delay="0"/>
-                            </p:stCondLst>
-                            <p:childTnLst>
-                              <p:par>
-                                <p:cTn id="24" presetID="22" presetClass="entr" presetSubtype="8" fill="hold" grpId="0" nodeType="clickEffect">
-                                  <p:stCondLst>
-                                    <p:cond delay="0"/>
-                                  </p:stCondLst>
-                                  <p:childTnLst>
-                                    <p:set>
-                                      <p:cBhvr>
-                                        <p:cTn id="25" dur="1" fill="hold">
-                                          <p:stCondLst>
-                                            <p:cond delay="0"/>
-                                          </p:stCondLst>
-                                        </p:cTn>
-                                        <p:tgtEl>
-                                          <p:spTgt spid="2">
-                                            <p:txEl>
-                                              <p:pRg st="4" end="4"/>
-                                            </p:txEl>
-                                          </p:spTgt>
-                                        </p:tgtEl>
-                                        <p:attrNameLst>
-                                          <p:attrName>style.visibility</p:attrName>
-                                        </p:attrNameLst>
-                                      </p:cBhvr>
-                                      <p:to>
-                                        <p:strVal val="visible"/>
-                                      </p:to>
-                                    </p:set>
-                                    <p:animEffect transition="in" filter="wipe(left)">
-                                      <p:cBhvr>
-                                        <p:cTn id="26" dur="1000"/>
-                                        <p:tgtEl>
-                                          <p:spTgt spid="2">
-                                            <p:txEl>
-                                              <p:pRg st="4" end="4"/>
-                                            </p:txEl>
-                                          </p:spTgt>
-                                        </p:tgtEl>
-                                      </p:cBhvr>
-                                    </p:animEffect>
-                                  </p:childTnLst>
-                                </p:cTn>
-                              </p:par>
-                            </p:childTnLst>
-                          </p:cTn>
-                        </p:par>
-                      </p:childTnLst>
-                    </p:cTn>
-                  </p:par>
-                </p:childTnLst>
-              </p:cTn>
-              <p:prevCondLst>
-                <p:cond evt="onPrev" delay="0">
-                  <p:tgtEl>
-                    <p:sldTgt/>
-                  </p:tgtEl>
-                </p:cond>
-              </p:prevCondLst>
-              <p:nextCondLst>
-                <p:cond evt="onNext" delay="0">
-                  <p:tgtEl>
-                    <p:sldTgt/>
-                  </p:tgtEl>
-                </p:cond>
-              </p:nextCondLst>
-            </p:seq>
-          </p:childTnLst>
-        </p:cTn>
+        <p:cTn id="1" dur="indefinite" restart="never" nodeType="tmRoot"/>
       </p:par>
     </p:tnLst>
-    <p:bldLst>
-      <p:bldP spid="2" grpId="0" uiExpand="1" build="p"/>
-    </p:bldLst>
   </p:timing>
 </p:sld>
 </file>
@@ -7908,12 +7338,12 @@
       </p:grpSpPr>
       <p:sp>
         <p:nvSpPr>
-          <p:cNvPr id="2" name="Inhaltsplatzhalter 1"/>
-          <p:cNvSpPr>
-            <a:spLocks noGrp="1"/>
-          </p:cNvSpPr>
-          <p:nvPr>
-            <p:ph idx="1"/>
+          <p:cNvPr id="3" name="Datumsplatzhalter 2"/>
+          <p:cNvSpPr>
+            <a:spLocks noGrp="1"/>
+          </p:cNvSpPr>
+          <p:nvPr>
+            <p:ph type="dt" sz="half" idx="10"/>
           </p:nvPr>
         </p:nvSpPr>
         <p:spPr/>
@@ -7921,108 +7351,10 @@
           <a:bodyPr/>
           <a:lstStyle/>
           <a:p>
-            <a:r>
-              <a:rPr lang="de-DE" dirty="0"/>
-              <a:t>Position des Gegners verbessert </a:t>
-            </a:r>
-            <a:r>
-              <a:rPr lang="de-DE" dirty="0" smtClean="0"/>
-              <a:t>Strategie</a:t>
-            </a:r>
-          </a:p>
-          <a:p>
-            <a:r>
-              <a:rPr lang="de-DE" dirty="0" smtClean="0"/>
-              <a:t>Bereits nach wenigen Hundert Runden ist eine</a:t>
-            </a:r>
-          </a:p>
-          <a:p>
-            <a:pPr>
-              <a:lnSpc>
-                <a:spcPct val="100000"/>
-              </a:lnSpc>
-              <a:buNone/>
-            </a:pPr>
-            <a:r>
-              <a:rPr lang="de-DE" dirty="0"/>
-              <a:t>	</a:t>
-            </a:r>
-            <a:r>
-              <a:rPr lang="de-DE" dirty="0" smtClean="0"/>
-              <a:t>Strategie erkennbar</a:t>
-            </a:r>
-          </a:p>
-          <a:p>
-            <a:r>
-              <a:rPr lang="de-DE" dirty="0" smtClean="0"/>
-              <a:t>Sehr gut zu sehen gegen "</a:t>
-            </a:r>
-            <a:r>
-              <a:rPr lang="de-DE" dirty="0" err="1" smtClean="0"/>
-              <a:t>RamFire</a:t>
-            </a:r>
-            <a:r>
-              <a:rPr lang="de-DE" dirty="0" smtClean="0"/>
-              <a:t>"</a:t>
-            </a:r>
-            <a:endParaRPr lang="de-DE" dirty="0"/>
-          </a:p>
-          <a:p>
-            <a:endParaRPr lang="de-DE" dirty="0"/>
-          </a:p>
-        </p:txBody>
-      </p:sp>
-      <p:sp>
-        <p:nvSpPr>
-          <p:cNvPr id="3" name="Titel 2"/>
-          <p:cNvSpPr>
-            <a:spLocks noGrp="1"/>
-          </p:cNvSpPr>
-          <p:nvPr>
-            <p:ph type="title"/>
-          </p:nvPr>
-        </p:nvSpPr>
-        <p:spPr/>
-        <p:txBody>
-          <a:bodyPr>
-            <a:normAutofit/>
-          </a:bodyPr>
-          <a:lstStyle/>
-          <a:p>
-            <a:r>
-              <a:rPr lang="de-DE" dirty="0" smtClean="0"/>
-              <a:t>Team </a:t>
-            </a:r>
-            <a:r>
-              <a:rPr lang="de-DE" dirty="0" err="1" smtClean="0"/>
-              <a:t>Oli&amp;Viktor</a:t>
-            </a:r>
-            <a:r>
-              <a:rPr lang="de-DE" dirty="0" smtClean="0"/>
-              <a:t>: Lernen</a:t>
-            </a:r>
-            <a:endParaRPr lang="de-DE" dirty="0"/>
-          </a:p>
-        </p:txBody>
-      </p:sp>
-      <p:sp>
-        <p:nvSpPr>
-          <p:cNvPr id="6" name="Datumsplatzhalter 5"/>
-          <p:cNvSpPr>
-            <a:spLocks noGrp="1"/>
-          </p:cNvSpPr>
-          <p:nvPr>
-            <p:ph type="dt" sz="half" idx="10"/>
-          </p:nvPr>
-        </p:nvSpPr>
-        <p:spPr/>
-        <p:txBody>
-          <a:bodyPr/>
-          <a:lstStyle/>
-          <a:p>
-            <a:fld id="{39F4B088-B3E2-4015-A4FE-0E9D32190ABF}" type="datetime1">
+            <a:fld id="{90B91035-B6B6-4B64-ACF0-D04FB96E551B}" type="datetime1">
               <a:rPr lang="de-DE" smtClean="0"/>
-              <a:t>22.06.2015</a:t>
+              <a:pPr/>
+              <a:t>29.06.2015</a:t>
             </a:fld>
             <a:endParaRPr lang="de-DE"/>
           </a:p>
@@ -8030,7 +7362,7 @@
       </p:sp>
       <p:sp>
         <p:nvSpPr>
-          <p:cNvPr id="7" name="Foliennummernplatzhalter 6"/>
+          <p:cNvPr id="4" name="Foliennummernplatzhalter 3"/>
           <p:cNvSpPr>
             <a:spLocks noGrp="1"/>
           </p:cNvSpPr>
@@ -8052,6 +7384,66 @@
           </a:p>
         </p:txBody>
       </p:sp>
+      <p:sp>
+        <p:nvSpPr>
+          <p:cNvPr id="5" name="Titel 4"/>
+          <p:cNvSpPr>
+            <a:spLocks noGrp="1"/>
+          </p:cNvSpPr>
+          <p:nvPr>
+            <p:ph type="title"/>
+          </p:nvPr>
+        </p:nvSpPr>
+        <p:spPr/>
+        <p:txBody>
+          <a:bodyPr/>
+          <a:lstStyle/>
+          <a:p>
+            <a:r>
+              <a:rPr lang="de-DE" dirty="0" smtClean="0"/>
+              <a:t>Team </a:t>
+            </a:r>
+            <a:r>
+              <a:rPr lang="de-DE" dirty="0" err="1" smtClean="0"/>
+              <a:t>Oli&amp;Viktor</a:t>
+            </a:r>
+            <a:r>
+              <a:rPr lang="de-DE" dirty="0" smtClean="0"/>
+              <a:t>: Move-Umwelt</a:t>
+            </a:r>
+            <a:endParaRPr lang="de-DE" dirty="0"/>
+          </a:p>
+        </p:txBody>
+      </p:sp>
+      <p:pic>
+        <p:nvPicPr>
+          <p:cNvPr id="6" name="OV_MoveEnv.mp4">
+            <a:hlinkClick r:id="" action="ppaction://media"/>
+          </p:cNvPr>
+          <p:cNvPicPr>
+            <a:picLocks noGrp="1" noRot="1" noChangeAspect="1"/>
+          </p:cNvPicPr>
+          <p:nvPr>
+            <p:ph idx="1"/>
+            <a:videoFile r:link="rId1"/>
+          </p:nvPr>
+        </p:nvPicPr>
+        <p:blipFill>
+          <a:blip r:embed="rId3" cstate="print"/>
+          <a:stretch>
+            <a:fillRect/>
+          </a:stretch>
+        </p:blipFill>
+        <p:spPr>
+          <a:xfrm>
+            <a:off x="1187624" y="1313055"/>
+            <a:ext cx="6768752" cy="5076564"/>
+          </a:xfrm>
+          <a:prstGeom prst="rect">
+            <a:avLst/>
+          </a:prstGeom>
+        </p:spPr>
+      </p:pic>
     </p:spTree>
   </p:cSld>
   <p:clrMapOvr>
@@ -8066,12 +7458,22 @@
         <p:cTn id="1" dur="indefinite" restart="never" nodeType="tmRoot">
           <p:childTnLst>
             <p:seq concurrent="1" nextAc="seek">
-              <p:cTn id="2" dur="indefinite" nodeType="mainSeq">
+              <p:cTn id="2" restart="whenNotActive" fill="hold" evtFilter="cancelBubble" nodeType="interactiveSeq">
+                <p:stCondLst>
+                  <p:cond evt="onClick" delay="0">
+                    <p:tgtEl>
+                      <p:spTgt spid="6"/>
+                    </p:tgtEl>
+                  </p:cond>
+                </p:stCondLst>
+                <p:endSync evt="end" delay="0">
+                  <p:rtn val="all"/>
+                </p:endSync>
                 <p:childTnLst>
                   <p:par>
                     <p:cTn id="3" fill="hold">
                       <p:stCondLst>
-                        <p:cond delay="indefinite"/>
+                        <p:cond delay="0"/>
                       </p:stCondLst>
                       <p:childTnLst>
                         <p:par>
@@ -8081,219 +7483,19 @@
                             </p:stCondLst>
                             <p:childTnLst>
                               <p:par>
-                                <p:cTn id="5" presetID="22" presetClass="entr" presetSubtype="8" fill="hold" grpId="0" nodeType="clickEffect">
+                                <p:cTn id="5" presetID="2" presetClass="mediacall" presetSubtype="0" fill="hold" nodeType="clickEffect">
                                   <p:stCondLst>
                                     <p:cond delay="0"/>
                                   </p:stCondLst>
                                   <p:childTnLst>
-                                    <p:set>
+                                    <p:cmd type="call" cmd="togglePause">
                                       <p:cBhvr>
-                                        <p:cTn id="6" dur="1" fill="hold">
-                                          <p:stCondLst>
-                                            <p:cond delay="0"/>
-                                          </p:stCondLst>
-                                        </p:cTn>
+                                        <p:cTn id="6" dur="1" fill="hold"/>
                                         <p:tgtEl>
-                                          <p:spTgt spid="2">
-                                            <p:txEl>
-                                              <p:pRg st="0" end="0"/>
-                                            </p:txEl>
-                                          </p:spTgt>
-                                        </p:tgtEl>
-                                        <p:attrNameLst>
-                                          <p:attrName>style.visibility</p:attrName>
-                                        </p:attrNameLst>
-                                      </p:cBhvr>
-                                      <p:to>
-                                        <p:strVal val="visible"/>
-                                      </p:to>
-                                    </p:set>
-                                    <p:animEffect transition="in" filter="wipe(left)">
-                                      <p:cBhvr>
-                                        <p:cTn id="7" dur="1000"/>
-                                        <p:tgtEl>
-                                          <p:spTgt spid="2">
-                                            <p:txEl>
-                                              <p:pRg st="0" end="0"/>
-                                            </p:txEl>
-                                          </p:spTgt>
+                                          <p:spTgt spid="6"/>
                                         </p:tgtEl>
                                       </p:cBhvr>
-                                    </p:animEffect>
-                                  </p:childTnLst>
-                                </p:cTn>
-                              </p:par>
-                            </p:childTnLst>
-                          </p:cTn>
-                        </p:par>
-                      </p:childTnLst>
-                    </p:cTn>
-                  </p:par>
-                  <p:par>
-                    <p:cTn id="8" fill="hold">
-                      <p:stCondLst>
-                        <p:cond delay="indefinite"/>
-                      </p:stCondLst>
-                      <p:childTnLst>
-                        <p:par>
-                          <p:cTn id="9" fill="hold">
-                            <p:stCondLst>
-                              <p:cond delay="0"/>
-                            </p:stCondLst>
-                            <p:childTnLst>
-                              <p:par>
-                                <p:cTn id="10" presetID="22" presetClass="entr" presetSubtype="8" fill="hold" grpId="0" nodeType="clickEffect">
-                                  <p:stCondLst>
-                                    <p:cond delay="0"/>
-                                  </p:stCondLst>
-                                  <p:childTnLst>
-                                    <p:set>
-                                      <p:cBhvr>
-                                        <p:cTn id="11" dur="1" fill="hold">
-                                          <p:stCondLst>
-                                            <p:cond delay="0"/>
-                                          </p:stCondLst>
-                                        </p:cTn>
-                                        <p:tgtEl>
-                                          <p:spTgt spid="2">
-                                            <p:txEl>
-                                              <p:pRg st="1" end="1"/>
-                                            </p:txEl>
-                                          </p:spTgt>
-                                        </p:tgtEl>
-                                        <p:attrNameLst>
-                                          <p:attrName>style.visibility</p:attrName>
-                                        </p:attrNameLst>
-                                      </p:cBhvr>
-                                      <p:to>
-                                        <p:strVal val="visible"/>
-                                      </p:to>
-                                    </p:set>
-                                    <p:animEffect transition="in" filter="wipe(left)">
-                                      <p:cBhvr>
-                                        <p:cTn id="12" dur="1000"/>
-                                        <p:tgtEl>
-                                          <p:spTgt spid="2">
-                                            <p:txEl>
-                                              <p:pRg st="1" end="1"/>
-                                            </p:txEl>
-                                          </p:spTgt>
-                                        </p:tgtEl>
-                                      </p:cBhvr>
-                                    </p:animEffect>
-                                  </p:childTnLst>
-                                </p:cTn>
-                              </p:par>
-                            </p:childTnLst>
-                          </p:cTn>
-                        </p:par>
-                        <p:par>
-                          <p:cTn id="13" fill="hold">
-                            <p:stCondLst>
-                              <p:cond delay="1000"/>
-                            </p:stCondLst>
-                            <p:childTnLst>
-                              <p:par>
-                                <p:cTn id="14" presetID="22" presetClass="entr" presetSubtype="8" fill="hold" grpId="0" nodeType="afterEffect">
-                                  <p:stCondLst>
-                                    <p:cond delay="0"/>
-                                  </p:stCondLst>
-                                  <p:childTnLst>
-                                    <p:set>
-                                      <p:cBhvr>
-                                        <p:cTn id="15" dur="1" fill="hold">
-                                          <p:stCondLst>
-                                            <p:cond delay="0"/>
-                                          </p:stCondLst>
-                                        </p:cTn>
-                                        <p:tgtEl>
-                                          <p:spTgt spid="2">
-                                            <p:txEl>
-                                              <p:pRg st="2" end="2"/>
-                                            </p:txEl>
-                                          </p:spTgt>
-                                        </p:tgtEl>
-                                        <p:attrNameLst>
-                                          <p:attrName>style.visibility</p:attrName>
-                                        </p:attrNameLst>
-                                      </p:cBhvr>
-                                      <p:to>
-                                        <p:strVal val="visible"/>
-                                      </p:to>
-                                    </p:set>
-                                    <p:animEffect transition="in" filter="wipe(left)">
-                                      <p:cBhvr>
-                                        <p:cTn id="16" dur="500"/>
-                                        <p:tgtEl>
-                                          <p:spTgt spid="2">
-                                            <p:txEl>
-                                              <p:pRg st="2" end="2"/>
-                                            </p:txEl>
-                                          </p:spTgt>
-                                        </p:tgtEl>
-                                      </p:cBhvr>
-                                    </p:animEffect>
-                                  </p:childTnLst>
-                                </p:cTn>
-                              </p:par>
-                            </p:childTnLst>
-                          </p:cTn>
-                        </p:par>
-                      </p:childTnLst>
-                    </p:cTn>
-                  </p:par>
-                  <p:par>
-                    <p:cTn id="17" fill="hold">
-                      <p:stCondLst>
-                        <p:cond delay="indefinite"/>
-                      </p:stCondLst>
-                      <p:childTnLst>
-                        <p:par>
-                          <p:cTn id="18" fill="hold">
-                            <p:stCondLst>
-                              <p:cond delay="0"/>
-                            </p:stCondLst>
-                            <p:childTnLst>
-                              <p:par>
-                                <p:cTn id="19" presetID="22" presetClass="entr" presetSubtype="8" fill="hold" grpId="0" nodeType="clickEffect">
-                                  <p:stCondLst>
-                                    <p:cond delay="0"/>
-                                  </p:stCondLst>
-                                  <p:childTnLst>
-                                    <p:set>
-                                      <p:cBhvr>
-                                        <p:cTn id="20" dur="1" fill="hold">
-                                          <p:stCondLst>
-                                            <p:cond delay="0"/>
-                                          </p:stCondLst>
-                                        </p:cTn>
-                                        <p:tgtEl>
-                                          <p:spTgt spid="2">
-                                            <p:txEl>
-                                              <p:pRg st="3" end="3"/>
-                                            </p:txEl>
-                                          </p:spTgt>
-                                        </p:tgtEl>
-                                        <p:attrNameLst>
-                                          <p:attrName>style.visibility</p:attrName>
-                                        </p:attrNameLst>
-                                      </p:cBhvr>
-                                      <p:to>
-                                        <p:strVal val="visible"/>
-                                      </p:to>
-                                    </p:set>
-                                    <p:animEffect transition="in" filter="wipe(left)">
-                                      <p:cBhvr>
-                                        <p:cTn id="21" dur="1000"/>
-                                        <p:tgtEl>
-                                          <p:spTgt spid="2">
-                                            <p:txEl>
-                                              <p:pRg st="3" end="3"/>
-                                            </p:txEl>
-                                          </p:spTgt>
-                                        </p:tgtEl>
-                                      </p:cBhvr>
-                                    </p:animEffect>
+                                    </p:cmd>
                                   </p:childTnLst>
                                 </p:cTn>
                               </p:par>
@@ -8305,28 +7507,1027 @@
                   </p:par>
                 </p:childTnLst>
               </p:cTn>
-              <p:prevCondLst>
-                <p:cond evt="onPrev" delay="0">
+              <p:nextCondLst>
+                <p:cond evt="onClick" delay="0">
                   <p:tgtEl>
-                    <p:sldTgt/>
-                  </p:tgtEl>
-                </p:cond>
-              </p:prevCondLst>
-              <p:nextCondLst>
-                <p:cond evt="onNext" delay="0">
-                  <p:tgtEl>
-                    <p:sldTgt/>
+                    <p:spTgt spid="6"/>
                   </p:tgtEl>
                 </p:cond>
               </p:nextCondLst>
             </p:seq>
+            <p:video>
+              <p:cMediaNode>
+                <p:cTn id="7" fill="hold" display="0">
+                  <p:stCondLst>
+                    <p:cond delay="indefinite"/>
+                  </p:stCondLst>
+                  <p:endCondLst>
+                    <p:cond evt="onNext" delay="0">
+                      <p:tgtEl>
+                        <p:sldTgt/>
+                      </p:tgtEl>
+                    </p:cond>
+                    <p:cond evt="onPrev" delay="0">
+                      <p:tgtEl>
+                        <p:sldTgt/>
+                      </p:tgtEl>
+                    </p:cond>
+                  </p:endCondLst>
+                </p:cTn>
+                <p:tgtEl>
+                  <p:spTgt spid="6"/>
+                </p:tgtEl>
+              </p:cMediaNode>
+            </p:video>
           </p:childTnLst>
         </p:cTn>
       </p:par>
     </p:tnLst>
-    <p:bldLst>
-      <p:bldP spid="2" grpId="0" uiExpand="1" build="p"/>
-    </p:bldLst>
+  </p:timing>
+</p:sld>
+</file>
+
+<file path=ppt/slides/slide15.xml><?xml version="1.0" encoding="utf-8"?>
+<p:sld xmlns:a="http://schemas.openxmlformats.org/drawingml/2006/main" xmlns:r="http://schemas.openxmlformats.org/officeDocument/2006/relationships" xmlns:p="http://schemas.openxmlformats.org/presentationml/2006/main">
+  <p:cSld>
+    <p:spTree>
+      <p:nvGrpSpPr>
+        <p:cNvPr id="1" name=""/>
+        <p:cNvGrpSpPr/>
+        <p:nvPr/>
+      </p:nvGrpSpPr>
+      <p:grpSpPr>
+        <a:xfrm>
+          <a:off x="0" y="0"/>
+          <a:ext cx="0" cy="0"/>
+          <a:chOff x="0" y="0"/>
+          <a:chExt cx="0" cy="0"/>
+        </a:xfrm>
+      </p:grpSpPr>
+      <p:sp>
+        <p:nvSpPr>
+          <p:cNvPr id="2" name="Inhaltsplatzhalter 1"/>
+          <p:cNvSpPr>
+            <a:spLocks noGrp="1"/>
+          </p:cNvSpPr>
+          <p:nvPr>
+            <p:ph idx="1"/>
+          </p:nvPr>
+        </p:nvSpPr>
+        <p:spPr/>
+        <p:txBody>
+          <a:bodyPr/>
+          <a:lstStyle/>
+          <a:p>
+            <a:r>
+              <a:rPr lang="de-DE" dirty="0" smtClean="0"/>
+              <a:t>Beste Umwelt "</a:t>
+            </a:r>
+            <a:r>
+              <a:rPr lang="de-DE" dirty="0" err="1" smtClean="0"/>
+              <a:t>SimpleAttackEnvironment</a:t>
+            </a:r>
+            <a:r>
+              <a:rPr lang="de-DE" dirty="0" smtClean="0"/>
+              <a:t>"</a:t>
+            </a:r>
+          </a:p>
+          <a:p>
+            <a:pPr lvl="1"/>
+            <a:r>
+              <a:rPr lang="de-DE" dirty="0" smtClean="0"/>
+              <a:t>120 Umweltzustände</a:t>
+            </a:r>
+          </a:p>
+          <a:p>
+            <a:pPr lvl="1"/>
+            <a:r>
+              <a:rPr lang="de-DE" dirty="0" smtClean="0"/>
+              <a:t>63 Aktionsmöglichkeiten für Agenten</a:t>
+            </a:r>
+          </a:p>
+          <a:p>
+            <a:r>
+              <a:rPr lang="de-DE" dirty="0" smtClean="0"/>
+              <a:t>63 * 120 = 7560 Werte-Paare</a:t>
+            </a:r>
+          </a:p>
+        </p:txBody>
+      </p:sp>
+      <p:sp>
+        <p:nvSpPr>
+          <p:cNvPr id="3" name="Titel 2"/>
+          <p:cNvSpPr>
+            <a:spLocks noGrp="1"/>
+          </p:cNvSpPr>
+          <p:nvPr>
+            <p:ph type="title"/>
+          </p:nvPr>
+        </p:nvSpPr>
+        <p:spPr>
+          <a:xfrm>
+            <a:off x="457200" y="274638"/>
+            <a:ext cx="8507288" cy="1143000"/>
+          </a:xfrm>
+        </p:spPr>
+        <p:txBody>
+          <a:bodyPr>
+            <a:normAutofit/>
+          </a:bodyPr>
+          <a:lstStyle/>
+          <a:p>
+            <a:r>
+              <a:rPr lang="de-DE" dirty="0" smtClean="0"/>
+              <a:t>Team </a:t>
+            </a:r>
+            <a:r>
+              <a:rPr lang="de-DE" dirty="0" err="1" smtClean="0"/>
+              <a:t>Oli&amp;Viktor</a:t>
+            </a:r>
+            <a:r>
+              <a:rPr lang="de-DE" dirty="0" smtClean="0"/>
+              <a:t>: </a:t>
+            </a:r>
+            <a:r>
+              <a:rPr lang="de-DE" dirty="0" err="1" smtClean="0"/>
+              <a:t>Attack</a:t>
+            </a:r>
+            <a:r>
+              <a:rPr lang="de-DE" dirty="0" smtClean="0"/>
+              <a:t>-Umwelt</a:t>
+            </a:r>
+            <a:endParaRPr lang="de-DE" dirty="0"/>
+          </a:p>
+        </p:txBody>
+      </p:sp>
+      <p:sp>
+        <p:nvSpPr>
+          <p:cNvPr id="6" name="Datumsplatzhalter 5"/>
+          <p:cNvSpPr>
+            <a:spLocks noGrp="1"/>
+          </p:cNvSpPr>
+          <p:nvPr>
+            <p:ph type="dt" sz="half" idx="10"/>
+          </p:nvPr>
+        </p:nvSpPr>
+        <p:spPr/>
+        <p:txBody>
+          <a:bodyPr/>
+          <a:lstStyle/>
+          <a:p>
+            <a:fld id="{9BB28FF6-9452-4BB3-8ED8-53EA02423FF0}" type="datetime1">
+              <a:rPr lang="de-DE" smtClean="0"/>
+              <a:pPr/>
+              <a:t>29.06.2015</a:t>
+            </a:fld>
+            <a:endParaRPr lang="de-DE"/>
+          </a:p>
+        </p:txBody>
+      </p:sp>
+      <p:sp>
+        <p:nvSpPr>
+          <p:cNvPr id="7" name="Foliennummernplatzhalter 6"/>
+          <p:cNvSpPr>
+            <a:spLocks noGrp="1"/>
+          </p:cNvSpPr>
+          <p:nvPr>
+            <p:ph type="sldNum" sz="quarter" idx="12"/>
+          </p:nvPr>
+        </p:nvSpPr>
+        <p:spPr/>
+        <p:txBody>
+          <a:bodyPr/>
+          <a:lstStyle/>
+          <a:p>
+            <a:fld id="{B9DC6992-199D-4EB6-BFD7-444195B8EA7C}" type="slidenum">
+              <a:rPr lang="de-DE" smtClean="0"/>
+              <a:pPr/>
+              <a:t>15</a:t>
+            </a:fld>
+            <a:endParaRPr lang="de-DE"/>
+          </a:p>
+        </p:txBody>
+      </p:sp>
+    </p:spTree>
+  </p:cSld>
+  <p:clrMapOvr>
+    <a:masterClrMapping/>
+  </p:clrMapOvr>
+  <p:transition>
+    <p:fade/>
+  </p:transition>
+  <p:timing>
+    <p:tnLst>
+      <p:par>
+        <p:cTn id="1" dur="indefinite" restart="never" nodeType="tmRoot"/>
+      </p:par>
+    </p:tnLst>
+  </p:timing>
+</p:sld>
+</file>
+
+<file path=ppt/slides/slide16.xml><?xml version="1.0" encoding="utf-8"?>
+<p:sld xmlns:a="http://schemas.openxmlformats.org/drawingml/2006/main" xmlns:r="http://schemas.openxmlformats.org/officeDocument/2006/relationships" xmlns:p="http://schemas.openxmlformats.org/presentationml/2006/main">
+  <p:cSld>
+    <p:spTree>
+      <p:nvGrpSpPr>
+        <p:cNvPr id="1" name=""/>
+        <p:cNvGrpSpPr/>
+        <p:nvPr/>
+      </p:nvGrpSpPr>
+      <p:grpSpPr>
+        <a:xfrm>
+          <a:off x="0" y="0"/>
+          <a:ext cx="0" cy="0"/>
+          <a:chOff x="0" y="0"/>
+          <a:chExt cx="0" cy="0"/>
+        </a:xfrm>
+      </p:grpSpPr>
+      <p:sp>
+        <p:nvSpPr>
+          <p:cNvPr id="3" name="Titel 2"/>
+          <p:cNvSpPr>
+            <a:spLocks noGrp="1"/>
+          </p:cNvSpPr>
+          <p:nvPr>
+            <p:ph type="title"/>
+          </p:nvPr>
+        </p:nvSpPr>
+        <p:spPr>
+          <a:xfrm>
+            <a:off x="457200" y="274638"/>
+            <a:ext cx="8507288" cy="1143000"/>
+          </a:xfrm>
+        </p:spPr>
+        <p:txBody>
+          <a:bodyPr>
+            <a:normAutofit/>
+          </a:bodyPr>
+          <a:lstStyle/>
+          <a:p>
+            <a:r>
+              <a:rPr lang="de-DE" dirty="0" smtClean="0"/>
+              <a:t>Team </a:t>
+            </a:r>
+            <a:r>
+              <a:rPr lang="de-DE" dirty="0" err="1" smtClean="0"/>
+              <a:t>Oli&amp;Viktor</a:t>
+            </a:r>
+            <a:r>
+              <a:rPr lang="de-DE" dirty="0" smtClean="0"/>
+              <a:t>: </a:t>
+            </a:r>
+            <a:r>
+              <a:rPr lang="de-DE" dirty="0" err="1" smtClean="0"/>
+              <a:t>Attack</a:t>
+            </a:r>
+            <a:r>
+              <a:rPr lang="de-DE" dirty="0" smtClean="0"/>
+              <a:t>-Umwelt</a:t>
+            </a:r>
+            <a:endParaRPr lang="de-DE" dirty="0"/>
+          </a:p>
+        </p:txBody>
+      </p:sp>
+      <p:sp>
+        <p:nvSpPr>
+          <p:cNvPr id="6" name="Datumsplatzhalter 5"/>
+          <p:cNvSpPr>
+            <a:spLocks noGrp="1"/>
+          </p:cNvSpPr>
+          <p:nvPr>
+            <p:ph type="dt" sz="half" idx="10"/>
+          </p:nvPr>
+        </p:nvSpPr>
+        <p:spPr/>
+        <p:txBody>
+          <a:bodyPr/>
+          <a:lstStyle/>
+          <a:p>
+            <a:fld id="{9BB28FF6-9452-4BB3-8ED8-53EA02423FF0}" type="datetime1">
+              <a:rPr lang="de-DE" smtClean="0"/>
+              <a:pPr/>
+              <a:t>29.06.2015</a:t>
+            </a:fld>
+            <a:endParaRPr lang="de-DE"/>
+          </a:p>
+        </p:txBody>
+      </p:sp>
+      <p:sp>
+        <p:nvSpPr>
+          <p:cNvPr id="7" name="Foliennummernplatzhalter 6"/>
+          <p:cNvSpPr>
+            <a:spLocks noGrp="1"/>
+          </p:cNvSpPr>
+          <p:nvPr>
+            <p:ph type="sldNum" sz="quarter" idx="12"/>
+          </p:nvPr>
+        </p:nvSpPr>
+        <p:spPr/>
+        <p:txBody>
+          <a:bodyPr/>
+          <a:lstStyle/>
+          <a:p>
+            <a:fld id="{B9DC6992-199D-4EB6-BFD7-444195B8EA7C}" type="slidenum">
+              <a:rPr lang="de-DE" smtClean="0"/>
+              <a:pPr/>
+              <a:t>16</a:t>
+            </a:fld>
+            <a:endParaRPr lang="de-DE"/>
+          </a:p>
+        </p:txBody>
+      </p:sp>
+      <p:pic>
+        <p:nvPicPr>
+          <p:cNvPr id="8" name="OV_AttackEnv.mp4">
+            <a:hlinkClick r:id="" action="ppaction://media"/>
+          </p:cNvPr>
+          <p:cNvPicPr>
+            <a:picLocks noGrp="1" noRot="1" noChangeAspect="1"/>
+          </p:cNvPicPr>
+          <p:nvPr>
+            <p:ph idx="1"/>
+            <a:videoFile r:link="rId1"/>
+          </p:nvPr>
+        </p:nvPicPr>
+        <p:blipFill>
+          <a:blip r:embed="rId4" cstate="print"/>
+          <a:stretch>
+            <a:fillRect/>
+          </a:stretch>
+        </p:blipFill>
+        <p:spPr>
+          <a:xfrm>
+            <a:off x="1187624" y="1304764"/>
+            <a:ext cx="6768752" cy="5076564"/>
+          </a:xfrm>
+          <a:prstGeom prst="rect">
+            <a:avLst/>
+          </a:prstGeom>
+        </p:spPr>
+      </p:pic>
+    </p:spTree>
+  </p:cSld>
+  <p:clrMapOvr>
+    <a:masterClrMapping/>
+  </p:clrMapOvr>
+  <p:transition>
+    <p:fade/>
+  </p:transition>
+  <p:timing>
+    <p:tnLst>
+      <p:par>
+        <p:cTn id="1" dur="indefinite" restart="never" nodeType="tmRoot">
+          <p:childTnLst>
+            <p:seq concurrent="1" nextAc="seek">
+              <p:cTn id="2" restart="whenNotActive" fill="hold" evtFilter="cancelBubble" nodeType="interactiveSeq">
+                <p:stCondLst>
+                  <p:cond evt="onClick" delay="0">
+                    <p:tgtEl>
+                      <p:spTgt spid="8"/>
+                    </p:tgtEl>
+                  </p:cond>
+                </p:stCondLst>
+                <p:endSync evt="end" delay="0">
+                  <p:rtn val="all"/>
+                </p:endSync>
+                <p:childTnLst>
+                  <p:par>
+                    <p:cTn id="3" fill="hold">
+                      <p:stCondLst>
+                        <p:cond delay="0"/>
+                      </p:stCondLst>
+                      <p:childTnLst>
+                        <p:par>
+                          <p:cTn id="4" fill="hold">
+                            <p:stCondLst>
+                              <p:cond delay="0"/>
+                            </p:stCondLst>
+                            <p:childTnLst>
+                              <p:par>
+                                <p:cTn id="5" presetID="2" presetClass="mediacall" presetSubtype="0" fill="hold" nodeType="clickEffect">
+                                  <p:stCondLst>
+                                    <p:cond delay="0"/>
+                                  </p:stCondLst>
+                                  <p:childTnLst>
+                                    <p:cmd type="call" cmd="togglePause">
+                                      <p:cBhvr>
+                                        <p:cTn id="6" dur="1" fill="hold"/>
+                                        <p:tgtEl>
+                                          <p:spTgt spid="8"/>
+                                        </p:tgtEl>
+                                      </p:cBhvr>
+                                    </p:cmd>
+                                  </p:childTnLst>
+                                </p:cTn>
+                              </p:par>
+                            </p:childTnLst>
+                          </p:cTn>
+                        </p:par>
+                      </p:childTnLst>
+                    </p:cTn>
+                  </p:par>
+                </p:childTnLst>
+              </p:cTn>
+              <p:nextCondLst>
+                <p:cond evt="onClick" delay="0">
+                  <p:tgtEl>
+                    <p:spTgt spid="8"/>
+                  </p:tgtEl>
+                </p:cond>
+              </p:nextCondLst>
+            </p:seq>
+            <p:video>
+              <p:cMediaNode>
+                <p:cTn id="7" fill="hold" display="0">
+                  <p:stCondLst>
+                    <p:cond delay="indefinite"/>
+                  </p:stCondLst>
+                  <p:endCondLst>
+                    <p:cond evt="onNext" delay="0">
+                      <p:tgtEl>
+                        <p:sldTgt/>
+                      </p:tgtEl>
+                    </p:cond>
+                    <p:cond evt="onPrev" delay="0">
+                      <p:tgtEl>
+                        <p:sldTgt/>
+                      </p:tgtEl>
+                    </p:cond>
+                  </p:endCondLst>
+                </p:cTn>
+                <p:tgtEl>
+                  <p:spTgt spid="8"/>
+                </p:tgtEl>
+              </p:cMediaNode>
+            </p:video>
+          </p:childTnLst>
+        </p:cTn>
+      </p:par>
+    </p:tnLst>
+  </p:timing>
+</p:sld>
+</file>
+
+<file path=ppt/slides/slide17.xml><?xml version="1.0" encoding="utf-8"?>
+<p:sld xmlns:a="http://schemas.openxmlformats.org/drawingml/2006/main" xmlns:r="http://schemas.openxmlformats.org/officeDocument/2006/relationships" xmlns:p="http://schemas.openxmlformats.org/presentationml/2006/main">
+  <p:cSld>
+    <p:spTree>
+      <p:nvGrpSpPr>
+        <p:cNvPr id="1" name=""/>
+        <p:cNvGrpSpPr/>
+        <p:nvPr/>
+      </p:nvGrpSpPr>
+      <p:grpSpPr>
+        <a:xfrm>
+          <a:off x="0" y="0"/>
+          <a:ext cx="0" cy="0"/>
+          <a:chOff x="0" y="0"/>
+          <a:chExt cx="0" cy="0"/>
+        </a:xfrm>
+      </p:grpSpPr>
+      <p:sp>
+        <p:nvSpPr>
+          <p:cNvPr id="2" name="Inhaltsplatzhalter 1"/>
+          <p:cNvSpPr>
+            <a:spLocks noGrp="1"/>
+          </p:cNvSpPr>
+          <p:nvPr>
+            <p:ph idx="1"/>
+          </p:nvPr>
+        </p:nvSpPr>
+        <p:spPr/>
+        <p:txBody>
+          <a:bodyPr/>
+          <a:lstStyle/>
+          <a:p>
+            <a:r>
+              <a:rPr lang="de-DE" dirty="0" smtClean="0"/>
+              <a:t>SARSA-Lambda Algorithmus</a:t>
+            </a:r>
+          </a:p>
+          <a:p>
+            <a:r>
+              <a:rPr lang="de-DE" dirty="0"/>
+              <a:t>Bereits nach wenigen Hundert Runden ist </a:t>
+            </a:r>
+            <a:r>
+              <a:rPr lang="de-DE" dirty="0" smtClean="0"/>
+              <a:t>eine Strategie erkennbar</a:t>
+            </a:r>
+          </a:p>
+          <a:p>
+            <a:r>
+              <a:rPr lang="de-DE" dirty="0" err="1" smtClean="0"/>
+              <a:t>egrghn</a:t>
+            </a:r>
+            <a:endParaRPr lang="de-DE" dirty="0"/>
+          </a:p>
+          <a:p>
+            <a:endParaRPr lang="de-DE" dirty="0" smtClean="0"/>
+          </a:p>
+        </p:txBody>
+      </p:sp>
+      <p:sp>
+        <p:nvSpPr>
+          <p:cNvPr id="3" name="Titel 2"/>
+          <p:cNvSpPr>
+            <a:spLocks noGrp="1"/>
+          </p:cNvSpPr>
+          <p:nvPr>
+            <p:ph type="title"/>
+          </p:nvPr>
+        </p:nvSpPr>
+        <p:spPr/>
+        <p:txBody>
+          <a:bodyPr/>
+          <a:lstStyle/>
+          <a:p>
+            <a:r>
+              <a:rPr lang="de-DE" dirty="0" smtClean="0"/>
+              <a:t>Team </a:t>
+            </a:r>
+            <a:r>
+              <a:rPr lang="de-DE" dirty="0" err="1" smtClean="0"/>
+              <a:t>Oli&amp;Viktor</a:t>
+            </a:r>
+            <a:r>
+              <a:rPr lang="de-DE" dirty="0" smtClean="0"/>
+              <a:t>: Lernen</a:t>
+            </a:r>
+            <a:endParaRPr lang="de-DE" dirty="0"/>
+          </a:p>
+        </p:txBody>
+      </p:sp>
+      <p:sp>
+        <p:nvSpPr>
+          <p:cNvPr id="6" name="Datumsplatzhalter 5"/>
+          <p:cNvSpPr>
+            <a:spLocks noGrp="1"/>
+          </p:cNvSpPr>
+          <p:nvPr>
+            <p:ph type="dt" sz="half" idx="10"/>
+          </p:nvPr>
+        </p:nvSpPr>
+        <p:spPr/>
+        <p:txBody>
+          <a:bodyPr/>
+          <a:lstStyle/>
+          <a:p>
+            <a:fld id="{0F320677-313E-4F5B-8226-35FDD51504B0}" type="datetime1">
+              <a:rPr lang="de-DE" smtClean="0"/>
+              <a:pPr/>
+              <a:t>29.06.2015</a:t>
+            </a:fld>
+            <a:endParaRPr lang="de-DE"/>
+          </a:p>
+        </p:txBody>
+      </p:sp>
+      <p:sp>
+        <p:nvSpPr>
+          <p:cNvPr id="7" name="Foliennummernplatzhalter 6"/>
+          <p:cNvSpPr>
+            <a:spLocks noGrp="1"/>
+          </p:cNvSpPr>
+          <p:nvPr>
+            <p:ph type="sldNum" sz="quarter" idx="12"/>
+          </p:nvPr>
+        </p:nvSpPr>
+        <p:spPr/>
+        <p:txBody>
+          <a:bodyPr/>
+          <a:lstStyle/>
+          <a:p>
+            <a:fld id="{B9DC6992-199D-4EB6-BFD7-444195B8EA7C}" type="slidenum">
+              <a:rPr lang="de-DE" smtClean="0"/>
+              <a:pPr/>
+              <a:t>17</a:t>
+            </a:fld>
+            <a:endParaRPr lang="de-DE"/>
+          </a:p>
+        </p:txBody>
+      </p:sp>
+    </p:spTree>
+  </p:cSld>
+  <p:clrMapOvr>
+    <a:masterClrMapping/>
+  </p:clrMapOvr>
+  <p:transition>
+    <p:fade/>
+  </p:transition>
+  <p:timing>
+    <p:tnLst>
+      <p:par>
+        <p:cTn id="1" dur="indefinite" restart="never" nodeType="tmRoot"/>
+      </p:par>
+    </p:tnLst>
+  </p:timing>
+</p:sld>
+</file>
+
+<file path=ppt/slides/slide18.xml><?xml version="1.0" encoding="utf-8"?>
+<p:sld xmlns:a="http://schemas.openxmlformats.org/drawingml/2006/main" xmlns:r="http://schemas.openxmlformats.org/officeDocument/2006/relationships" xmlns:p="http://schemas.openxmlformats.org/presentationml/2006/main">
+  <p:cSld>
+    <p:spTree>
+      <p:nvGrpSpPr>
+        <p:cNvPr id="1" name=""/>
+        <p:cNvGrpSpPr/>
+        <p:nvPr/>
+      </p:nvGrpSpPr>
+      <p:grpSpPr>
+        <a:xfrm>
+          <a:off x="0" y="0"/>
+          <a:ext cx="0" cy="0"/>
+          <a:chOff x="0" y="0"/>
+          <a:chExt cx="0" cy="0"/>
+        </a:xfrm>
+      </p:grpSpPr>
+      <p:sp>
+        <p:nvSpPr>
+          <p:cNvPr id="2" name="Inhaltsplatzhalter 1"/>
+          <p:cNvSpPr>
+            <a:spLocks noGrp="1"/>
+          </p:cNvSpPr>
+          <p:nvPr>
+            <p:ph idx="1"/>
+          </p:nvPr>
+        </p:nvSpPr>
+        <p:spPr/>
+        <p:txBody>
+          <a:bodyPr/>
+          <a:lstStyle/>
+          <a:p>
+            <a:r>
+              <a:rPr lang="de-DE" dirty="0" smtClean="0"/>
+              <a:t>Basierend auf den Events von </a:t>
+            </a:r>
+            <a:r>
+              <a:rPr lang="de-DE" dirty="0" err="1" smtClean="0"/>
+              <a:t>Robocode</a:t>
+            </a:r>
+            <a:endParaRPr lang="de-DE" dirty="0" smtClean="0"/>
+          </a:p>
+          <a:p>
+            <a:pPr lvl="1"/>
+            <a:r>
+              <a:rPr lang="de-DE" dirty="0" smtClean="0"/>
+              <a:t>Schießen</a:t>
+            </a:r>
+          </a:p>
+          <a:p>
+            <a:pPr lvl="1"/>
+            <a:r>
+              <a:rPr lang="de-DE" dirty="0" smtClean="0"/>
+              <a:t>Rammen</a:t>
+            </a:r>
+          </a:p>
+          <a:p>
+            <a:pPr lvl="1"/>
+            <a:r>
+              <a:rPr lang="de-DE" dirty="0" smtClean="0"/>
+              <a:t>Rundenende</a:t>
+            </a:r>
+          </a:p>
+          <a:p>
+            <a:r>
+              <a:rPr lang="de-DE" dirty="0" smtClean="0"/>
+              <a:t>GUI zur leichteren Einstellung</a:t>
+            </a:r>
+          </a:p>
+        </p:txBody>
+      </p:sp>
+      <p:sp>
+        <p:nvSpPr>
+          <p:cNvPr id="3" name="Datumsplatzhalter 2"/>
+          <p:cNvSpPr>
+            <a:spLocks noGrp="1"/>
+          </p:cNvSpPr>
+          <p:nvPr>
+            <p:ph type="dt" sz="half" idx="10"/>
+          </p:nvPr>
+        </p:nvSpPr>
+        <p:spPr/>
+        <p:txBody>
+          <a:bodyPr/>
+          <a:lstStyle/>
+          <a:p>
+            <a:fld id="{90B91035-B6B6-4B64-ACF0-D04FB96E551B}" type="datetime1">
+              <a:rPr lang="de-DE" smtClean="0"/>
+              <a:pPr/>
+              <a:t>29.06.2015</a:t>
+            </a:fld>
+            <a:endParaRPr lang="de-DE"/>
+          </a:p>
+        </p:txBody>
+      </p:sp>
+      <p:sp>
+        <p:nvSpPr>
+          <p:cNvPr id="4" name="Foliennummernplatzhalter 3"/>
+          <p:cNvSpPr>
+            <a:spLocks noGrp="1"/>
+          </p:cNvSpPr>
+          <p:nvPr>
+            <p:ph type="sldNum" sz="quarter" idx="12"/>
+          </p:nvPr>
+        </p:nvSpPr>
+        <p:spPr/>
+        <p:txBody>
+          <a:bodyPr/>
+          <a:lstStyle/>
+          <a:p>
+            <a:fld id="{B9DC6992-199D-4EB6-BFD7-444195B8EA7C}" type="slidenum">
+              <a:rPr lang="de-DE" smtClean="0"/>
+              <a:pPr/>
+              <a:t>18</a:t>
+            </a:fld>
+            <a:endParaRPr lang="de-DE"/>
+          </a:p>
+        </p:txBody>
+      </p:sp>
+      <p:sp>
+        <p:nvSpPr>
+          <p:cNvPr id="5" name="Titel 4"/>
+          <p:cNvSpPr>
+            <a:spLocks noGrp="1"/>
+          </p:cNvSpPr>
+          <p:nvPr>
+            <p:ph type="title"/>
+          </p:nvPr>
+        </p:nvSpPr>
+        <p:spPr>
+          <a:xfrm>
+            <a:off x="457200" y="274638"/>
+            <a:ext cx="8363272" cy="1143000"/>
+          </a:xfrm>
+        </p:spPr>
+        <p:txBody>
+          <a:bodyPr>
+            <a:normAutofit/>
+          </a:bodyPr>
+          <a:lstStyle/>
+          <a:p>
+            <a:r>
+              <a:rPr lang="de-DE" dirty="0" smtClean="0"/>
+              <a:t>Team </a:t>
+            </a:r>
+            <a:r>
+              <a:rPr lang="de-DE" dirty="0" err="1" smtClean="0"/>
+              <a:t>Oli&amp;Viktor</a:t>
+            </a:r>
+            <a:r>
+              <a:rPr lang="de-DE" dirty="0" smtClean="0"/>
+              <a:t>: Belohnungen</a:t>
+            </a:r>
+            <a:endParaRPr lang="de-DE" dirty="0"/>
+          </a:p>
+        </p:txBody>
+      </p:sp>
+    </p:spTree>
+  </p:cSld>
+  <p:clrMapOvr>
+    <a:masterClrMapping/>
+  </p:clrMapOvr>
+  <p:transition>
+    <p:fade/>
+  </p:transition>
+  <p:timing>
+    <p:tnLst>
+      <p:par>
+        <p:cTn id="1" dur="indefinite" restart="never" nodeType="tmRoot"/>
+      </p:par>
+    </p:tnLst>
+  </p:timing>
+</p:sld>
+</file>
+
+<file path=ppt/slides/slide19.xml><?xml version="1.0" encoding="utf-8"?>
+<p:sld xmlns:a="http://schemas.openxmlformats.org/drawingml/2006/main" xmlns:r="http://schemas.openxmlformats.org/officeDocument/2006/relationships" xmlns:p="http://schemas.openxmlformats.org/presentationml/2006/main">
+  <p:cSld>
+    <p:spTree>
+      <p:nvGrpSpPr>
+        <p:cNvPr id="1" name=""/>
+        <p:cNvGrpSpPr/>
+        <p:nvPr/>
+      </p:nvGrpSpPr>
+      <p:grpSpPr>
+        <a:xfrm>
+          <a:off x="0" y="0"/>
+          <a:ext cx="0" cy="0"/>
+          <a:chOff x="0" y="0"/>
+          <a:chExt cx="0" cy="0"/>
+        </a:xfrm>
+      </p:grpSpPr>
+      <p:sp>
+        <p:nvSpPr>
+          <p:cNvPr id="3" name="Datumsplatzhalter 2"/>
+          <p:cNvSpPr>
+            <a:spLocks noGrp="1"/>
+          </p:cNvSpPr>
+          <p:nvPr>
+            <p:ph type="dt" sz="half" idx="10"/>
+          </p:nvPr>
+        </p:nvSpPr>
+        <p:spPr/>
+        <p:txBody>
+          <a:bodyPr/>
+          <a:lstStyle/>
+          <a:p>
+            <a:fld id="{90B91035-B6B6-4B64-ACF0-D04FB96E551B}" type="datetime1">
+              <a:rPr lang="de-DE" smtClean="0"/>
+              <a:pPr/>
+              <a:t>29.06.2015</a:t>
+            </a:fld>
+            <a:endParaRPr lang="de-DE"/>
+          </a:p>
+        </p:txBody>
+      </p:sp>
+      <p:sp>
+        <p:nvSpPr>
+          <p:cNvPr id="4" name="Foliennummernplatzhalter 3"/>
+          <p:cNvSpPr>
+            <a:spLocks noGrp="1"/>
+          </p:cNvSpPr>
+          <p:nvPr>
+            <p:ph type="sldNum" sz="quarter" idx="12"/>
+          </p:nvPr>
+        </p:nvSpPr>
+        <p:spPr/>
+        <p:txBody>
+          <a:bodyPr/>
+          <a:lstStyle/>
+          <a:p>
+            <a:fld id="{B9DC6992-199D-4EB6-BFD7-444195B8EA7C}" type="slidenum">
+              <a:rPr lang="de-DE" smtClean="0"/>
+              <a:pPr/>
+              <a:t>19</a:t>
+            </a:fld>
+            <a:endParaRPr lang="de-DE"/>
+          </a:p>
+        </p:txBody>
+      </p:sp>
+      <p:sp>
+        <p:nvSpPr>
+          <p:cNvPr id="5" name="Titel 4"/>
+          <p:cNvSpPr>
+            <a:spLocks noGrp="1"/>
+          </p:cNvSpPr>
+          <p:nvPr>
+            <p:ph type="title"/>
+          </p:nvPr>
+        </p:nvSpPr>
+        <p:spPr/>
+        <p:txBody>
+          <a:bodyPr/>
+          <a:lstStyle/>
+          <a:p>
+            <a:r>
+              <a:rPr lang="de-DE" dirty="0" smtClean="0"/>
+              <a:t>Team </a:t>
+            </a:r>
+            <a:r>
+              <a:rPr lang="de-DE" dirty="0" err="1" smtClean="0"/>
+              <a:t>Oli&amp;Viktor</a:t>
+            </a:r>
+            <a:r>
+              <a:rPr lang="de-DE" dirty="0" smtClean="0"/>
+              <a:t>: </a:t>
+            </a:r>
+            <a:r>
+              <a:rPr lang="de-DE" dirty="0" smtClean="0"/>
+              <a:t>Lernerfolg</a:t>
+            </a:r>
+            <a:endParaRPr lang="de-DE" dirty="0"/>
+          </a:p>
+        </p:txBody>
+      </p:sp>
+      <p:pic>
+        <p:nvPicPr>
+          <p:cNvPr id="6" name="OV_vs_RamFire.mp4">
+            <a:hlinkClick r:id="" action="ppaction://media"/>
+          </p:cNvPr>
+          <p:cNvPicPr>
+            <a:picLocks noGrp="1" noRot="1" noChangeAspect="1"/>
+          </p:cNvPicPr>
+          <p:nvPr>
+            <p:ph idx="1"/>
+            <a:videoFile r:link="rId1"/>
+          </p:nvPr>
+        </p:nvPicPr>
+        <p:blipFill>
+          <a:blip r:embed="rId3" cstate="print"/>
+          <a:stretch>
+            <a:fillRect/>
+          </a:stretch>
+        </p:blipFill>
+        <p:spPr>
+          <a:xfrm>
+            <a:off x="1187624" y="1304763"/>
+            <a:ext cx="6768753" cy="5076565"/>
+          </a:xfrm>
+          <a:prstGeom prst="rect">
+            <a:avLst/>
+          </a:prstGeom>
+        </p:spPr>
+      </p:pic>
+    </p:spTree>
+  </p:cSld>
+  <p:clrMapOvr>
+    <a:masterClrMapping/>
+  </p:clrMapOvr>
+  <p:transition>
+    <p:fade/>
+  </p:transition>
+  <p:timing>
+    <p:tnLst>
+      <p:par>
+        <p:cTn id="1" dur="indefinite" restart="never" nodeType="tmRoot">
+          <p:childTnLst>
+            <p:seq concurrent="1" nextAc="seek">
+              <p:cTn id="2" restart="whenNotActive" fill="hold" evtFilter="cancelBubble" nodeType="interactiveSeq">
+                <p:stCondLst>
+                  <p:cond evt="onClick" delay="0">
+                    <p:tgtEl>
+                      <p:spTgt spid="6"/>
+                    </p:tgtEl>
+                  </p:cond>
+                </p:stCondLst>
+                <p:endSync evt="end" delay="0">
+                  <p:rtn val="all"/>
+                </p:endSync>
+                <p:childTnLst>
+                  <p:par>
+                    <p:cTn id="3" fill="hold">
+                      <p:stCondLst>
+                        <p:cond delay="0"/>
+                      </p:stCondLst>
+                      <p:childTnLst>
+                        <p:par>
+                          <p:cTn id="4" fill="hold">
+                            <p:stCondLst>
+                              <p:cond delay="0"/>
+                            </p:stCondLst>
+                            <p:childTnLst>
+                              <p:par>
+                                <p:cTn id="5" presetID="2" presetClass="mediacall" presetSubtype="0" fill="hold" nodeType="clickEffect">
+                                  <p:stCondLst>
+                                    <p:cond delay="0"/>
+                                  </p:stCondLst>
+                                  <p:childTnLst>
+                                    <p:cmd type="call" cmd="togglePause">
+                                      <p:cBhvr>
+                                        <p:cTn id="6" dur="1" fill="hold"/>
+                                        <p:tgtEl>
+                                          <p:spTgt spid="6"/>
+                                        </p:tgtEl>
+                                      </p:cBhvr>
+                                    </p:cmd>
+                                  </p:childTnLst>
+                                </p:cTn>
+                              </p:par>
+                            </p:childTnLst>
+                          </p:cTn>
+                        </p:par>
+                      </p:childTnLst>
+                    </p:cTn>
+                  </p:par>
+                </p:childTnLst>
+              </p:cTn>
+              <p:nextCondLst>
+                <p:cond evt="onClick" delay="0">
+                  <p:tgtEl>
+                    <p:spTgt spid="6"/>
+                  </p:tgtEl>
+                </p:cond>
+              </p:nextCondLst>
+            </p:seq>
+            <p:video>
+              <p:cMediaNode>
+                <p:cTn id="7" fill="hold" display="0">
+                  <p:stCondLst>
+                    <p:cond delay="indefinite"/>
+                  </p:stCondLst>
+                  <p:endCondLst>
+                    <p:cond evt="onNext" delay="0">
+                      <p:tgtEl>
+                        <p:sldTgt/>
+                      </p:tgtEl>
+                    </p:cond>
+                    <p:cond evt="onPrev" delay="0">
+                      <p:tgtEl>
+                        <p:sldTgt/>
+                      </p:tgtEl>
+                    </p:cond>
+                  </p:endCondLst>
+                </p:cTn>
+                <p:tgtEl>
+                  <p:spTgt spid="6"/>
+                </p:tgtEl>
+              </p:cMediaNode>
+            </p:video>
+          </p:childTnLst>
+        </p:cTn>
+      </p:par>
+    </p:tnLst>
   </p:timing>
 </p:sld>
 </file>
@@ -8421,7 +8622,8 @@
           <a:p>
             <a:fld id="{15A15F67-894A-42D7-9B6A-CEA2626501FD}" type="datetime1">
               <a:rPr lang="de-DE" smtClean="0"/>
-              <a:t>22.06.2015</a:t>
+              <a:pPr/>
+              <a:t>29.06.2015</a:t>
             </a:fld>
             <a:endParaRPr lang="de-DE"/>
           </a:p>
@@ -8511,7 +8713,7 @@
     </p:spTree>
     <p:extLst>
       <p:ext uri="{BB962C8B-B14F-4D97-AF65-F5344CB8AC3E}">
-        <p14:creationId xmlns:p14="http://schemas.microsoft.com/office/powerpoint/2010/main" val="2327483230"/>
+        <p14:creationId xmlns="" xmlns:p14="http://schemas.microsoft.com/office/powerpoint/2010/main" val="2327483230"/>
       </p:ext>
     </p:extLst>
   </p:cSld>
@@ -8525,6 +8727,737 @@
     <p:tnLst>
       <p:par>
         <p:cTn id="1" dur="indefinite" restart="never" nodeType="tmRoot"/>
+      </p:par>
+    </p:tnLst>
+  </p:timing>
+</p:sld>
+</file>
+
+<file path=ppt/slides/slide20.xml><?xml version="1.0" encoding="utf-8"?>
+<p:sld xmlns:a="http://schemas.openxmlformats.org/drawingml/2006/main" xmlns:r="http://schemas.openxmlformats.org/officeDocument/2006/relationships" xmlns:p="http://schemas.openxmlformats.org/presentationml/2006/main">
+  <p:cSld>
+    <p:spTree>
+      <p:nvGrpSpPr>
+        <p:cNvPr id="1" name=""/>
+        <p:cNvGrpSpPr/>
+        <p:nvPr/>
+      </p:nvGrpSpPr>
+      <p:grpSpPr>
+        <a:xfrm>
+          <a:off x="0" y="0"/>
+          <a:ext cx="0" cy="0"/>
+          <a:chOff x="0" y="0"/>
+          <a:chExt cx="0" cy="0"/>
+        </a:xfrm>
+      </p:grpSpPr>
+      <p:pic>
+        <p:nvPicPr>
+          <p:cNvPr id="6" name="AD_vs_OV.mp4">
+            <a:hlinkClick r:id="" action="ppaction://media"/>
+          </p:cNvPr>
+          <p:cNvPicPr>
+            <a:picLocks noGrp="1" noRot="1" noChangeAspect="1"/>
+          </p:cNvPicPr>
+          <p:nvPr>
+            <p:ph idx="1"/>
+            <a:videoFile r:link="rId1"/>
+          </p:nvPr>
+        </p:nvPicPr>
+        <p:blipFill>
+          <a:blip r:embed="rId3" cstate="print"/>
+          <a:stretch>
+            <a:fillRect/>
+          </a:stretch>
+        </p:blipFill>
+        <p:spPr>
+          <a:xfrm>
+            <a:off x="1188000" y="1305328"/>
+            <a:ext cx="6768000" cy="5076000"/>
+          </a:xfrm>
+          <a:prstGeom prst="rect">
+            <a:avLst/>
+          </a:prstGeom>
+        </p:spPr>
+      </p:pic>
+      <p:sp>
+        <p:nvSpPr>
+          <p:cNvPr id="3" name="Datumsplatzhalter 2"/>
+          <p:cNvSpPr>
+            <a:spLocks noGrp="1"/>
+          </p:cNvSpPr>
+          <p:nvPr>
+            <p:ph type="dt" sz="half" idx="10"/>
+          </p:nvPr>
+        </p:nvSpPr>
+        <p:spPr/>
+        <p:txBody>
+          <a:bodyPr/>
+          <a:lstStyle/>
+          <a:p>
+            <a:fld id="{90B91035-B6B6-4B64-ACF0-D04FB96E551B}" type="datetime1">
+              <a:rPr lang="de-DE" smtClean="0"/>
+              <a:pPr/>
+              <a:t>29.06.2015</a:t>
+            </a:fld>
+            <a:endParaRPr lang="de-DE"/>
+          </a:p>
+        </p:txBody>
+      </p:sp>
+      <p:sp>
+        <p:nvSpPr>
+          <p:cNvPr id="4" name="Foliennummernplatzhalter 3"/>
+          <p:cNvSpPr>
+            <a:spLocks noGrp="1"/>
+          </p:cNvSpPr>
+          <p:nvPr>
+            <p:ph type="sldNum" sz="quarter" idx="12"/>
+          </p:nvPr>
+        </p:nvSpPr>
+        <p:spPr/>
+        <p:txBody>
+          <a:bodyPr/>
+          <a:lstStyle/>
+          <a:p>
+            <a:fld id="{B9DC6992-199D-4EB6-BFD7-444195B8EA7C}" type="slidenum">
+              <a:rPr lang="de-DE" smtClean="0"/>
+              <a:pPr/>
+              <a:t>20</a:t>
+            </a:fld>
+            <a:endParaRPr lang="de-DE"/>
+          </a:p>
+        </p:txBody>
+      </p:sp>
+      <p:sp>
+        <p:nvSpPr>
+          <p:cNvPr id="5" name="Titel 4"/>
+          <p:cNvSpPr>
+            <a:spLocks noGrp="1"/>
+          </p:cNvSpPr>
+          <p:nvPr>
+            <p:ph type="title"/>
+          </p:nvPr>
+        </p:nvSpPr>
+        <p:spPr/>
+        <p:txBody>
+          <a:bodyPr>
+            <a:normAutofit/>
+          </a:bodyPr>
+          <a:lstStyle/>
+          <a:p>
+            <a:pPr algn="ctr"/>
+            <a:r>
+              <a:rPr lang="de-DE" sz="5400" dirty="0" smtClean="0"/>
+              <a:t>Finale</a:t>
+            </a:r>
+            <a:endParaRPr lang="de-DE" sz="5400" dirty="0"/>
+          </a:p>
+        </p:txBody>
+      </p:sp>
+      <p:pic>
+        <p:nvPicPr>
+          <p:cNvPr id="7" name="Picture 3"/>
+          <p:cNvPicPr>
+            <a:picLocks noChangeAspect="1" noChangeArrowheads="1"/>
+          </p:cNvPicPr>
+          <p:nvPr/>
+        </p:nvPicPr>
+        <p:blipFill>
+          <a:blip r:embed="rId4" cstate="print"/>
+          <a:srcRect/>
+          <a:stretch>
+            <a:fillRect/>
+          </a:stretch>
+        </p:blipFill>
+        <p:spPr bwMode="auto">
+          <a:xfrm>
+            <a:off x="1452563" y="2876550"/>
+            <a:ext cx="6238875" cy="1104900"/>
+          </a:xfrm>
+          <a:prstGeom prst="rect">
+            <a:avLst/>
+          </a:prstGeom>
+          <a:noFill/>
+          <a:ln w="9525">
+            <a:noFill/>
+            <a:miter lim="800000"/>
+            <a:headEnd/>
+            <a:tailEnd/>
+          </a:ln>
+        </p:spPr>
+      </p:pic>
+    </p:spTree>
+  </p:cSld>
+  <p:clrMapOvr>
+    <a:masterClrMapping/>
+  </p:clrMapOvr>
+  <p:transition>
+    <p:fade/>
+  </p:transition>
+  <p:timing>
+    <p:tnLst>
+      <p:par>
+        <p:cTn id="1" dur="indefinite" restart="never" nodeType="tmRoot">
+          <p:childTnLst>
+            <p:seq concurrent="1" nextAc="seek">
+              <p:cTn id="2" dur="indefinite" nodeType="mainSeq">
+                <p:childTnLst>
+                  <p:par>
+                    <p:cTn id="3" fill="hold">
+                      <p:stCondLst>
+                        <p:cond delay="indefinite"/>
+                      </p:stCondLst>
+                      <p:childTnLst>
+                        <p:par>
+                          <p:cTn id="4" fill="hold">
+                            <p:stCondLst>
+                              <p:cond delay="0"/>
+                            </p:stCondLst>
+                            <p:childTnLst>
+                              <p:par>
+                                <p:cTn id="5" presetID="10" presetClass="exit" presetSubtype="0" fill="hold" nodeType="clickEffect">
+                                  <p:stCondLst>
+                                    <p:cond delay="0"/>
+                                  </p:stCondLst>
+                                  <p:childTnLst>
+                                    <p:animEffect transition="out" filter="fade">
+                                      <p:cBhvr>
+                                        <p:cTn id="6" dur="2000"/>
+                                        <p:tgtEl>
+                                          <p:spTgt spid="6"/>
+                                        </p:tgtEl>
+                                      </p:cBhvr>
+                                    </p:animEffect>
+                                    <p:set>
+                                      <p:cBhvr>
+                                        <p:cTn id="7" dur="1" fill="hold">
+                                          <p:stCondLst>
+                                            <p:cond delay="1999"/>
+                                          </p:stCondLst>
+                                        </p:cTn>
+                                        <p:tgtEl>
+                                          <p:spTgt spid="6"/>
+                                        </p:tgtEl>
+                                        <p:attrNameLst>
+                                          <p:attrName>style.visibility</p:attrName>
+                                        </p:attrNameLst>
+                                      </p:cBhvr>
+                                      <p:to>
+                                        <p:strVal val="hidden"/>
+                                      </p:to>
+                                    </p:set>
+                                    <p:cmd type="call" cmd="stop">
+                                      <p:cBhvr>
+                                        <p:cTn id="8" dur="1">
+                                          <p:stCondLst>
+                                            <p:cond delay="1999"/>
+                                          </p:stCondLst>
+                                        </p:cTn>
+                                        <p:tgtEl>
+                                          <p:spTgt spid="6"/>
+                                        </p:tgtEl>
+                                      </p:cBhvr>
+                                    </p:cmd>
+                                  </p:childTnLst>
+                                </p:cTn>
+                              </p:par>
+                            </p:childTnLst>
+                          </p:cTn>
+                        </p:par>
+                        <p:par>
+                          <p:cTn id="9" fill="hold">
+                            <p:stCondLst>
+                              <p:cond delay="2000"/>
+                            </p:stCondLst>
+                            <p:childTnLst>
+                              <p:par>
+                                <p:cTn id="10" presetID="10" presetClass="entr" presetSubtype="0" fill="hold" nodeType="afterEffect">
+                                  <p:stCondLst>
+                                    <p:cond delay="0"/>
+                                  </p:stCondLst>
+                                  <p:childTnLst>
+                                    <p:set>
+                                      <p:cBhvr>
+                                        <p:cTn id="11" dur="1" fill="hold">
+                                          <p:stCondLst>
+                                            <p:cond delay="0"/>
+                                          </p:stCondLst>
+                                        </p:cTn>
+                                        <p:tgtEl>
+                                          <p:spTgt spid="7"/>
+                                        </p:tgtEl>
+                                        <p:attrNameLst>
+                                          <p:attrName>style.visibility</p:attrName>
+                                        </p:attrNameLst>
+                                      </p:cBhvr>
+                                      <p:to>
+                                        <p:strVal val="visible"/>
+                                      </p:to>
+                                    </p:set>
+                                    <p:animEffect transition="in" filter="fade">
+                                      <p:cBhvr>
+                                        <p:cTn id="12" dur="2000"/>
+                                        <p:tgtEl>
+                                          <p:spTgt spid="7"/>
+                                        </p:tgtEl>
+                                      </p:cBhvr>
+                                    </p:animEffect>
+                                  </p:childTnLst>
+                                </p:cTn>
+                              </p:par>
+                            </p:childTnLst>
+                          </p:cTn>
+                        </p:par>
+                      </p:childTnLst>
+                    </p:cTn>
+                  </p:par>
+                </p:childTnLst>
+              </p:cTn>
+              <p:prevCondLst>
+                <p:cond evt="onPrev" delay="0">
+                  <p:tgtEl>
+                    <p:sldTgt/>
+                  </p:tgtEl>
+                </p:cond>
+              </p:prevCondLst>
+              <p:nextCondLst>
+                <p:cond evt="onNext" delay="0">
+                  <p:tgtEl>
+                    <p:sldTgt/>
+                  </p:tgtEl>
+                </p:cond>
+              </p:nextCondLst>
+            </p:seq>
+            <p:seq concurrent="1" nextAc="seek">
+              <p:cTn id="13" restart="whenNotActive" fill="hold" evtFilter="cancelBubble" nodeType="interactiveSeq">
+                <p:stCondLst>
+                  <p:cond evt="onClick" delay="0">
+                    <p:tgtEl>
+                      <p:spTgt spid="6"/>
+                    </p:tgtEl>
+                  </p:cond>
+                </p:stCondLst>
+                <p:endSync evt="end" delay="0">
+                  <p:rtn val="all"/>
+                </p:endSync>
+                <p:childTnLst>
+                  <p:par>
+                    <p:cTn id="14" fill="hold">
+                      <p:stCondLst>
+                        <p:cond delay="0"/>
+                      </p:stCondLst>
+                      <p:childTnLst>
+                        <p:par>
+                          <p:cTn id="15" fill="hold">
+                            <p:stCondLst>
+                              <p:cond delay="0"/>
+                            </p:stCondLst>
+                            <p:childTnLst>
+                              <p:par>
+                                <p:cTn id="16" presetID="2" presetClass="mediacall" presetSubtype="0" fill="hold" nodeType="clickEffect">
+                                  <p:stCondLst>
+                                    <p:cond delay="0"/>
+                                  </p:stCondLst>
+                                  <p:childTnLst>
+                                    <p:cmd type="call" cmd="togglePause">
+                                      <p:cBhvr>
+                                        <p:cTn id="17" dur="1" fill="hold"/>
+                                        <p:tgtEl>
+                                          <p:spTgt spid="6"/>
+                                        </p:tgtEl>
+                                      </p:cBhvr>
+                                    </p:cmd>
+                                  </p:childTnLst>
+                                </p:cTn>
+                              </p:par>
+                            </p:childTnLst>
+                          </p:cTn>
+                        </p:par>
+                      </p:childTnLst>
+                    </p:cTn>
+                  </p:par>
+                </p:childTnLst>
+              </p:cTn>
+              <p:nextCondLst>
+                <p:cond evt="onClick" delay="0">
+                  <p:tgtEl>
+                    <p:spTgt spid="6"/>
+                  </p:tgtEl>
+                </p:cond>
+              </p:nextCondLst>
+            </p:seq>
+            <p:video>
+              <p:cMediaNode>
+                <p:cTn id="18" fill="hold" display="0">
+                  <p:stCondLst>
+                    <p:cond delay="indefinite"/>
+                  </p:stCondLst>
+                  <p:endCondLst>
+                    <p:cond evt="onNext" delay="0">
+                      <p:tgtEl>
+                        <p:sldTgt/>
+                      </p:tgtEl>
+                    </p:cond>
+                    <p:cond evt="onPrev" delay="0">
+                      <p:tgtEl>
+                        <p:sldTgt/>
+                      </p:tgtEl>
+                    </p:cond>
+                  </p:endCondLst>
+                </p:cTn>
+                <p:tgtEl>
+                  <p:spTgt spid="6"/>
+                </p:tgtEl>
+              </p:cMediaNode>
+            </p:video>
+          </p:childTnLst>
+        </p:cTn>
+      </p:par>
+    </p:tnLst>
+  </p:timing>
+</p:sld>
+</file>
+
+<file path=ppt/slides/slide21.xml><?xml version="1.0" encoding="utf-8"?>
+<p:sld xmlns:a="http://schemas.openxmlformats.org/drawingml/2006/main" xmlns:r="http://schemas.openxmlformats.org/officeDocument/2006/relationships" xmlns:p="http://schemas.openxmlformats.org/presentationml/2006/main">
+  <p:cSld>
+    <p:spTree>
+      <p:nvGrpSpPr>
+        <p:cNvPr id="1" name=""/>
+        <p:cNvGrpSpPr/>
+        <p:nvPr/>
+      </p:nvGrpSpPr>
+      <p:grpSpPr>
+        <a:xfrm>
+          <a:off x="0" y="0"/>
+          <a:ext cx="0" cy="0"/>
+          <a:chOff x="0" y="0"/>
+          <a:chExt cx="0" cy="0"/>
+        </a:xfrm>
+      </p:grpSpPr>
+      <p:sp>
+        <p:nvSpPr>
+          <p:cNvPr id="8" name="Inhaltsplatzhalter 7"/>
+          <p:cNvSpPr>
+            <a:spLocks noGrp="1"/>
+          </p:cNvSpPr>
+          <p:nvPr>
+            <p:ph idx="1"/>
+          </p:nvPr>
+        </p:nvSpPr>
+        <p:spPr/>
+        <p:txBody>
+          <a:bodyPr/>
+          <a:lstStyle/>
+          <a:p>
+            <a:r>
+              <a:rPr lang="de-DE" dirty="0" smtClean="0"/>
+              <a:t>Lernen ist nur eine Annäherung an ein Modell</a:t>
+            </a:r>
+          </a:p>
+          <a:p>
+            <a:r>
+              <a:rPr lang="de-DE" dirty="0" smtClean="0"/>
+              <a:t>Gute Modellierung von Umwelt und Belohnungssystem ist Voraussetzung</a:t>
+            </a:r>
+          </a:p>
+          <a:p>
+            <a:r>
+              <a:rPr lang="de-DE" dirty="0" smtClean="0"/>
+              <a:t>Trotz unterschiedlicher Ansätze ähnliche Ergebnisse</a:t>
+            </a:r>
+          </a:p>
+          <a:p>
+            <a:r>
+              <a:rPr lang="de-DE" dirty="0" smtClean="0"/>
+              <a:t>Nie Perfekt</a:t>
+            </a:r>
+            <a:endParaRPr lang="de-DE" dirty="0"/>
+          </a:p>
+        </p:txBody>
+      </p:sp>
+      <p:sp>
+        <p:nvSpPr>
+          <p:cNvPr id="3" name="Datumsplatzhalter 2"/>
+          <p:cNvSpPr>
+            <a:spLocks noGrp="1"/>
+          </p:cNvSpPr>
+          <p:nvPr>
+            <p:ph type="dt" sz="half" idx="10"/>
+          </p:nvPr>
+        </p:nvSpPr>
+        <p:spPr/>
+        <p:txBody>
+          <a:bodyPr/>
+          <a:lstStyle/>
+          <a:p>
+            <a:fld id="{90B91035-B6B6-4B64-ACF0-D04FB96E551B}" type="datetime1">
+              <a:rPr lang="de-DE" smtClean="0"/>
+              <a:pPr/>
+              <a:t>29.06.2015</a:t>
+            </a:fld>
+            <a:endParaRPr lang="de-DE"/>
+          </a:p>
+        </p:txBody>
+      </p:sp>
+      <p:sp>
+        <p:nvSpPr>
+          <p:cNvPr id="4" name="Foliennummernplatzhalter 3"/>
+          <p:cNvSpPr>
+            <a:spLocks noGrp="1"/>
+          </p:cNvSpPr>
+          <p:nvPr>
+            <p:ph type="sldNum" sz="quarter" idx="12"/>
+          </p:nvPr>
+        </p:nvSpPr>
+        <p:spPr/>
+        <p:txBody>
+          <a:bodyPr/>
+          <a:lstStyle/>
+          <a:p>
+            <a:fld id="{B9DC6992-199D-4EB6-BFD7-444195B8EA7C}" type="slidenum">
+              <a:rPr lang="de-DE" smtClean="0"/>
+              <a:pPr/>
+              <a:t>21</a:t>
+            </a:fld>
+            <a:endParaRPr lang="de-DE"/>
+          </a:p>
+        </p:txBody>
+      </p:sp>
+      <p:sp>
+        <p:nvSpPr>
+          <p:cNvPr id="5" name="Titel 4"/>
+          <p:cNvSpPr>
+            <a:spLocks noGrp="1"/>
+          </p:cNvSpPr>
+          <p:nvPr>
+            <p:ph type="title"/>
+          </p:nvPr>
+        </p:nvSpPr>
+        <p:spPr/>
+        <p:txBody>
+          <a:bodyPr>
+            <a:normAutofit/>
+          </a:bodyPr>
+          <a:lstStyle/>
+          <a:p>
+            <a:pPr algn="ctr"/>
+            <a:r>
+              <a:rPr lang="de-DE" sz="5400" dirty="0" smtClean="0"/>
+              <a:t>Fazit</a:t>
+            </a:r>
+            <a:endParaRPr lang="de-DE" sz="5400" dirty="0"/>
+          </a:p>
+        </p:txBody>
+      </p:sp>
+    </p:spTree>
+  </p:cSld>
+  <p:clrMapOvr>
+    <a:masterClrMapping/>
+  </p:clrMapOvr>
+  <p:transition>
+    <p:fade/>
+  </p:transition>
+  <p:timing>
+    <p:tnLst>
+      <p:par>
+        <p:cTn id="1" dur="indefinite" restart="never" nodeType="tmRoot"/>
+      </p:par>
+    </p:tnLst>
+  </p:timing>
+</p:sld>
+</file>
+
+<file path=ppt/slides/slide22.xml><?xml version="1.0" encoding="utf-8"?>
+<p:sld xmlns:a="http://schemas.openxmlformats.org/drawingml/2006/main" xmlns:r="http://schemas.openxmlformats.org/officeDocument/2006/relationships" xmlns:p="http://schemas.openxmlformats.org/presentationml/2006/main">
+  <p:cSld>
+    <p:spTree>
+      <p:nvGrpSpPr>
+        <p:cNvPr id="1" name=""/>
+        <p:cNvGrpSpPr/>
+        <p:nvPr/>
+      </p:nvGrpSpPr>
+      <p:grpSpPr>
+        <a:xfrm>
+          <a:off x="0" y="0"/>
+          <a:ext cx="0" cy="0"/>
+          <a:chOff x="0" y="0"/>
+          <a:chExt cx="0" cy="0"/>
+        </a:xfrm>
+      </p:grpSpPr>
+      <p:pic>
+        <p:nvPicPr>
+          <p:cNvPr id="9" name="Loose_vs_Shadow.mp4">
+            <a:hlinkClick r:id="" action="ppaction://media"/>
+          </p:cNvPr>
+          <p:cNvPicPr>
+            <a:picLocks noGrp="1" noRot="1" noChangeAspect="1"/>
+          </p:cNvPicPr>
+          <p:nvPr>
+            <p:ph idx="1"/>
+            <a:videoFile r:link="rId1"/>
+          </p:nvPr>
+        </p:nvPicPr>
+        <p:blipFill>
+          <a:blip r:embed="rId3" cstate="print"/>
+          <a:stretch>
+            <a:fillRect/>
+          </a:stretch>
+        </p:blipFill>
+        <p:spPr>
+          <a:xfrm>
+            <a:off x="556969" y="260648"/>
+            <a:ext cx="8030063" cy="6022547"/>
+          </a:xfrm>
+          <a:prstGeom prst="rect">
+            <a:avLst/>
+          </a:prstGeom>
+        </p:spPr>
+      </p:pic>
+      <p:sp>
+        <p:nvSpPr>
+          <p:cNvPr id="3" name="Datumsplatzhalter 2"/>
+          <p:cNvSpPr>
+            <a:spLocks noGrp="1"/>
+          </p:cNvSpPr>
+          <p:nvPr>
+            <p:ph type="dt" sz="half" idx="10"/>
+          </p:nvPr>
+        </p:nvSpPr>
+        <p:spPr/>
+        <p:txBody>
+          <a:bodyPr/>
+          <a:lstStyle/>
+          <a:p>
+            <a:fld id="{90B91035-B6B6-4B64-ACF0-D04FB96E551B}" type="datetime1">
+              <a:rPr lang="de-DE" smtClean="0"/>
+              <a:pPr/>
+              <a:t>29.06.2015</a:t>
+            </a:fld>
+            <a:endParaRPr lang="de-DE"/>
+          </a:p>
+        </p:txBody>
+      </p:sp>
+      <p:sp>
+        <p:nvSpPr>
+          <p:cNvPr id="4" name="Foliennummernplatzhalter 3"/>
+          <p:cNvSpPr>
+            <a:spLocks noGrp="1"/>
+          </p:cNvSpPr>
+          <p:nvPr>
+            <p:ph type="sldNum" sz="quarter" idx="12"/>
+          </p:nvPr>
+        </p:nvSpPr>
+        <p:spPr/>
+        <p:txBody>
+          <a:bodyPr/>
+          <a:lstStyle/>
+          <a:p>
+            <a:fld id="{B9DC6992-199D-4EB6-BFD7-444195B8EA7C}" type="slidenum">
+              <a:rPr lang="de-DE" smtClean="0"/>
+              <a:pPr/>
+              <a:t>22</a:t>
+            </a:fld>
+            <a:endParaRPr lang="de-DE"/>
+          </a:p>
+        </p:txBody>
+      </p:sp>
+    </p:spTree>
+  </p:cSld>
+  <p:clrMapOvr>
+    <a:masterClrMapping/>
+  </p:clrMapOvr>
+  <p:transition>
+    <p:fade/>
+  </p:transition>
+  <p:timing>
+    <p:tnLst>
+      <p:par>
+        <p:cTn id="1" dur="indefinite" restart="never" nodeType="tmRoot">
+          <p:childTnLst>
+            <p:seq concurrent="1" nextAc="seek">
+              <p:cTn id="2" restart="whenNotActive" fill="hold" evtFilter="cancelBubble" nodeType="interactiveSeq">
+                <p:stCondLst>
+                  <p:cond evt="onClick" delay="0">
+                    <p:tgtEl>
+                      <p:spTgt spid="9"/>
+                    </p:tgtEl>
+                  </p:cond>
+                </p:stCondLst>
+                <p:endSync evt="end" delay="0">
+                  <p:rtn val="all"/>
+                </p:endSync>
+                <p:childTnLst>
+                  <p:par>
+                    <p:cTn id="3" fill="hold">
+                      <p:stCondLst>
+                        <p:cond delay="0"/>
+                      </p:stCondLst>
+                      <p:childTnLst>
+                        <p:par>
+                          <p:cTn id="4" fill="hold">
+                            <p:stCondLst>
+                              <p:cond delay="0"/>
+                            </p:stCondLst>
+                            <p:childTnLst>
+                              <p:par>
+                                <p:cTn id="5" presetID="2" presetClass="mediacall" presetSubtype="0" fill="hold" nodeType="clickEffect">
+                                  <p:stCondLst>
+                                    <p:cond delay="0"/>
+                                  </p:stCondLst>
+                                  <p:childTnLst>
+                                    <p:cmd type="call" cmd="togglePause">
+                                      <p:cBhvr>
+                                        <p:cTn id="6" dur="1" fill="hold"/>
+                                        <p:tgtEl>
+                                          <p:spTgt spid="9"/>
+                                        </p:tgtEl>
+                                      </p:cBhvr>
+                                    </p:cmd>
+                                  </p:childTnLst>
+                                </p:cTn>
+                              </p:par>
+                            </p:childTnLst>
+                          </p:cTn>
+                        </p:par>
+                      </p:childTnLst>
+                    </p:cTn>
+                  </p:par>
+                </p:childTnLst>
+              </p:cTn>
+              <p:nextCondLst>
+                <p:cond evt="onClick" delay="0">
+                  <p:tgtEl>
+                    <p:spTgt spid="9"/>
+                  </p:tgtEl>
+                </p:cond>
+              </p:nextCondLst>
+            </p:seq>
+            <p:video>
+              <p:cMediaNode>
+                <p:cTn id="7" fill="hold" display="0">
+                  <p:stCondLst>
+                    <p:cond delay="indefinite"/>
+                  </p:stCondLst>
+                  <p:endCondLst>
+                    <p:cond evt="onNext" delay="0">
+                      <p:tgtEl>
+                        <p:sldTgt/>
+                      </p:tgtEl>
+                    </p:cond>
+                    <p:cond evt="onPrev" delay="0">
+                      <p:tgtEl>
+                        <p:sldTgt/>
+                      </p:tgtEl>
+                    </p:cond>
+                  </p:endCondLst>
+                </p:cTn>
+                <p:tgtEl>
+                  <p:spTgt spid="9"/>
+                </p:tgtEl>
+              </p:cMediaNode>
+            </p:video>
+          </p:childTnLst>
+        </p:cTn>
       </p:par>
     </p:tnLst>
   </p:timing>
@@ -8650,7 +9583,8 @@
           <a:p>
             <a:fld id="{15A15F67-894A-42D7-9B6A-CEA2626501FD}" type="datetime1">
               <a:rPr lang="de-DE" smtClean="0"/>
-              <a:t>22.06.2015</a:t>
+              <a:pPr/>
+              <a:t>29.06.2015</a:t>
             </a:fld>
             <a:endParaRPr lang="de-DE"/>
           </a:p>
@@ -8705,7 +9639,7 @@
     </p:spTree>
     <p:extLst>
       <p:ext uri="{BB962C8B-B14F-4D97-AF65-F5344CB8AC3E}">
-        <p14:creationId xmlns:p14="http://schemas.microsoft.com/office/powerpoint/2010/main" val="4016090970"/>
+        <p14:creationId xmlns="" xmlns:p14="http://schemas.microsoft.com/office/powerpoint/2010/main" val="4016090970"/>
       </p:ext>
     </p:extLst>
   </p:cSld>
@@ -8759,7 +9693,8 @@
           <a:p>
             <a:fld id="{0CD45BD8-A2A4-4F6F-92BA-4012D1468E09}" type="datetime1">
               <a:rPr lang="de-DE" smtClean="0"/>
-              <a:t>22.06.2015</a:t>
+              <a:pPr/>
+              <a:t>29.06.2015</a:t>
             </a:fld>
             <a:endParaRPr lang="de-DE"/>
           </a:p>
@@ -8829,10 +9764,10 @@
           </p:nvPr>
         </p:nvPicPr>
         <p:blipFill>
-          <a:blip r:embed="rId3">
+          <a:blip r:embed="rId3" cstate="print">
             <a:extLst>
               <a:ext uri="{28A0092B-C50C-407E-A947-70E740481C1C}">
-                <a14:useLocalDpi xmlns:a14="http://schemas.microsoft.com/office/drawing/2010/main" val="0"/>
+                <a14:useLocalDpi xmlns="" xmlns:a14="http://schemas.microsoft.com/office/drawing/2010/main" val="0"/>
               </a:ext>
             </a:extLst>
           </a:blip>
@@ -8852,7 +9787,7 @@
           <a:noFill/>
           <a:extLst>
             <a:ext uri="{909E8E84-426E-40DD-AFC4-6F175D3DCCD1}">
-              <a14:hiddenFill xmlns:a14="http://schemas.microsoft.com/office/drawing/2010/main">
+              <a14:hiddenFill xmlns="" xmlns:a14="http://schemas.microsoft.com/office/drawing/2010/main">
                 <a:solidFill>
                   <a:srgbClr val="FFFFFF"/>
                 </a:solidFill>
@@ -9015,7 +9950,8 @@
           <a:p>
             <a:fld id="{15A15F67-894A-42D7-9B6A-CEA2626501FD}" type="datetime1">
               <a:rPr lang="de-DE" smtClean="0"/>
-              <a:t>22.06.2015</a:t>
+              <a:pPr/>
+              <a:t>29.06.2015</a:t>
             </a:fld>
             <a:endParaRPr lang="de-DE"/>
           </a:p>
@@ -9094,7 +10030,7 @@
     </p:spTree>
     <p:extLst>
       <p:ext uri="{BB962C8B-B14F-4D97-AF65-F5344CB8AC3E}">
-        <p14:creationId xmlns:p14="http://schemas.microsoft.com/office/powerpoint/2010/main" val="3408815873"/>
+        <p14:creationId xmlns="" xmlns:p14="http://schemas.microsoft.com/office/powerpoint/2010/main" val="3408815873"/>
       </p:ext>
     </p:extLst>
   </p:cSld>
@@ -9217,7 +10153,8 @@
           <a:p>
             <a:fld id="{15A15F67-894A-42D7-9B6A-CEA2626501FD}" type="datetime1">
               <a:rPr lang="de-DE" smtClean="0"/>
-              <a:t>22.06.2015</a:t>
+              <a:pPr/>
+              <a:t>29.06.2015</a:t>
             </a:fld>
             <a:endParaRPr lang="de-DE"/>
           </a:p>
@@ -9320,17 +10257,12 @@
               <a:rPr lang="de-DE" sz="2000" b="1" dirty="0" smtClean="0"/>
               <a:t>72 </a:t>
             </a:r>
-            <a:endParaRPr lang="de-DE" sz="2000" b="1" dirty="0" smtClean="0"/>
           </a:p>
           <a:p>
             <a:pPr algn="ctr"/>
             <a:r>
               <a:rPr lang="de-DE" sz="2000" b="1" dirty="0" smtClean="0"/>
-              <a:t>State-Action </a:t>
-            </a:r>
-            <a:r>
-              <a:rPr lang="de-DE" sz="2000" b="1" dirty="0" smtClean="0"/>
-              <a:t>Paare</a:t>
+              <a:t>State-Action Paare</a:t>
             </a:r>
             <a:endParaRPr lang="de-DE" sz="2000" b="1" dirty="0"/>
           </a:p>
@@ -9339,7 +10271,7 @@
     </p:spTree>
     <p:extLst>
       <p:ext uri="{BB962C8B-B14F-4D97-AF65-F5344CB8AC3E}">
-        <p14:creationId xmlns:p14="http://schemas.microsoft.com/office/powerpoint/2010/main" val="3452509524"/>
+        <p14:creationId xmlns="" xmlns:p14="http://schemas.microsoft.com/office/powerpoint/2010/main" val="3452509524"/>
       </p:ext>
     </p:extLst>
   </p:cSld>
@@ -9378,25 +10310,6 @@
       </p:grpSpPr>
       <p:sp>
         <p:nvSpPr>
-          <p:cNvPr id="2" name="Inhaltsplatzhalter 1"/>
-          <p:cNvSpPr>
-            <a:spLocks noGrp="1"/>
-          </p:cNvSpPr>
-          <p:nvPr>
-            <p:ph idx="1"/>
-          </p:nvPr>
-        </p:nvSpPr>
-        <p:spPr/>
-        <p:txBody>
-          <a:bodyPr/>
-          <a:lstStyle/>
-          <a:p>
-            <a:endParaRPr lang="de-DE"/>
-          </a:p>
-        </p:txBody>
-      </p:sp>
-      <p:sp>
-        <p:nvSpPr>
           <p:cNvPr id="3" name="Datumsplatzhalter 2"/>
           <p:cNvSpPr>
             <a:spLocks noGrp="1"/>
@@ -9412,7 +10325,8 @@
           <a:p>
             <a:fld id="{15A15F67-894A-42D7-9B6A-CEA2626501FD}" type="datetime1">
               <a:rPr lang="de-DE" smtClean="0"/>
-              <a:t>22.06.2015</a:t>
+              <a:pPr/>
+              <a:t>29.06.2015</a:t>
             </a:fld>
             <a:endParaRPr lang="de-DE"/>
           </a:p>
@@ -9459,16 +10373,49 @@
           <a:p>
             <a:r>
               <a:rPr lang="de-DE" dirty="0" smtClean="0"/>
-              <a:t>Video</a:t>
+              <a:t>1</a:t>
+            </a:r>
+            <a:r>
+              <a:rPr lang="de-DE" dirty="0" smtClean="0"/>
+              <a:t>. Modellierung</a:t>
             </a:r>
             <a:endParaRPr lang="de-DE" dirty="0"/>
           </a:p>
         </p:txBody>
       </p:sp>
+      <p:pic>
+        <p:nvPicPr>
+          <p:cNvPr id="7" name="AD_Simple.mp4">
+            <a:hlinkClick r:id="" action="ppaction://media"/>
+          </p:cNvPr>
+          <p:cNvPicPr>
+            <a:picLocks noGrp="1" noRot="1" noChangeAspect="1"/>
+          </p:cNvPicPr>
+          <p:nvPr>
+            <p:ph idx="1"/>
+            <a:videoFile r:link="rId1"/>
+          </p:nvPr>
+        </p:nvPicPr>
+        <p:blipFill>
+          <a:blip r:embed="rId3" cstate="print"/>
+          <a:stretch>
+            <a:fillRect/>
+          </a:stretch>
+        </p:blipFill>
+        <p:spPr>
+          <a:xfrm>
+            <a:off x="1188000" y="1313056"/>
+            <a:ext cx="6768000" cy="5076000"/>
+          </a:xfrm>
+          <a:prstGeom prst="rect">
+            <a:avLst/>
+          </a:prstGeom>
+        </p:spPr>
+      </p:pic>
     </p:spTree>
     <p:extLst>
       <p:ext uri="{BB962C8B-B14F-4D97-AF65-F5344CB8AC3E}">
-        <p14:creationId xmlns:p14="http://schemas.microsoft.com/office/powerpoint/2010/main" val="1186701987"/>
+        <p14:creationId xmlns="" xmlns:p14="http://schemas.microsoft.com/office/powerpoint/2010/main" val="1186701987"/>
       </p:ext>
     </p:extLst>
   </p:cSld>
@@ -9481,7 +10428,92 @@
   <p:timing>
     <p:tnLst>
       <p:par>
-        <p:cTn id="1" dur="indefinite" restart="never" nodeType="tmRoot"/>
+        <p:cTn id="1" dur="indefinite" restart="never" nodeType="tmRoot">
+          <p:childTnLst>
+            <p:seq concurrent="1" nextAc="seek">
+              <p:cTn id="2" restart="whenNotActive" fill="hold" evtFilter="cancelBubble" nodeType="interactiveSeq">
+                <p:stCondLst>
+                  <p:cond evt="onClick" delay="0">
+                    <p:tgtEl>
+                      <p:spTgt spid="7"/>
+                    </p:tgtEl>
+                  </p:cond>
+                </p:stCondLst>
+                <p:endSync evt="end" delay="0">
+                  <p:rtn val="all"/>
+                </p:endSync>
+                <p:childTnLst>
+                  <p:par>
+                    <p:cTn id="3" fill="hold">
+                      <p:stCondLst>
+                        <p:cond delay="0"/>
+                      </p:stCondLst>
+                      <p:childTnLst>
+                        <p:par>
+                          <p:cTn id="4" fill="hold">
+                            <p:stCondLst>
+                              <p:cond delay="0"/>
+                            </p:stCondLst>
+                            <p:childTnLst>
+                              <p:par>
+                                <p:cTn id="5" presetID="2" presetClass="mediacall" presetSubtype="0" fill="hold" nodeType="clickEffect">
+                                  <p:stCondLst>
+                                    <p:cond delay="0"/>
+                                  </p:stCondLst>
+                                  <p:childTnLst>
+                                    <p:cmd type="call" cmd="togglePause">
+                                      <p:cBhvr>
+                                        <p:cTn id="6" dur="1" fill="hold"/>
+                                        <p:tgtEl>
+                                          <p:spTgt spid="7"/>
+                                        </p:tgtEl>
+                                      </p:cBhvr>
+                                    </p:cmd>
+                                  </p:childTnLst>
+                                </p:cTn>
+                              </p:par>
+                            </p:childTnLst>
+                          </p:cTn>
+                        </p:par>
+                      </p:childTnLst>
+                    </p:cTn>
+                  </p:par>
+                </p:childTnLst>
+              </p:cTn>
+              <p:nextCondLst>
+                <p:cond evt="onClick" delay="0">
+                  <p:tgtEl>
+                    <p:spTgt spid="7"/>
+                  </p:tgtEl>
+                </p:cond>
+              </p:nextCondLst>
+            </p:seq>
+            <p:video>
+              <p:cMediaNode>
+                <p:cTn id="7" fill="hold" display="0">
+                  <p:stCondLst>
+                    <p:cond delay="indefinite"/>
+                  </p:stCondLst>
+                  <p:endCondLst>
+                    <p:cond evt="onNext" delay="0">
+                      <p:tgtEl>
+                        <p:sldTgt/>
+                      </p:tgtEl>
+                    </p:cond>
+                    <p:cond evt="onPrev" delay="0">
+                      <p:tgtEl>
+                        <p:sldTgt/>
+                      </p:tgtEl>
+                    </p:cond>
+                  </p:endCondLst>
+                </p:cTn>
+                <p:tgtEl>
+                  <p:spTgt spid="7"/>
+                </p:tgtEl>
+              </p:cMediaNode>
+            </p:video>
+          </p:childTnLst>
+        </p:cTn>
       </p:par>
     </p:tnLst>
   </p:timing>
@@ -9559,13 +10591,6 @@
               </a:rPr>
               <a:t>(8 Himmelsrichtung)</a:t>
             </a:r>
-            <a:endParaRPr lang="de-DE" dirty="0" smtClean="0">
-              <a:solidFill>
-                <a:schemeClr val="bg1">
-                  <a:lumMod val="50000"/>
-                </a:schemeClr>
-              </a:solidFill>
-            </a:endParaRPr>
           </a:p>
           <a:p>
             <a:pPr lvl="1"/>
@@ -9600,13 +10625,6 @@
               </a:rPr>
               <a:t>(3 Zonen)</a:t>
             </a:r>
-            <a:endParaRPr lang="de-DE" dirty="0" smtClean="0">
-              <a:solidFill>
-                <a:schemeClr val="bg1">
-                  <a:lumMod val="50000"/>
-                </a:schemeClr>
-              </a:solidFill>
-            </a:endParaRPr>
           </a:p>
           <a:p>
             <a:r>
@@ -9682,7 +10700,8 @@
           <a:p>
             <a:fld id="{15A15F67-894A-42D7-9B6A-CEA2626501FD}" type="datetime1">
               <a:rPr lang="de-DE" smtClean="0"/>
-              <a:t>22.06.2015</a:t>
+              <a:pPr/>
+              <a:t>29.06.2015</a:t>
             </a:fld>
             <a:endParaRPr lang="de-DE"/>
           </a:p>
@@ -9799,11 +10818,7 @@
             <a:pPr algn="ctr"/>
             <a:r>
               <a:rPr lang="de-DE" sz="2000" b="1" dirty="0" smtClean="0"/>
-              <a:t>State-Action </a:t>
-            </a:r>
-            <a:r>
-              <a:rPr lang="de-DE" sz="2000" b="1" dirty="0" smtClean="0"/>
-              <a:t>Paare</a:t>
+              <a:t>State-Action Paare</a:t>
             </a:r>
             <a:endParaRPr lang="de-DE" sz="2000" b="1" dirty="0"/>
           </a:p>
@@ -9812,7 +10827,7 @@
     </p:spTree>
     <p:extLst>
       <p:ext uri="{BB962C8B-B14F-4D97-AF65-F5344CB8AC3E}">
-        <p14:creationId xmlns:p14="http://schemas.microsoft.com/office/powerpoint/2010/main" val="297009121"/>
+        <p14:creationId xmlns="" xmlns:p14="http://schemas.microsoft.com/office/powerpoint/2010/main" val="297009121"/>
       </p:ext>
     </p:extLst>
   </p:cSld>
@@ -9849,25 +10864,35 @@
           <a:chExt cx="0" cy="0"/>
         </a:xfrm>
       </p:grpSpPr>
-      <p:sp>
-        <p:nvSpPr>
-          <p:cNvPr id="2" name="Inhaltsplatzhalter 1"/>
-          <p:cNvSpPr>
-            <a:spLocks noGrp="1"/>
-          </p:cNvSpPr>
+      <p:pic>
+        <p:nvPicPr>
+          <p:cNvPr id="6" name="AD_Advanced.mp4">
+            <a:hlinkClick r:id="" action="ppaction://media"/>
+          </p:cNvPr>
+          <p:cNvPicPr>
+            <a:picLocks noGrp="1" noRot="1" noChangeAspect="1"/>
+          </p:cNvPicPr>
           <p:nvPr>
             <p:ph idx="1"/>
-          </p:nvPr>
-        </p:nvSpPr>
-        <p:spPr/>
-        <p:txBody>
-          <a:bodyPr/>
-          <a:lstStyle/>
-          <a:p>
-            <a:endParaRPr lang="de-DE"/>
-          </a:p>
-        </p:txBody>
-      </p:sp>
+            <a:videoFile r:link="rId1"/>
+          </p:nvPr>
+        </p:nvPicPr>
+        <p:blipFill>
+          <a:blip r:embed="rId3" cstate="print"/>
+          <a:stretch>
+            <a:fillRect/>
+          </a:stretch>
+        </p:blipFill>
+        <p:spPr>
+          <a:xfrm>
+            <a:off x="1188000" y="1305328"/>
+            <a:ext cx="6768000" cy="5076000"/>
+          </a:xfrm>
+          <a:prstGeom prst="rect">
+            <a:avLst/>
+          </a:prstGeom>
+        </p:spPr>
+      </p:pic>
       <p:sp>
         <p:nvSpPr>
           <p:cNvPr id="3" name="Datumsplatzhalter 2"/>
@@ -9885,7 +10910,8 @@
           <a:p>
             <a:fld id="{15A15F67-894A-42D7-9B6A-CEA2626501FD}" type="datetime1">
               <a:rPr lang="de-DE" smtClean="0"/>
-              <a:t>22.06.2015</a:t>
+              <a:pPr/>
+              <a:t>29.06.2015</a:t>
             </a:fld>
             <a:endParaRPr lang="de-DE"/>
           </a:p>
@@ -9932,7 +10958,7 @@
           <a:p>
             <a:r>
               <a:rPr lang="de-DE" dirty="0" smtClean="0"/>
-              <a:t>Video</a:t>
+              <a:t>Finale Modellierung </a:t>
             </a:r>
             <a:endParaRPr lang="de-DE" dirty="0"/>
           </a:p>
@@ -9941,7 +10967,7 @@
     </p:spTree>
     <p:extLst>
       <p:ext uri="{BB962C8B-B14F-4D97-AF65-F5344CB8AC3E}">
-        <p14:creationId xmlns:p14="http://schemas.microsoft.com/office/powerpoint/2010/main" val="3292190090"/>
+        <p14:creationId xmlns="" xmlns:p14="http://schemas.microsoft.com/office/powerpoint/2010/main" val="3292190090"/>
       </p:ext>
     </p:extLst>
   </p:cSld>
@@ -9954,7 +10980,92 @@
   <p:timing>
     <p:tnLst>
       <p:par>
-        <p:cTn id="1" dur="indefinite" restart="never" nodeType="tmRoot"/>
+        <p:cTn id="1" dur="indefinite" restart="never" nodeType="tmRoot">
+          <p:childTnLst>
+            <p:seq concurrent="1" nextAc="seek">
+              <p:cTn id="2" restart="whenNotActive" fill="hold" evtFilter="cancelBubble" nodeType="interactiveSeq">
+                <p:stCondLst>
+                  <p:cond evt="onClick" delay="0">
+                    <p:tgtEl>
+                      <p:spTgt spid="6"/>
+                    </p:tgtEl>
+                  </p:cond>
+                </p:stCondLst>
+                <p:endSync evt="end" delay="0">
+                  <p:rtn val="all"/>
+                </p:endSync>
+                <p:childTnLst>
+                  <p:par>
+                    <p:cTn id="3" fill="hold">
+                      <p:stCondLst>
+                        <p:cond delay="0"/>
+                      </p:stCondLst>
+                      <p:childTnLst>
+                        <p:par>
+                          <p:cTn id="4" fill="hold">
+                            <p:stCondLst>
+                              <p:cond delay="0"/>
+                            </p:stCondLst>
+                            <p:childTnLst>
+                              <p:par>
+                                <p:cTn id="5" presetID="2" presetClass="mediacall" presetSubtype="0" fill="hold" nodeType="clickEffect">
+                                  <p:stCondLst>
+                                    <p:cond delay="0"/>
+                                  </p:stCondLst>
+                                  <p:childTnLst>
+                                    <p:cmd type="call" cmd="togglePause">
+                                      <p:cBhvr>
+                                        <p:cTn id="6" dur="1" fill="hold"/>
+                                        <p:tgtEl>
+                                          <p:spTgt spid="6"/>
+                                        </p:tgtEl>
+                                      </p:cBhvr>
+                                    </p:cmd>
+                                  </p:childTnLst>
+                                </p:cTn>
+                              </p:par>
+                            </p:childTnLst>
+                          </p:cTn>
+                        </p:par>
+                      </p:childTnLst>
+                    </p:cTn>
+                  </p:par>
+                </p:childTnLst>
+              </p:cTn>
+              <p:nextCondLst>
+                <p:cond evt="onClick" delay="0">
+                  <p:tgtEl>
+                    <p:spTgt spid="6"/>
+                  </p:tgtEl>
+                </p:cond>
+              </p:nextCondLst>
+            </p:seq>
+            <p:video>
+              <p:cMediaNode>
+                <p:cTn id="7" fill="hold" display="0">
+                  <p:stCondLst>
+                    <p:cond delay="indefinite"/>
+                  </p:stCondLst>
+                  <p:endCondLst>
+                    <p:cond evt="onNext" delay="0">
+                      <p:tgtEl>
+                        <p:sldTgt/>
+                      </p:tgtEl>
+                    </p:cond>
+                    <p:cond evt="onPrev" delay="0">
+                      <p:tgtEl>
+                        <p:sldTgt/>
+                      </p:tgtEl>
+                    </p:cond>
+                  </p:endCondLst>
+                </p:cTn>
+                <p:tgtEl>
+                  <p:spTgt spid="6"/>
+                </p:tgtEl>
+              </p:cMediaNode>
+            </p:video>
+          </p:childTnLst>
+        </p:cTn>
       </p:par>
     </p:tnLst>
   </p:timing>

--- a/Präsentation/LARC_Abschlusspräsentation.pptx
+++ b/Präsentation/LARC_Abschlusspräsentation.pptx
@@ -8018,8 +8018,8 @@
           </a:p>
           <a:p>
             <a:r>
-              <a:rPr lang="de-DE" dirty="0" err="1" smtClean="0"/>
-              <a:t>egrghn</a:t>
+              <a:rPr lang="de-DE" dirty="0" smtClean="0"/>
+              <a:t>Strategie stark von Belohnungen abhängig</a:t>
             </a:r>
             <a:endParaRPr lang="de-DE" dirty="0"/>
           </a:p>
